--- a/0090_ber/rtl/schematic/ber_7seg.pptx
+++ b/0090_ber/rtl/schematic/ber_7seg.pptx
@@ -197,7 +197,7 @@
           <a:p>
             <a:fld id="{B9E5BF02-4A65-43B2-AA51-912306618617}" type="datetimeFigureOut">
               <a:rPr lang="en-US" smtClean="0"/>
-              <a:t>10/5/2017</a:t>
+              <a:t>10/10/2017</a:t>
             </a:fld>
             <a:endParaRPr lang="en-US"/>
           </a:p>
@@ -685,7 +685,7 @@
           <a:p>
             <a:fld id="{F8F920B2-3E99-4C9D-9450-62A3DEC5476B}" type="datetimeFigureOut">
               <a:rPr lang="en-US" smtClean="0"/>
-              <a:t>10/5/2017</a:t>
+              <a:t>10/10/2017</a:t>
             </a:fld>
             <a:endParaRPr lang="en-US"/>
           </a:p>
@@ -855,7 +855,7 @@
           <a:p>
             <a:fld id="{F8F920B2-3E99-4C9D-9450-62A3DEC5476B}" type="datetimeFigureOut">
               <a:rPr lang="en-US" smtClean="0"/>
-              <a:t>10/5/2017</a:t>
+              <a:t>10/10/2017</a:t>
             </a:fld>
             <a:endParaRPr lang="en-US"/>
           </a:p>
@@ -1035,7 +1035,7 @@
           <a:p>
             <a:fld id="{F8F920B2-3E99-4C9D-9450-62A3DEC5476B}" type="datetimeFigureOut">
               <a:rPr lang="en-US" smtClean="0"/>
-              <a:t>10/5/2017</a:t>
+              <a:t>10/10/2017</a:t>
             </a:fld>
             <a:endParaRPr lang="en-US"/>
           </a:p>
@@ -1205,7 +1205,7 @@
           <a:p>
             <a:fld id="{F8F920B2-3E99-4C9D-9450-62A3DEC5476B}" type="datetimeFigureOut">
               <a:rPr lang="en-US" smtClean="0"/>
-              <a:t>10/5/2017</a:t>
+              <a:t>10/10/2017</a:t>
             </a:fld>
             <a:endParaRPr lang="en-US"/>
           </a:p>
@@ -1449,7 +1449,7 @@
           <a:p>
             <a:fld id="{F8F920B2-3E99-4C9D-9450-62A3DEC5476B}" type="datetimeFigureOut">
               <a:rPr lang="en-US" smtClean="0"/>
-              <a:t>10/5/2017</a:t>
+              <a:t>10/10/2017</a:t>
             </a:fld>
             <a:endParaRPr lang="en-US"/>
           </a:p>
@@ -1681,7 +1681,7 @@
           <a:p>
             <a:fld id="{F8F920B2-3E99-4C9D-9450-62A3DEC5476B}" type="datetimeFigureOut">
               <a:rPr lang="en-US" smtClean="0"/>
-              <a:t>10/5/2017</a:t>
+              <a:t>10/10/2017</a:t>
             </a:fld>
             <a:endParaRPr lang="en-US"/>
           </a:p>
@@ -2048,7 +2048,7 @@
           <a:p>
             <a:fld id="{F8F920B2-3E99-4C9D-9450-62A3DEC5476B}" type="datetimeFigureOut">
               <a:rPr lang="en-US" smtClean="0"/>
-              <a:t>10/5/2017</a:t>
+              <a:t>10/10/2017</a:t>
             </a:fld>
             <a:endParaRPr lang="en-US"/>
           </a:p>
@@ -2166,7 +2166,7 @@
           <a:p>
             <a:fld id="{F8F920B2-3E99-4C9D-9450-62A3DEC5476B}" type="datetimeFigureOut">
               <a:rPr lang="en-US" smtClean="0"/>
-              <a:t>10/5/2017</a:t>
+              <a:t>10/10/2017</a:t>
             </a:fld>
             <a:endParaRPr lang="en-US"/>
           </a:p>
@@ -2261,7 +2261,7 @@
           <a:p>
             <a:fld id="{F8F920B2-3E99-4C9D-9450-62A3DEC5476B}" type="datetimeFigureOut">
               <a:rPr lang="en-US" smtClean="0"/>
-              <a:t>10/5/2017</a:t>
+              <a:t>10/10/2017</a:t>
             </a:fld>
             <a:endParaRPr lang="en-US"/>
           </a:p>
@@ -2538,7 +2538,7 @@
           <a:p>
             <a:fld id="{F8F920B2-3E99-4C9D-9450-62A3DEC5476B}" type="datetimeFigureOut">
               <a:rPr lang="en-US" smtClean="0"/>
-              <a:t>10/5/2017</a:t>
+              <a:t>10/10/2017</a:t>
             </a:fld>
             <a:endParaRPr lang="en-US"/>
           </a:p>
@@ -2795,7 +2795,7 @@
           <a:p>
             <a:fld id="{F8F920B2-3E99-4C9D-9450-62A3DEC5476B}" type="datetimeFigureOut">
               <a:rPr lang="en-US" smtClean="0"/>
-              <a:t>10/5/2017</a:t>
+              <a:t>10/10/2017</a:t>
             </a:fld>
             <a:endParaRPr lang="en-US"/>
           </a:p>
@@ -3008,7 +3008,7 @@
           <a:p>
             <a:fld id="{F8F920B2-3E99-4C9D-9450-62A3DEC5476B}" type="datetimeFigureOut">
               <a:rPr lang="en-US" smtClean="0"/>
-              <a:t>10/5/2017</a:t>
+              <a:t>10/10/2017</a:t>
             </a:fld>
             <a:endParaRPr lang="en-US"/>
           </a:p>
@@ -4995,13 +4995,6 @@
               </a:rPr>
               <a:t>64</a:t>
             </a:r>
-            <a:endParaRPr lang="en-US" sz="900" dirty="0">
-              <a:solidFill>
-                <a:srgbClr val="000000"/>
-              </a:solidFill>
-              <a:latin typeface="Courier New" panose="02070309020205020404" pitchFamily="49" charset="0"/>
-              <a:cs typeface="Courier New" panose="02070309020205020404" pitchFamily="49" charset="0"/>
-            </a:endParaRPr>
           </a:p>
         </p:txBody>
       </p:sp>
@@ -5054,13 +5047,6 @@
               </a:rPr>
               <a:t>ERR_CNT</a:t>
             </a:r>
-            <a:endParaRPr lang="en-US" sz="900" dirty="0">
-              <a:solidFill>
-                <a:srgbClr val="000000"/>
-              </a:solidFill>
-              <a:latin typeface="Courier New" panose="02070309020205020404" pitchFamily="49" charset="0"/>
-              <a:cs typeface="Courier New" panose="02070309020205020404" pitchFamily="49" charset="0"/>
-            </a:endParaRPr>
           </a:p>
         </p:txBody>
       </p:sp>
@@ -5279,13 +5265,6 @@
               </a:rPr>
               <a:t>start</a:t>
             </a:r>
-            <a:endParaRPr lang="en-US" sz="900" dirty="0">
-              <a:solidFill>
-                <a:srgbClr val="000000"/>
-              </a:solidFill>
-              <a:latin typeface="Courier New" panose="02070309020205020404" pitchFamily="49" charset="0"/>
-              <a:cs typeface="Courier New" panose="02070309020205020404" pitchFamily="49" charset="0"/>
-            </a:endParaRPr>
           </a:p>
         </p:txBody>
       </p:sp>
@@ -5481,8 +5460,10 @@
                 <a:latin typeface="Courier New" panose="02070309020205020404" pitchFamily="49" charset="0"/>
                 <a:cs typeface="Courier New" panose="02070309020205020404" pitchFamily="49" charset="0"/>
               </a:rPr>
-              <a:t> </a:t>
-            </a:r>
+              <a:t> , .BW_MCAND (4)</a:t>
+            </a:r>
+          </a:p>
+          <a:p>
             <a:r>
               <a:rPr lang="en-US" sz="900" dirty="0">
                 <a:solidFill>
@@ -5491,37 +5472,8 @@
                 <a:latin typeface="Courier New" panose="02070309020205020404" pitchFamily="49" charset="0"/>
                 <a:cs typeface="Courier New" panose="02070309020205020404" pitchFamily="49" charset="0"/>
               </a:rPr>
-              <a:t>, .BW_MCAND (4)</a:t>
-            </a:r>
-          </a:p>
-          <a:p>
-            <a:r>
-              <a:rPr lang="en-US" sz="900" dirty="0">
-                <a:solidFill>
-                  <a:srgbClr val="000000"/>
-                </a:solidFill>
-                <a:latin typeface="Courier New" panose="02070309020205020404" pitchFamily="49" charset="0"/>
-                <a:cs typeface="Courier New" panose="02070309020205020404" pitchFamily="49" charset="0"/>
-              </a:rPr>
-              <a:t> </a:t>
-            </a:r>
-            <a:r>
-              <a:rPr lang="en-US" sz="900" dirty="0">
-                <a:solidFill>
-                  <a:srgbClr val="000000"/>
-                </a:solidFill>
-                <a:latin typeface="Courier New" panose="02070309020205020404" pitchFamily="49" charset="0"/>
-                <a:cs typeface="Courier New" panose="02070309020205020404" pitchFamily="49" charset="0"/>
-              </a:rPr>
-              <a:t>, .BW_MLIER (64) )</a:t>
-            </a:r>
-            <a:endParaRPr lang="en-US" sz="900" dirty="0">
-              <a:solidFill>
-                <a:srgbClr val="000000"/>
-              </a:solidFill>
-              <a:latin typeface="Courier New" panose="02070309020205020404" pitchFamily="49" charset="0"/>
-              <a:cs typeface="Courier New" panose="02070309020205020404" pitchFamily="49" charset="0"/>
-            </a:endParaRPr>
+              <a:t> , .BW_MLIER (64) )</a:t>
+            </a:r>
           </a:p>
           <a:p>
             <a:r>
@@ -5594,13 +5546,6 @@
               </a:rPr>
               <a:t>prod</a:t>
             </a:r>
-            <a:endParaRPr lang="en-US" sz="900" dirty="0">
-              <a:solidFill>
-                <a:srgbClr val="000000"/>
-              </a:solidFill>
-              <a:latin typeface="Courier New" panose="02070309020205020404" pitchFamily="49" charset="0"/>
-              <a:cs typeface="Courier New" panose="02070309020205020404" pitchFamily="49" charset="0"/>
-            </a:endParaRPr>
           </a:p>
         </p:txBody>
       </p:sp>
@@ -5970,13 +5915,6 @@
               </a:rPr>
               <a:t>1’b0</a:t>
             </a:r>
-            <a:endParaRPr lang="en-US" sz="900" dirty="0">
-              <a:solidFill>
-                <a:srgbClr val="000000"/>
-              </a:solidFill>
-              <a:latin typeface="Courier New" panose="02070309020205020404" pitchFamily="49" charset="0"/>
-              <a:cs typeface="Courier New" panose="02070309020205020404" pitchFamily="49" charset="0"/>
-            </a:endParaRPr>
           </a:p>
         </p:txBody>
       </p:sp>
@@ -6030,13 +5968,6 @@
               </a:rPr>
               <a:t>1’b0</a:t>
             </a:r>
-            <a:endParaRPr lang="en-US" sz="900" dirty="0">
-              <a:solidFill>
-                <a:srgbClr val="000000"/>
-              </a:solidFill>
-              <a:latin typeface="Courier New" panose="02070309020205020404" pitchFamily="49" charset="0"/>
-              <a:cs typeface="Courier New" panose="02070309020205020404" pitchFamily="49" charset="0"/>
-            </a:endParaRPr>
           </a:p>
         </p:txBody>
       </p:sp>
@@ -6164,13 +6095,6 @@
               </a:rPr>
               <a:t>3</a:t>
             </a:r>
-            <a:endParaRPr lang="en-US" sz="900" dirty="0">
-              <a:solidFill>
-                <a:srgbClr val="000000"/>
-              </a:solidFill>
-              <a:latin typeface="Courier New" panose="02070309020205020404" pitchFamily="49" charset="0"/>
-              <a:cs typeface="Courier New" panose="02070309020205020404" pitchFamily="49" charset="0"/>
-            </a:endParaRPr>
           </a:p>
         </p:txBody>
       </p:sp>
@@ -6223,13 +6147,6 @@
               </a:rPr>
               <a:t>state</a:t>
             </a:r>
-            <a:endParaRPr lang="en-US" sz="900" dirty="0">
-              <a:solidFill>
-                <a:srgbClr val="000000"/>
-              </a:solidFill>
-              <a:latin typeface="Courier New" panose="02070309020205020404" pitchFamily="49" charset="0"/>
-              <a:cs typeface="Courier New" panose="02070309020205020404" pitchFamily="49" charset="0"/>
-            </a:endParaRPr>
           </a:p>
         </p:txBody>
       </p:sp>
@@ -6528,13 +6445,6 @@
               </a:rPr>
               <a:t>64</a:t>
             </a:r>
-            <a:endParaRPr lang="en-US" sz="900" dirty="0">
-              <a:solidFill>
-                <a:srgbClr val="000000"/>
-              </a:solidFill>
-              <a:latin typeface="Courier New" panose="02070309020205020404" pitchFamily="49" charset="0"/>
-              <a:cs typeface="Courier New" panose="02070309020205020404" pitchFamily="49" charset="0"/>
-            </a:endParaRPr>
           </a:p>
         </p:txBody>
       </p:sp>
@@ -6578,14 +6488,14 @@
           <a:lstStyle/>
           <a:p>
             <a:r>
-              <a:rPr lang="en-US" sz="900" dirty="0" err="1">
+              <a:rPr lang="en-US" sz="900" dirty="0" err="1" smtClean="0">
                 <a:solidFill>
                   <a:srgbClr val="000000"/>
                 </a:solidFill>
                 <a:latin typeface="Courier New" panose="02070309020205020404" pitchFamily="49" charset="0"/>
                 <a:cs typeface="Courier New" panose="02070309020205020404" pitchFamily="49" charset="0"/>
               </a:rPr>
-              <a:t>err_cnt</a:t>
+              <a:t>ecnt</a:t>
             </a:r>
             <a:endParaRPr lang="en-US" sz="900" dirty="0">
               <a:solidFill>
@@ -6890,13 +6800,6 @@
               </a:rPr>
               <a:t>58</a:t>
             </a:r>
-            <a:endParaRPr lang="en-US" sz="900" dirty="0">
-              <a:solidFill>
-                <a:srgbClr val="000000"/>
-              </a:solidFill>
-              <a:latin typeface="Courier New" panose="02070309020205020404" pitchFamily="49" charset="0"/>
-              <a:cs typeface="Courier New" panose="02070309020205020404" pitchFamily="49" charset="0"/>
-            </a:endParaRPr>
           </a:p>
         </p:txBody>
       </p:sp>
@@ -6940,14 +6843,14 @@
           <a:lstStyle/>
           <a:p>
             <a:r>
-              <a:rPr lang="en-US" sz="900" dirty="0" err="1">
+              <a:rPr lang="en-US" sz="900" dirty="0" err="1" smtClean="0">
                 <a:solidFill>
                   <a:srgbClr val="000000"/>
                 </a:solidFill>
                 <a:latin typeface="Courier New" panose="02070309020205020404" pitchFamily="49" charset="0"/>
                 <a:cs typeface="Courier New" panose="02070309020205020404" pitchFamily="49" charset="0"/>
               </a:rPr>
-              <a:t>recv_cnt</a:t>
+              <a:t>rcnt</a:t>
             </a:r>
             <a:endParaRPr lang="en-US" sz="900" dirty="0">
               <a:solidFill>
@@ -7100,13 +7003,6 @@
               </a:rPr>
               <a:t>4’d10</a:t>
             </a:r>
-            <a:endParaRPr lang="en-US" sz="900" dirty="0">
-              <a:solidFill>
-                <a:srgbClr val="000000"/>
-              </a:solidFill>
-              <a:latin typeface="Courier New" panose="02070309020205020404" pitchFamily="49" charset="0"/>
-              <a:cs typeface="Courier New" panose="02070309020205020404" pitchFamily="49" charset="0"/>
-            </a:endParaRPr>
           </a:p>
         </p:txBody>
       </p:sp>
@@ -7306,25 +7202,8 @@
                 <a:latin typeface="Courier New" panose="02070309020205020404" pitchFamily="49" charset="0"/>
                 <a:cs typeface="Courier New" panose="02070309020205020404" pitchFamily="49" charset="0"/>
               </a:rPr>
-              <a:t>6</a:t>
-            </a:r>
-            <a:r>
-              <a:rPr lang="en-US" sz="900" dirty="0">
-                <a:solidFill>
-                  <a:srgbClr val="000000"/>
-                </a:solidFill>
-                <a:latin typeface="Courier New" panose="02070309020205020404" pitchFamily="49" charset="0"/>
-                <a:cs typeface="Courier New" panose="02070309020205020404" pitchFamily="49" charset="0"/>
-              </a:rPr>
-              <a:t>8</a:t>
-            </a:r>
-            <a:endParaRPr lang="en-US" sz="900" dirty="0">
-              <a:solidFill>
-                <a:srgbClr val="000000"/>
-              </a:solidFill>
-              <a:latin typeface="Courier New" panose="02070309020205020404" pitchFamily="49" charset="0"/>
-              <a:cs typeface="Courier New" panose="02070309020205020404" pitchFamily="49" charset="0"/>
-            </a:endParaRPr>
+              <a:t>68</a:t>
+            </a:r>
           </a:p>
         </p:txBody>
       </p:sp>
@@ -7600,13 +7479,6 @@
               </a:rPr>
               <a:t>64</a:t>
             </a:r>
-            <a:endParaRPr lang="en-US" sz="900" dirty="0">
-              <a:solidFill>
-                <a:srgbClr val="000000"/>
-              </a:solidFill>
-              <a:latin typeface="Courier New" panose="02070309020205020404" pitchFamily="49" charset="0"/>
-              <a:cs typeface="Courier New" panose="02070309020205020404" pitchFamily="49" charset="0"/>
-            </a:endParaRPr>
           </a:p>
         </p:txBody>
       </p:sp>
@@ -7697,13 +7569,6 @@
               </a:rPr>
               <a:t>4</a:t>
             </a:r>
-            <a:endParaRPr lang="en-US" sz="900" dirty="0">
-              <a:solidFill>
-                <a:srgbClr val="000000"/>
-              </a:solidFill>
-              <a:latin typeface="Courier New" panose="02070309020205020404" pitchFamily="49" charset="0"/>
-              <a:cs typeface="Courier New" panose="02070309020205020404" pitchFamily="49" charset="0"/>
-            </a:endParaRPr>
           </a:p>
         </p:txBody>
       </p:sp>
@@ -7756,13 +7621,6 @@
               </a:rPr>
               <a:t>prod</a:t>
             </a:r>
-            <a:endParaRPr lang="en-US" sz="900" dirty="0">
-              <a:solidFill>
-                <a:srgbClr val="000000"/>
-              </a:solidFill>
-              <a:latin typeface="Courier New" panose="02070309020205020404" pitchFamily="49" charset="0"/>
-              <a:cs typeface="Courier New" panose="02070309020205020404" pitchFamily="49" charset="0"/>
-            </a:endParaRPr>
           </a:p>
         </p:txBody>
       </p:sp>
@@ -7896,13 +7754,6 @@
               </a:rPr>
               <a:t>INIT</a:t>
             </a:r>
-            <a:endParaRPr lang="en-US" sz="900" dirty="0">
-              <a:solidFill>
-                <a:schemeClr val="tx1"/>
-              </a:solidFill>
-              <a:latin typeface="Courier New" panose="02070309020205020404" pitchFamily="49" charset="0"/>
-              <a:cs typeface="Courier New" panose="02070309020205020404" pitchFamily="49" charset="0"/>
-            </a:endParaRPr>
           </a:p>
         </p:txBody>
       </p:sp>
@@ -8194,13 +8045,6 @@
               </a:rPr>
               <a:t>START</a:t>
             </a:r>
-            <a:endParaRPr lang="en-US" sz="900" dirty="0">
-              <a:solidFill>
-                <a:srgbClr val="000000"/>
-              </a:solidFill>
-              <a:latin typeface="Courier New" panose="02070309020205020404" pitchFamily="49" charset="0"/>
-              <a:cs typeface="Courier New" panose="02070309020205020404" pitchFamily="49" charset="0"/>
-            </a:endParaRPr>
           </a:p>
         </p:txBody>
       </p:sp>
@@ -8340,13 +8184,6 @@
               </a:rPr>
               <a:t>end10</a:t>
             </a:r>
-            <a:endParaRPr lang="en-US" sz="900" dirty="0">
-              <a:solidFill>
-                <a:srgbClr val="000000"/>
-              </a:solidFill>
-              <a:latin typeface="Courier New" panose="02070309020205020404" pitchFamily="49" charset="0"/>
-              <a:cs typeface="Courier New" panose="02070309020205020404" pitchFamily="49" charset="0"/>
-            </a:endParaRPr>
           </a:p>
         </p:txBody>
       </p:sp>
@@ -8493,13 +8330,6 @@
               </a:rPr>
               <a:t>MUL10</a:t>
             </a:r>
-            <a:endParaRPr lang="en-US" sz="900" dirty="0">
-              <a:solidFill>
-                <a:schemeClr val="tx1"/>
-              </a:solidFill>
-              <a:latin typeface="Courier New" panose="02070309020205020404" pitchFamily="49" charset="0"/>
-              <a:cs typeface="Courier New" panose="02070309020205020404" pitchFamily="49" charset="0"/>
-            </a:endParaRPr>
           </a:p>
         </p:txBody>
       </p:sp>
@@ -8721,13 +8551,6 @@
               </a:rPr>
               <a:t>START</a:t>
             </a:r>
-            <a:endParaRPr lang="en-US" sz="900" dirty="0">
-              <a:solidFill>
-                <a:srgbClr val="000000"/>
-              </a:solidFill>
-              <a:latin typeface="Courier New" panose="02070309020205020404" pitchFamily="49" charset="0"/>
-              <a:cs typeface="Courier New" panose="02070309020205020404" pitchFamily="49" charset="0"/>
-            </a:endParaRPr>
           </a:p>
         </p:txBody>
       </p:sp>
@@ -9140,13 +8963,6 @@
               </a:rPr>
               <a:t>MUL10_LAST</a:t>
             </a:r>
-            <a:endParaRPr lang="en-US" sz="900" dirty="0">
-              <a:solidFill>
-                <a:schemeClr val="tx1"/>
-              </a:solidFill>
-              <a:latin typeface="Courier New" panose="02070309020205020404" pitchFamily="49" charset="0"/>
-              <a:cs typeface="Courier New" panose="02070309020205020404" pitchFamily="49" charset="0"/>
-            </a:endParaRPr>
           </a:p>
         </p:txBody>
       </p:sp>
@@ -9239,13 +9055,6 @@
               </a:rPr>
               <a:t>START</a:t>
             </a:r>
-            <a:endParaRPr lang="en-US" sz="900" dirty="0">
-              <a:solidFill>
-                <a:srgbClr val="000000"/>
-              </a:solidFill>
-              <a:latin typeface="Courier New" panose="02070309020205020404" pitchFamily="49" charset="0"/>
-              <a:cs typeface="Courier New" panose="02070309020205020404" pitchFamily="49" charset="0"/>
-            </a:endParaRPr>
           </a:p>
         </p:txBody>
       </p:sp>
@@ -9658,13 +9467,6 @@
               </a:rPr>
               <a:t>DIV</a:t>
             </a:r>
-            <a:endParaRPr lang="en-US" sz="900" dirty="0">
-              <a:solidFill>
-                <a:schemeClr val="tx1"/>
-              </a:solidFill>
-              <a:latin typeface="Courier New" panose="02070309020205020404" pitchFamily="49" charset="0"/>
-              <a:cs typeface="Courier New" panose="02070309020205020404" pitchFamily="49" charset="0"/>
-            </a:endParaRPr>
           </a:p>
         </p:txBody>
       </p:sp>
@@ -9757,13 +9559,6 @@
               </a:rPr>
               <a:t>START</a:t>
             </a:r>
-            <a:endParaRPr lang="en-US" sz="900" dirty="0">
-              <a:solidFill>
-                <a:srgbClr val="000000"/>
-              </a:solidFill>
-              <a:latin typeface="Courier New" panose="02070309020205020404" pitchFamily="49" charset="0"/>
-              <a:cs typeface="Courier New" panose="02070309020205020404" pitchFamily="49" charset="0"/>
-            </a:endParaRPr>
           </a:p>
         </p:txBody>
       </p:sp>
@@ -10023,17 +9818,7 @@
                 <a:latin typeface="Courier New" panose="02070309020205020404" pitchFamily="49" charset="0"/>
                 <a:cs typeface="Courier New" panose="02070309020205020404" pitchFamily="49" charset="0"/>
               </a:rPr>
-              <a:t>d</a:t>
-            </a:r>
-            <a:r>
-              <a:rPr lang="en-US" sz="900" dirty="0" err="1">
-                <a:solidFill>
-                  <a:srgbClr val="000000"/>
-                </a:solidFill>
-                <a:latin typeface="Courier New" panose="02070309020205020404" pitchFamily="49" charset="0"/>
-                <a:cs typeface="Courier New" panose="02070309020205020404" pitchFamily="49" charset="0"/>
-              </a:rPr>
-              <a:t>busy</a:t>
+              <a:t>dbusy</a:t>
             </a:r>
             <a:endParaRPr lang="en-US" sz="900" dirty="0">
               <a:solidFill>
@@ -10186,13 +9971,6 @@
               </a:rPr>
               <a:t>DIV10</a:t>
             </a:r>
-            <a:endParaRPr lang="en-US" sz="900" dirty="0">
-              <a:solidFill>
-                <a:schemeClr val="tx1"/>
-              </a:solidFill>
-              <a:latin typeface="Courier New" panose="02070309020205020404" pitchFamily="49" charset="0"/>
-              <a:cs typeface="Courier New" panose="02070309020205020404" pitchFamily="49" charset="0"/>
-            </a:endParaRPr>
           </a:p>
         </p:txBody>
       </p:sp>
@@ -10284,13 +10062,6 @@
               </a:rPr>
               <a:t>START</a:t>
             </a:r>
-            <a:endParaRPr lang="en-US" sz="900" dirty="0">
-              <a:solidFill>
-                <a:srgbClr val="000000"/>
-              </a:solidFill>
-              <a:latin typeface="Courier New" panose="02070309020205020404" pitchFamily="49" charset="0"/>
-              <a:cs typeface="Courier New" panose="02070309020205020404" pitchFamily="49" charset="0"/>
-            </a:endParaRPr>
           </a:p>
         </p:txBody>
       </p:sp>
@@ -10552,13 +10323,6 @@
               </a:rPr>
               <a:t>d10busy</a:t>
             </a:r>
-            <a:endParaRPr lang="en-US" sz="900" dirty="0">
-              <a:solidFill>
-                <a:srgbClr val="000000"/>
-              </a:solidFill>
-              <a:latin typeface="Courier New" panose="02070309020205020404" pitchFamily="49" charset="0"/>
-              <a:cs typeface="Courier New" panose="02070309020205020404" pitchFamily="49" charset="0"/>
-            </a:endParaRPr>
           </a:p>
         </p:txBody>
       </p:sp>
@@ -11073,13 +10837,6 @@
               </a:rPr>
               <a:t>COMP</a:t>
             </a:r>
-            <a:endParaRPr lang="en-US" sz="900" dirty="0">
-              <a:solidFill>
-                <a:schemeClr val="tx1"/>
-              </a:solidFill>
-              <a:latin typeface="Courier New" panose="02070309020205020404" pitchFamily="49" charset="0"/>
-              <a:cs typeface="Courier New" panose="02070309020205020404" pitchFamily="49" charset="0"/>
-            </a:endParaRPr>
           </a:p>
         </p:txBody>
       </p:sp>
@@ -11285,13 +11042,6 @@
               </a:rPr>
               <a:t>START</a:t>
             </a:r>
-            <a:endParaRPr lang="en-US" sz="900" dirty="0">
-              <a:solidFill>
-                <a:srgbClr val="000000"/>
-              </a:solidFill>
-              <a:latin typeface="Courier New" panose="02070309020205020404" pitchFamily="49" charset="0"/>
-              <a:cs typeface="Courier New" panose="02070309020205020404" pitchFamily="49" charset="0"/>
-            </a:endParaRPr>
           </a:p>
         </p:txBody>
       </p:sp>
@@ -11979,13 +11729,6 @@
               </a:rPr>
               <a:t>1</a:t>
             </a:r>
-            <a:endParaRPr lang="en-US" sz="900" dirty="0">
-              <a:solidFill>
-                <a:srgbClr val="000000"/>
-              </a:solidFill>
-              <a:latin typeface="Courier New" panose="02070309020205020404" pitchFamily="49" charset="0"/>
-              <a:cs typeface="Courier New" panose="02070309020205020404" pitchFamily="49" charset="0"/>
-            </a:endParaRPr>
           </a:p>
         </p:txBody>
       </p:sp>
@@ -12038,13 +11781,6 @@
               </a:rPr>
               <a:t>START</a:t>
             </a:r>
-            <a:endParaRPr lang="en-US" sz="900" dirty="0">
-              <a:solidFill>
-                <a:srgbClr val="000000"/>
-              </a:solidFill>
-              <a:latin typeface="Courier New" panose="02070309020205020404" pitchFamily="49" charset="0"/>
-              <a:cs typeface="Courier New" panose="02070309020205020404" pitchFamily="49" charset="0"/>
-            </a:endParaRPr>
           </a:p>
         </p:txBody>
       </p:sp>
@@ -12247,13 +11983,6 @@
               </a:rPr>
               <a:t>MUL10</a:t>
             </a:r>
-            <a:endParaRPr lang="en-US" sz="900" dirty="0">
-              <a:solidFill>
-                <a:srgbClr val="000000"/>
-              </a:solidFill>
-              <a:latin typeface="Courier New" panose="02070309020205020404" pitchFamily="49" charset="0"/>
-              <a:cs typeface="Courier New" panose="02070309020205020404" pitchFamily="49" charset="0"/>
-            </a:endParaRPr>
           </a:p>
         </p:txBody>
       </p:sp>
@@ -12346,13 +12075,6 @@
               </a:rPr>
               <a:t>busy</a:t>
             </a:r>
-            <a:endParaRPr lang="en-US" sz="900" dirty="0">
-              <a:solidFill>
-                <a:srgbClr val="000000"/>
-              </a:solidFill>
-              <a:latin typeface="Courier New" panose="02070309020205020404" pitchFamily="49" charset="0"/>
-              <a:cs typeface="Courier New" panose="02070309020205020404" pitchFamily="49" charset="0"/>
-            </a:endParaRPr>
           </a:p>
         </p:txBody>
       </p:sp>
@@ -12534,13 +12256,6 @@
               </a:rPr>
               <a:t>COMP</a:t>
             </a:r>
-            <a:endParaRPr lang="en-US" sz="900" dirty="0">
-              <a:solidFill>
-                <a:srgbClr val="000000"/>
-              </a:solidFill>
-              <a:latin typeface="Courier New" panose="02070309020205020404" pitchFamily="49" charset="0"/>
-              <a:cs typeface="Courier New" panose="02070309020205020404" pitchFamily="49" charset="0"/>
-            </a:endParaRPr>
           </a:p>
         </p:txBody>
       </p:sp>
@@ -13093,13 +12808,6 @@
               </a:rPr>
               <a:t>58</a:t>
             </a:r>
-            <a:endParaRPr lang="en-US" sz="900" dirty="0">
-              <a:solidFill>
-                <a:srgbClr val="000000"/>
-              </a:solidFill>
-              <a:latin typeface="Courier New" panose="02070309020205020404" pitchFamily="49" charset="0"/>
-              <a:cs typeface="Courier New" panose="02070309020205020404" pitchFamily="49" charset="0"/>
-            </a:endParaRPr>
           </a:p>
         </p:txBody>
       </p:sp>
@@ -13152,13 +12860,6 @@
               </a:rPr>
               <a:t>RECV_CNT</a:t>
             </a:r>
-            <a:endParaRPr lang="en-US" sz="900" dirty="0">
-              <a:solidFill>
-                <a:srgbClr val="000000"/>
-              </a:solidFill>
-              <a:latin typeface="Courier New" panose="02070309020205020404" pitchFamily="49" charset="0"/>
-              <a:cs typeface="Courier New" panose="02070309020205020404" pitchFamily="49" charset="0"/>
-            </a:endParaRPr>
           </a:p>
         </p:txBody>
       </p:sp>
@@ -13456,13 +13157,6 @@
               </a:rPr>
               <a:t>3</a:t>
             </a:r>
-            <a:endParaRPr lang="en-US" sz="900" dirty="0">
-              <a:solidFill>
-                <a:srgbClr val="000000"/>
-              </a:solidFill>
-              <a:latin typeface="Courier New" panose="02070309020205020404" pitchFamily="49" charset="0"/>
-              <a:cs typeface="Courier New" panose="02070309020205020404" pitchFamily="49" charset="0"/>
-            </a:endParaRPr>
           </a:p>
         </p:txBody>
       </p:sp>
@@ -13779,13 +13473,6 @@
               </a:rPr>
               <a:t>COMP</a:t>
             </a:r>
-            <a:endParaRPr lang="en-US" sz="900" dirty="0">
-              <a:solidFill>
-                <a:srgbClr val="000000"/>
-              </a:solidFill>
-              <a:latin typeface="Courier New" panose="02070309020205020404" pitchFamily="49" charset="0"/>
-              <a:cs typeface="Courier New" panose="02070309020205020404" pitchFamily="49" charset="0"/>
-            </a:endParaRPr>
           </a:p>
         </p:txBody>
       </p:sp>
@@ -14063,13 +13750,6 @@
               </a:rPr>
               <a:t>1</a:t>
             </a:r>
-            <a:endParaRPr lang="en-US" sz="900" dirty="0">
-              <a:solidFill>
-                <a:srgbClr val="000000"/>
-              </a:solidFill>
-              <a:latin typeface="Courier New" panose="02070309020205020404" pitchFamily="49" charset="0"/>
-              <a:cs typeface="Courier New" panose="02070309020205020404" pitchFamily="49" charset="0"/>
-            </a:endParaRPr>
           </a:p>
         </p:txBody>
       </p:sp>
@@ -14122,13 +13802,6 @@
               </a:rPr>
               <a:t>end10</a:t>
             </a:r>
-            <a:endParaRPr lang="en-US" sz="900" dirty="0">
-              <a:solidFill>
-                <a:srgbClr val="000000"/>
-              </a:solidFill>
-              <a:latin typeface="Courier New" panose="02070309020205020404" pitchFamily="49" charset="0"/>
-              <a:cs typeface="Courier New" panose="02070309020205020404" pitchFamily="49" charset="0"/>
-            </a:endParaRPr>
           </a:p>
         </p:txBody>
       </p:sp>
@@ -14292,13 +13965,6 @@
               </a:rPr>
               <a:t>6’d0</a:t>
             </a:r>
-            <a:endParaRPr lang="en-US" sz="900" dirty="0">
-              <a:solidFill>
-                <a:srgbClr val="000000"/>
-              </a:solidFill>
-              <a:latin typeface="Courier New" panose="02070309020205020404" pitchFamily="49" charset="0"/>
-              <a:cs typeface="Courier New" panose="02070309020205020404" pitchFamily="49" charset="0"/>
-            </a:endParaRPr>
           </a:p>
         </p:txBody>
       </p:sp>
@@ -14389,13 +14055,6 @@
               </a:rPr>
               <a:t>1</a:t>
             </a:r>
-            <a:endParaRPr lang="en-US" sz="900" dirty="0">
-              <a:solidFill>
-                <a:srgbClr val="000000"/>
-              </a:solidFill>
-              <a:latin typeface="Courier New" panose="02070309020205020404" pitchFamily="49" charset="0"/>
-              <a:cs typeface="Courier New" panose="02070309020205020404" pitchFamily="49" charset="0"/>
-            </a:endParaRPr>
           </a:p>
         </p:txBody>
       </p:sp>
@@ -14583,13 +14242,6 @@
               </a:rPr>
               <a:t>div</a:t>
             </a:r>
-            <a:endParaRPr lang="en-US" sz="900" dirty="0">
-              <a:solidFill>
-                <a:schemeClr val="tx1"/>
-              </a:solidFill>
-              <a:latin typeface="Courier New" panose="02070309020205020404" pitchFamily="49" charset="0"/>
-              <a:cs typeface="Courier New" panose="02070309020205020404" pitchFamily="49" charset="0"/>
-            </a:endParaRPr>
           </a:p>
         </p:txBody>
       </p:sp>
@@ -14642,13 +14294,6 @@
               </a:rPr>
               <a:t>DIVIDEND</a:t>
             </a:r>
-            <a:endParaRPr lang="en-US" sz="900" dirty="0">
-              <a:solidFill>
-                <a:srgbClr val="000000"/>
-              </a:solidFill>
-              <a:latin typeface="Courier New" panose="02070309020205020404" pitchFamily="49" charset="0"/>
-              <a:cs typeface="Courier New" panose="02070309020205020404" pitchFamily="49" charset="0"/>
-            </a:endParaRPr>
           </a:p>
         </p:txBody>
       </p:sp>
@@ -14701,13 +14346,6 @@
               </a:rPr>
               <a:t>START</a:t>
             </a:r>
-            <a:endParaRPr lang="en-US" sz="900" dirty="0">
-              <a:solidFill>
-                <a:srgbClr val="000000"/>
-              </a:solidFill>
-              <a:latin typeface="Courier New" panose="02070309020205020404" pitchFamily="49" charset="0"/>
-              <a:cs typeface="Courier New" panose="02070309020205020404" pitchFamily="49" charset="0"/>
-            </a:endParaRPr>
           </a:p>
         </p:txBody>
       </p:sp>
@@ -14760,13 +14398,6 @@
               </a:rPr>
               <a:t>CLK</a:t>
             </a:r>
-            <a:endParaRPr lang="en-US" sz="900" dirty="0">
-              <a:solidFill>
-                <a:srgbClr val="000000"/>
-              </a:solidFill>
-              <a:latin typeface="Courier New" panose="02070309020205020404" pitchFamily="49" charset="0"/>
-              <a:cs typeface="Courier New" panose="02070309020205020404" pitchFamily="49" charset="0"/>
-            </a:endParaRPr>
           </a:p>
         </p:txBody>
       </p:sp>
@@ -14903,8 +14534,10 @@
                 <a:latin typeface="Courier New" panose="02070309020205020404" pitchFamily="49" charset="0"/>
                 <a:cs typeface="Courier New" panose="02070309020205020404" pitchFamily="49" charset="0"/>
               </a:rPr>
-              <a:t> </a:t>
-            </a:r>
+              <a:t> , .BW_DEND (64)</a:t>
+            </a:r>
+          </a:p>
+          <a:p>
             <a:r>
               <a:rPr lang="en-US" sz="900" dirty="0">
                 <a:solidFill>
@@ -14913,37 +14546,8 @@
                 <a:latin typeface="Courier New" panose="02070309020205020404" pitchFamily="49" charset="0"/>
                 <a:cs typeface="Courier New" panose="02070309020205020404" pitchFamily="49" charset="0"/>
               </a:rPr>
-              <a:t>, .BW_DEND (64)</a:t>
-            </a:r>
-          </a:p>
-          <a:p>
-            <a:r>
-              <a:rPr lang="en-US" sz="900" dirty="0">
-                <a:solidFill>
-                  <a:srgbClr val="000000"/>
-                </a:solidFill>
-                <a:latin typeface="Courier New" panose="02070309020205020404" pitchFamily="49" charset="0"/>
-                <a:cs typeface="Courier New" panose="02070309020205020404" pitchFamily="49" charset="0"/>
-              </a:rPr>
-              <a:t> </a:t>
-            </a:r>
-            <a:r>
-              <a:rPr lang="en-US" sz="900" dirty="0">
-                <a:solidFill>
-                  <a:srgbClr val="000000"/>
-                </a:solidFill>
-                <a:latin typeface="Courier New" panose="02070309020205020404" pitchFamily="49" charset="0"/>
-                <a:cs typeface="Courier New" panose="02070309020205020404" pitchFamily="49" charset="0"/>
-              </a:rPr>
-              <a:t>, .BW_DSOR (64) )</a:t>
-            </a:r>
-            <a:endParaRPr lang="en-US" sz="900" dirty="0">
-              <a:solidFill>
-                <a:srgbClr val="000000"/>
-              </a:solidFill>
-              <a:latin typeface="Courier New" panose="02070309020205020404" pitchFamily="49" charset="0"/>
-              <a:cs typeface="Courier New" panose="02070309020205020404" pitchFamily="49" charset="0"/>
-            </a:endParaRPr>
+              <a:t> , .BW_DSOR (64) )</a:t>
+            </a:r>
           </a:p>
           <a:p>
             <a:r>
@@ -15016,13 +14620,6 @@
               </a:rPr>
               <a:t>QUOT</a:t>
             </a:r>
-            <a:endParaRPr lang="en-US" sz="900" dirty="0">
-              <a:solidFill>
-                <a:srgbClr val="000000"/>
-              </a:solidFill>
-              <a:latin typeface="Courier New" panose="02070309020205020404" pitchFamily="49" charset="0"/>
-              <a:cs typeface="Courier New" panose="02070309020205020404" pitchFamily="49" charset="0"/>
-            </a:endParaRPr>
           </a:p>
         </p:txBody>
       </p:sp>
@@ -15075,13 +14672,6 @@
               </a:rPr>
               <a:t>RSTX</a:t>
             </a:r>
-            <a:endParaRPr lang="en-US" sz="900" dirty="0">
-              <a:solidFill>
-                <a:srgbClr val="000000"/>
-              </a:solidFill>
-              <a:latin typeface="Courier New" panose="02070309020205020404" pitchFamily="49" charset="0"/>
-              <a:cs typeface="Courier New" panose="02070309020205020404" pitchFamily="49" charset="0"/>
-            </a:endParaRPr>
           </a:p>
         </p:txBody>
       </p:sp>
@@ -15134,13 +14724,6 @@
               </a:rPr>
               <a:t>DIVISOR</a:t>
             </a:r>
-            <a:endParaRPr lang="en-US" sz="900" dirty="0">
-              <a:solidFill>
-                <a:srgbClr val="000000"/>
-              </a:solidFill>
-              <a:latin typeface="Courier New" panose="02070309020205020404" pitchFamily="49" charset="0"/>
-              <a:cs typeface="Courier New" panose="02070309020205020404" pitchFamily="49" charset="0"/>
-            </a:endParaRPr>
           </a:p>
         </p:txBody>
       </p:sp>
@@ -15194,13 +14777,6 @@
               </a:rPr>
               <a:t>BUSY</a:t>
             </a:r>
-            <a:endParaRPr lang="en-US" sz="900" dirty="0">
-              <a:solidFill>
-                <a:srgbClr val="000000"/>
-              </a:solidFill>
-              <a:latin typeface="Courier New" panose="02070309020205020404" pitchFamily="49" charset="0"/>
-              <a:cs typeface="Courier New" panose="02070309020205020404" pitchFamily="49" charset="0"/>
-            </a:endParaRPr>
           </a:p>
         </p:txBody>
       </p:sp>
@@ -15254,13 +14830,6 @@
               </a:rPr>
               <a:t>REM</a:t>
             </a:r>
-            <a:endParaRPr lang="en-US" sz="900" dirty="0">
-              <a:solidFill>
-                <a:srgbClr val="000000"/>
-              </a:solidFill>
-              <a:latin typeface="Courier New" panose="02070309020205020404" pitchFamily="49" charset="0"/>
-              <a:cs typeface="Courier New" panose="02070309020205020404" pitchFamily="49" charset="0"/>
-            </a:endParaRPr>
           </a:p>
         </p:txBody>
       </p:sp>
@@ -15788,13 +15357,6 @@
               </a:rPr>
               <a:t>MUL10_LAST</a:t>
             </a:r>
-            <a:endParaRPr lang="en-US" sz="900" dirty="0">
-              <a:solidFill>
-                <a:srgbClr val="000000"/>
-              </a:solidFill>
-              <a:latin typeface="Courier New" panose="02070309020205020404" pitchFamily="49" charset="0"/>
-              <a:cs typeface="Courier New" panose="02070309020205020404" pitchFamily="49" charset="0"/>
-            </a:endParaRPr>
           </a:p>
         </p:txBody>
       </p:sp>
@@ -15978,13 +15540,6 @@
               </a:rPr>
               <a:t>DIV</a:t>
             </a:r>
-            <a:endParaRPr lang="en-US" sz="900" dirty="0">
-              <a:solidFill>
-                <a:srgbClr val="000000"/>
-              </a:solidFill>
-              <a:latin typeface="Courier New" panose="02070309020205020404" pitchFamily="49" charset="0"/>
-              <a:cs typeface="Courier New" panose="02070309020205020404" pitchFamily="49" charset="0"/>
-            </a:endParaRPr>
           </a:p>
         </p:txBody>
       </p:sp>
@@ -16189,13 +15744,6 @@
               </a:rPr>
               <a:t>div</a:t>
             </a:r>
-            <a:endParaRPr lang="en-US" sz="900" dirty="0">
-              <a:solidFill>
-                <a:schemeClr val="tx1"/>
-              </a:solidFill>
-              <a:latin typeface="Courier New" panose="02070309020205020404" pitchFamily="49" charset="0"/>
-              <a:cs typeface="Courier New" panose="02070309020205020404" pitchFamily="49" charset="0"/>
-            </a:endParaRPr>
           </a:p>
         </p:txBody>
       </p:sp>
@@ -16248,13 +15796,6 @@
               </a:rPr>
               <a:t>DIVIDEND</a:t>
             </a:r>
-            <a:endParaRPr lang="en-US" sz="900" dirty="0">
-              <a:solidFill>
-                <a:srgbClr val="000000"/>
-              </a:solidFill>
-              <a:latin typeface="Courier New" panose="02070309020205020404" pitchFamily="49" charset="0"/>
-              <a:cs typeface="Courier New" panose="02070309020205020404" pitchFamily="49" charset="0"/>
-            </a:endParaRPr>
           </a:p>
         </p:txBody>
       </p:sp>
@@ -16307,13 +15848,6 @@
               </a:rPr>
               <a:t>START</a:t>
             </a:r>
-            <a:endParaRPr lang="en-US" sz="900" dirty="0">
-              <a:solidFill>
-                <a:srgbClr val="000000"/>
-              </a:solidFill>
-              <a:latin typeface="Courier New" panose="02070309020205020404" pitchFamily="49" charset="0"/>
-              <a:cs typeface="Courier New" panose="02070309020205020404" pitchFamily="49" charset="0"/>
-            </a:endParaRPr>
           </a:p>
         </p:txBody>
       </p:sp>
@@ -16366,13 +15900,6 @@
               </a:rPr>
               <a:t>DIN</a:t>
             </a:r>
-            <a:endParaRPr lang="en-US" sz="900" dirty="0">
-              <a:solidFill>
-                <a:srgbClr val="000000"/>
-              </a:solidFill>
-              <a:latin typeface="Courier New" panose="02070309020205020404" pitchFamily="49" charset="0"/>
-              <a:cs typeface="Courier New" panose="02070309020205020404" pitchFamily="49" charset="0"/>
-            </a:endParaRPr>
           </a:p>
         </p:txBody>
       </p:sp>
@@ -16509,8 +16036,10 @@
                 <a:latin typeface="Courier New" panose="02070309020205020404" pitchFamily="49" charset="0"/>
                 <a:cs typeface="Courier New" panose="02070309020205020404" pitchFamily="49" charset="0"/>
               </a:rPr>
-              <a:t> </a:t>
-            </a:r>
+              <a:t> , .BW_DEND (7)</a:t>
+            </a:r>
+          </a:p>
+          <a:p>
             <a:r>
               <a:rPr lang="en-US" sz="900" dirty="0">
                 <a:solidFill>
@@ -16519,37 +16048,8 @@
                 <a:latin typeface="Courier New" panose="02070309020205020404" pitchFamily="49" charset="0"/>
                 <a:cs typeface="Courier New" panose="02070309020205020404" pitchFamily="49" charset="0"/>
               </a:rPr>
-              <a:t>, .BW_DEND (7)</a:t>
-            </a:r>
-          </a:p>
-          <a:p>
-            <a:r>
-              <a:rPr lang="en-US" sz="900" dirty="0">
-                <a:solidFill>
-                  <a:srgbClr val="000000"/>
-                </a:solidFill>
-                <a:latin typeface="Courier New" panose="02070309020205020404" pitchFamily="49" charset="0"/>
-                <a:cs typeface="Courier New" panose="02070309020205020404" pitchFamily="49" charset="0"/>
-              </a:rPr>
-              <a:t> </a:t>
-            </a:r>
-            <a:r>
-              <a:rPr lang="en-US" sz="900" dirty="0">
-                <a:solidFill>
-                  <a:srgbClr val="000000"/>
-                </a:solidFill>
-                <a:latin typeface="Courier New" panose="02070309020205020404" pitchFamily="49" charset="0"/>
-                <a:cs typeface="Courier New" panose="02070309020205020404" pitchFamily="49" charset="0"/>
-              </a:rPr>
-              <a:t>, .BW_DSOR (4) )</a:t>
-            </a:r>
-            <a:endParaRPr lang="en-US" sz="900" dirty="0">
-              <a:solidFill>
-                <a:srgbClr val="000000"/>
-              </a:solidFill>
-              <a:latin typeface="Courier New" panose="02070309020205020404" pitchFamily="49" charset="0"/>
-              <a:cs typeface="Courier New" panose="02070309020205020404" pitchFamily="49" charset="0"/>
-            </a:endParaRPr>
+              <a:t> , .BW_DSOR (4) )</a:t>
+            </a:r>
           </a:p>
           <a:p>
             <a:r>
@@ -16562,13 +16062,6 @@
               </a:rPr>
               <a:t>i_div10</a:t>
             </a:r>
-            <a:endParaRPr lang="en-US" sz="900" dirty="0">
-              <a:solidFill>
-                <a:srgbClr val="000000"/>
-              </a:solidFill>
-              <a:latin typeface="Courier New" panose="02070309020205020404" pitchFamily="49" charset="0"/>
-              <a:cs typeface="Courier New" panose="02070309020205020404" pitchFamily="49" charset="0"/>
-            </a:endParaRPr>
           </a:p>
         </p:txBody>
       </p:sp>
@@ -16622,13 +16115,6 @@
               </a:rPr>
               <a:t>QUOT</a:t>
             </a:r>
-            <a:endParaRPr lang="en-US" sz="900" dirty="0">
-              <a:solidFill>
-                <a:srgbClr val="000000"/>
-              </a:solidFill>
-              <a:latin typeface="Courier New" panose="02070309020205020404" pitchFamily="49" charset="0"/>
-              <a:cs typeface="Courier New" panose="02070309020205020404" pitchFamily="49" charset="0"/>
-            </a:endParaRPr>
           </a:p>
         </p:txBody>
       </p:sp>
@@ -16681,13 +16167,6 @@
               </a:rPr>
               <a:t>RSTX</a:t>
             </a:r>
-            <a:endParaRPr lang="en-US" sz="900" dirty="0">
-              <a:solidFill>
-                <a:srgbClr val="000000"/>
-              </a:solidFill>
-              <a:latin typeface="Courier New" panose="02070309020205020404" pitchFamily="49" charset="0"/>
-              <a:cs typeface="Courier New" panose="02070309020205020404" pitchFamily="49" charset="0"/>
-            </a:endParaRPr>
           </a:p>
         </p:txBody>
       </p:sp>
@@ -16740,13 +16219,6 @@
               </a:rPr>
               <a:t>DIVISOR</a:t>
             </a:r>
-            <a:endParaRPr lang="en-US" sz="900" dirty="0">
-              <a:solidFill>
-                <a:srgbClr val="000000"/>
-              </a:solidFill>
-              <a:latin typeface="Courier New" panose="02070309020205020404" pitchFamily="49" charset="0"/>
-              <a:cs typeface="Courier New" panose="02070309020205020404" pitchFamily="49" charset="0"/>
-            </a:endParaRPr>
           </a:p>
         </p:txBody>
       </p:sp>
@@ -16800,13 +16272,6 @@
               </a:rPr>
               <a:t>BUSY</a:t>
             </a:r>
-            <a:endParaRPr lang="en-US" sz="900" dirty="0">
-              <a:solidFill>
-                <a:srgbClr val="000000"/>
-              </a:solidFill>
-              <a:latin typeface="Courier New" panose="02070309020205020404" pitchFamily="49" charset="0"/>
-              <a:cs typeface="Courier New" panose="02070309020205020404" pitchFamily="49" charset="0"/>
-            </a:endParaRPr>
           </a:p>
         </p:txBody>
       </p:sp>
@@ -16860,13 +16325,6 @@
               </a:rPr>
               <a:t>REM</a:t>
             </a:r>
-            <a:endParaRPr lang="en-US" sz="900" dirty="0">
-              <a:solidFill>
-                <a:srgbClr val="000000"/>
-              </a:solidFill>
-              <a:latin typeface="Courier New" panose="02070309020205020404" pitchFamily="49" charset="0"/>
-              <a:cs typeface="Courier New" panose="02070309020205020404" pitchFamily="49" charset="0"/>
-            </a:endParaRPr>
           </a:p>
         </p:txBody>
       </p:sp>
@@ -17068,13 +16526,6 @@
               </a:rPr>
               <a:t>1</a:t>
             </a:r>
-            <a:endParaRPr lang="en-US" sz="900" dirty="0">
-              <a:solidFill>
-                <a:srgbClr val="000000"/>
-              </a:solidFill>
-              <a:latin typeface="Courier New" panose="02070309020205020404" pitchFamily="49" charset="0"/>
-              <a:cs typeface="Courier New" panose="02070309020205020404" pitchFamily="49" charset="0"/>
-            </a:endParaRPr>
           </a:p>
         </p:txBody>
       </p:sp>
@@ -17125,17 +16576,7 @@
                 <a:latin typeface="Courier New" panose="02070309020205020404" pitchFamily="49" charset="0"/>
                 <a:cs typeface="Courier New" panose="02070309020205020404" pitchFamily="49" charset="0"/>
               </a:rPr>
-              <a:t>d</a:t>
-            </a:r>
-            <a:r>
-              <a:rPr lang="en-US" sz="900" dirty="0" err="1">
-                <a:solidFill>
-                  <a:srgbClr val="000000"/>
-                </a:solidFill>
-                <a:latin typeface="Courier New" panose="02070309020205020404" pitchFamily="49" charset="0"/>
-                <a:cs typeface="Courier New" panose="02070309020205020404" pitchFamily="49" charset="0"/>
-              </a:rPr>
-              <a:t>busy</a:t>
+              <a:t>dbusy</a:t>
             </a:r>
             <a:endParaRPr lang="en-US" sz="900" dirty="0">
               <a:solidFill>
@@ -17345,13 +16786,6 @@
               </a:rPr>
               <a:t>1</a:t>
             </a:r>
-            <a:endParaRPr lang="en-US" sz="900" dirty="0">
-              <a:solidFill>
-                <a:srgbClr val="000000"/>
-              </a:solidFill>
-              <a:latin typeface="Courier New" panose="02070309020205020404" pitchFamily="49" charset="0"/>
-              <a:cs typeface="Courier New" panose="02070309020205020404" pitchFamily="49" charset="0"/>
-            </a:endParaRPr>
           </a:p>
         </p:txBody>
       </p:sp>
@@ -17404,13 +16838,6 @@
               </a:rPr>
               <a:t>d10busy</a:t>
             </a:r>
-            <a:endParaRPr lang="en-US" sz="900" dirty="0">
-              <a:solidFill>
-                <a:srgbClr val="000000"/>
-              </a:solidFill>
-              <a:latin typeface="Courier New" panose="02070309020205020404" pitchFamily="49" charset="0"/>
-              <a:cs typeface="Courier New" panose="02070309020205020404" pitchFamily="49" charset="0"/>
-            </a:endParaRPr>
           </a:p>
         </p:txBody>
       </p:sp>
@@ -17712,13 +17139,6 @@
               </a:rPr>
               <a:t>DIV</a:t>
             </a:r>
-            <a:endParaRPr lang="en-US" sz="900" dirty="0">
-              <a:solidFill>
-                <a:srgbClr val="000000"/>
-              </a:solidFill>
-              <a:latin typeface="Courier New" panose="02070309020205020404" pitchFamily="49" charset="0"/>
-              <a:cs typeface="Courier New" panose="02070309020205020404" pitchFamily="49" charset="0"/>
-            </a:endParaRPr>
           </a:p>
         </p:txBody>
       </p:sp>
@@ -17902,13 +17322,6 @@
               </a:rPr>
               <a:t>DIV10</a:t>
             </a:r>
-            <a:endParaRPr lang="en-US" sz="900" dirty="0">
-              <a:solidFill>
-                <a:srgbClr val="000000"/>
-              </a:solidFill>
-              <a:latin typeface="Courier New" panose="02070309020205020404" pitchFamily="49" charset="0"/>
-              <a:cs typeface="Courier New" panose="02070309020205020404" pitchFamily="49" charset="0"/>
-            </a:endParaRPr>
           </a:p>
         </p:txBody>
       </p:sp>
@@ -18148,13 +17561,6 @@
               </a:rPr>
               <a:t>4’d10</a:t>
             </a:r>
-            <a:endParaRPr lang="en-US" sz="900" dirty="0">
-              <a:solidFill>
-                <a:srgbClr val="000000"/>
-              </a:solidFill>
-              <a:latin typeface="Courier New" panose="02070309020205020404" pitchFamily="49" charset="0"/>
-              <a:cs typeface="Courier New" panose="02070309020205020404" pitchFamily="49" charset="0"/>
-            </a:endParaRPr>
           </a:p>
         </p:txBody>
       </p:sp>
@@ -18615,13 +18021,6 @@
               </a:rPr>
               <a:t>7</a:t>
             </a:r>
-            <a:endParaRPr lang="en-US" sz="900" dirty="0">
-              <a:solidFill>
-                <a:srgbClr val="000000"/>
-              </a:solidFill>
-              <a:latin typeface="Courier New" panose="02070309020205020404" pitchFamily="49" charset="0"/>
-              <a:cs typeface="Courier New" panose="02070309020205020404" pitchFamily="49" charset="0"/>
-            </a:endParaRPr>
           </a:p>
         </p:txBody>
       </p:sp>
@@ -18712,13 +18111,6 @@
               </a:rPr>
               <a:t>57</a:t>
             </a:r>
-            <a:endParaRPr lang="en-US" sz="900" dirty="0">
-              <a:solidFill>
-                <a:srgbClr val="000000"/>
-              </a:solidFill>
-              <a:latin typeface="Courier New" panose="02070309020205020404" pitchFamily="49" charset="0"/>
-              <a:cs typeface="Courier New" panose="02070309020205020404" pitchFamily="49" charset="0"/>
-            </a:endParaRPr>
           </a:p>
         </p:txBody>
       </p:sp>
@@ -18809,13 +18201,6 @@
               </a:rPr>
               <a:t>64</a:t>
             </a:r>
-            <a:endParaRPr lang="en-US" sz="900" dirty="0">
-              <a:solidFill>
-                <a:srgbClr val="000000"/>
-              </a:solidFill>
-              <a:latin typeface="Courier New" panose="02070309020205020404" pitchFamily="49" charset="0"/>
-              <a:cs typeface="Courier New" panose="02070309020205020404" pitchFamily="49" charset="0"/>
-            </a:endParaRPr>
           </a:p>
         </p:txBody>
       </p:sp>
@@ -18868,13 +18253,6 @@
               </a:rPr>
               <a:t>ratio</a:t>
             </a:r>
-            <a:endParaRPr lang="en-US" sz="900" dirty="0">
-              <a:solidFill>
-                <a:srgbClr val="000000"/>
-              </a:solidFill>
-              <a:latin typeface="Courier New" panose="02070309020205020404" pitchFamily="49" charset="0"/>
-              <a:cs typeface="Courier New" panose="02070309020205020404" pitchFamily="49" charset="0"/>
-            </a:endParaRPr>
           </a:p>
         </p:txBody>
       </p:sp>
@@ -19556,13 +18934,6 @@
               </a:rPr>
               <a:t>5</a:t>
             </a:r>
-            <a:endParaRPr lang="en-US" sz="900" dirty="0">
-              <a:solidFill>
-                <a:srgbClr val="000000"/>
-              </a:solidFill>
-              <a:latin typeface="Courier New" panose="02070309020205020404" pitchFamily="49" charset="0"/>
-              <a:cs typeface="Courier New" panose="02070309020205020404" pitchFamily="49" charset="0"/>
-            </a:endParaRPr>
           </a:p>
         </p:txBody>
       </p:sp>
@@ -20128,13 +19499,6 @@
               </a:rPr>
               <a:t>5’d0</a:t>
             </a:r>
-            <a:endParaRPr lang="en-US" sz="900" dirty="0">
-              <a:solidFill>
-                <a:srgbClr val="000000"/>
-              </a:solidFill>
-              <a:latin typeface="Courier New" panose="02070309020205020404" pitchFamily="49" charset="0"/>
-              <a:cs typeface="Courier New" panose="02070309020205020404" pitchFamily="49" charset="0"/>
-            </a:endParaRPr>
           </a:p>
         </p:txBody>
       </p:sp>
@@ -20190,13 +19554,6 @@
               </a:rPr>
               <a:t>+</a:t>
             </a:r>
-            <a:endParaRPr lang="en-US" sz="900" dirty="0">
-              <a:solidFill>
-                <a:srgbClr val="000000"/>
-              </a:solidFill>
-              <a:latin typeface="Courier New" panose="02070309020205020404" pitchFamily="49" charset="0"/>
-              <a:cs typeface="Courier New" panose="02070309020205020404" pitchFamily="49" charset="0"/>
-            </a:endParaRPr>
           </a:p>
         </p:txBody>
       </p:sp>
@@ -20325,13 +19682,6 @@
               </a:rPr>
               <a:t>5’d1</a:t>
             </a:r>
-            <a:endParaRPr lang="en-US" sz="900" dirty="0">
-              <a:solidFill>
-                <a:srgbClr val="000000"/>
-              </a:solidFill>
-              <a:latin typeface="Courier New" panose="02070309020205020404" pitchFamily="49" charset="0"/>
-              <a:cs typeface="Courier New" panose="02070309020205020404" pitchFamily="49" charset="0"/>
-            </a:endParaRPr>
           </a:p>
         </p:txBody>
       </p:sp>
@@ -20476,13 +19826,6 @@
               </a:rPr>
               <a:t>5’d17</a:t>
             </a:r>
-            <a:endParaRPr lang="en-US" sz="900" dirty="0">
-              <a:solidFill>
-                <a:srgbClr val="000000"/>
-              </a:solidFill>
-              <a:latin typeface="Courier New" panose="02070309020205020404" pitchFamily="49" charset="0"/>
-              <a:cs typeface="Courier New" panose="02070309020205020404" pitchFamily="49" charset="0"/>
-            </a:endParaRPr>
           </a:p>
         </p:txBody>
       </p:sp>
@@ -20610,13 +19953,6 @@
               </a:rPr>
               <a:t>1</a:t>
             </a:r>
-            <a:endParaRPr lang="en-US" sz="900" dirty="0">
-              <a:solidFill>
-                <a:srgbClr val="000000"/>
-              </a:solidFill>
-              <a:latin typeface="Courier New" panose="02070309020205020404" pitchFamily="49" charset="0"/>
-              <a:cs typeface="Courier New" panose="02070309020205020404" pitchFamily="49" charset="0"/>
-            </a:endParaRPr>
           </a:p>
         </p:txBody>
       </p:sp>
@@ -20804,13 +20140,6 @@
               </a:rPr>
               <a:t>div</a:t>
             </a:r>
-            <a:endParaRPr lang="en-US" sz="900" dirty="0">
-              <a:solidFill>
-                <a:schemeClr val="tx1"/>
-              </a:solidFill>
-              <a:latin typeface="Courier New" panose="02070309020205020404" pitchFamily="49" charset="0"/>
-              <a:cs typeface="Courier New" panose="02070309020205020404" pitchFamily="49" charset="0"/>
-            </a:endParaRPr>
           </a:p>
         </p:txBody>
       </p:sp>
@@ -20863,13 +20192,6 @@
               </a:rPr>
               <a:t>DIVIDEND</a:t>
             </a:r>
-            <a:endParaRPr lang="en-US" sz="900" dirty="0">
-              <a:solidFill>
-                <a:srgbClr val="000000"/>
-              </a:solidFill>
-              <a:latin typeface="Courier New" panose="02070309020205020404" pitchFamily="49" charset="0"/>
-              <a:cs typeface="Courier New" panose="02070309020205020404" pitchFamily="49" charset="0"/>
-            </a:endParaRPr>
           </a:p>
         </p:txBody>
       </p:sp>
@@ -20922,13 +20244,6 @@
               </a:rPr>
               <a:t>START</a:t>
             </a:r>
-            <a:endParaRPr lang="en-US" sz="900" dirty="0">
-              <a:solidFill>
-                <a:srgbClr val="000000"/>
-              </a:solidFill>
-              <a:latin typeface="Courier New" panose="02070309020205020404" pitchFamily="49" charset="0"/>
-              <a:cs typeface="Courier New" panose="02070309020205020404" pitchFamily="49" charset="0"/>
-            </a:endParaRPr>
           </a:p>
         </p:txBody>
       </p:sp>
@@ -20981,13 +20296,6 @@
               </a:rPr>
               <a:t>CLK</a:t>
             </a:r>
-            <a:endParaRPr lang="en-US" sz="900" dirty="0">
-              <a:solidFill>
-                <a:srgbClr val="000000"/>
-              </a:solidFill>
-              <a:latin typeface="Courier New" panose="02070309020205020404" pitchFamily="49" charset="0"/>
-              <a:cs typeface="Courier New" panose="02070309020205020404" pitchFamily="49" charset="0"/>
-            </a:endParaRPr>
           </a:p>
         </p:txBody>
       </p:sp>
@@ -21124,8 +20432,10 @@
                 <a:latin typeface="Courier New" panose="02070309020205020404" pitchFamily="49" charset="0"/>
                 <a:cs typeface="Courier New" panose="02070309020205020404" pitchFamily="49" charset="0"/>
               </a:rPr>
-              <a:t> </a:t>
-            </a:r>
+              <a:t> , .BW_DEND (5)</a:t>
+            </a:r>
+          </a:p>
+          <a:p>
             <a:r>
               <a:rPr lang="en-US" sz="900" dirty="0">
                 <a:solidFill>
@@ -21134,37 +20444,8 @@
                 <a:latin typeface="Courier New" panose="02070309020205020404" pitchFamily="49" charset="0"/>
                 <a:cs typeface="Courier New" panose="02070309020205020404" pitchFamily="49" charset="0"/>
               </a:rPr>
-              <a:t>, .BW_DEND (5)</a:t>
-            </a:r>
-          </a:p>
-          <a:p>
-            <a:r>
-              <a:rPr lang="en-US" sz="900" dirty="0">
-                <a:solidFill>
-                  <a:srgbClr val="000000"/>
-                </a:solidFill>
-                <a:latin typeface="Courier New" panose="02070309020205020404" pitchFamily="49" charset="0"/>
-                <a:cs typeface="Courier New" panose="02070309020205020404" pitchFamily="49" charset="0"/>
-              </a:rPr>
-              <a:t> </a:t>
-            </a:r>
-            <a:r>
-              <a:rPr lang="en-US" sz="900" dirty="0">
-                <a:solidFill>
-                  <a:srgbClr val="000000"/>
-                </a:solidFill>
-                <a:latin typeface="Courier New" panose="02070309020205020404" pitchFamily="49" charset="0"/>
-                <a:cs typeface="Courier New" panose="02070309020205020404" pitchFamily="49" charset="0"/>
-              </a:rPr>
-              <a:t>, .BW_DSOR (4) )</a:t>
-            </a:r>
-            <a:endParaRPr lang="en-US" sz="900" dirty="0">
-              <a:solidFill>
-                <a:srgbClr val="000000"/>
-              </a:solidFill>
-              <a:latin typeface="Courier New" panose="02070309020205020404" pitchFamily="49" charset="0"/>
-              <a:cs typeface="Courier New" panose="02070309020205020404" pitchFamily="49" charset="0"/>
-            </a:endParaRPr>
+              <a:t> , .BW_DSOR (4) )</a:t>
+            </a:r>
           </a:p>
           <a:p>
             <a:r>
@@ -21237,13 +20518,6 @@
               </a:rPr>
               <a:t>QUOT</a:t>
             </a:r>
-            <a:endParaRPr lang="en-US" sz="900" dirty="0">
-              <a:solidFill>
-                <a:srgbClr val="000000"/>
-              </a:solidFill>
-              <a:latin typeface="Courier New" panose="02070309020205020404" pitchFamily="49" charset="0"/>
-              <a:cs typeface="Courier New" panose="02070309020205020404" pitchFamily="49" charset="0"/>
-            </a:endParaRPr>
           </a:p>
         </p:txBody>
       </p:sp>
@@ -21296,13 +20570,6 @@
               </a:rPr>
               <a:t>RSTX</a:t>
             </a:r>
-            <a:endParaRPr lang="en-US" sz="900" dirty="0">
-              <a:solidFill>
-                <a:srgbClr val="000000"/>
-              </a:solidFill>
-              <a:latin typeface="Courier New" panose="02070309020205020404" pitchFamily="49" charset="0"/>
-              <a:cs typeface="Courier New" panose="02070309020205020404" pitchFamily="49" charset="0"/>
-            </a:endParaRPr>
           </a:p>
         </p:txBody>
       </p:sp>
@@ -21355,13 +20622,6 @@
               </a:rPr>
               <a:t>DIVISOR</a:t>
             </a:r>
-            <a:endParaRPr lang="en-US" sz="900" dirty="0">
-              <a:solidFill>
-                <a:srgbClr val="000000"/>
-              </a:solidFill>
-              <a:latin typeface="Courier New" panose="02070309020205020404" pitchFamily="49" charset="0"/>
-              <a:cs typeface="Courier New" panose="02070309020205020404" pitchFamily="49" charset="0"/>
-            </a:endParaRPr>
           </a:p>
         </p:txBody>
       </p:sp>
@@ -21415,13 +20675,6 @@
               </a:rPr>
               <a:t>BUSY</a:t>
             </a:r>
-            <a:endParaRPr lang="en-US" sz="900" dirty="0">
-              <a:solidFill>
-                <a:srgbClr val="000000"/>
-              </a:solidFill>
-              <a:latin typeface="Courier New" panose="02070309020205020404" pitchFamily="49" charset="0"/>
-              <a:cs typeface="Courier New" panose="02070309020205020404" pitchFamily="49" charset="0"/>
-            </a:endParaRPr>
           </a:p>
         </p:txBody>
       </p:sp>
@@ -21475,13 +20728,6 @@
               </a:rPr>
               <a:t>REM</a:t>
             </a:r>
-            <a:endParaRPr lang="en-US" sz="900" dirty="0">
-              <a:solidFill>
-                <a:srgbClr val="000000"/>
-              </a:solidFill>
-              <a:latin typeface="Courier New" panose="02070309020205020404" pitchFamily="49" charset="0"/>
-              <a:cs typeface="Courier New" panose="02070309020205020404" pitchFamily="49" charset="0"/>
-            </a:endParaRPr>
           </a:p>
         </p:txBody>
       </p:sp>
@@ -21609,13 +20855,6 @@
               </a:rPr>
               <a:t>1</a:t>
             </a:r>
-            <a:endParaRPr lang="en-US" sz="900" dirty="0">
-              <a:solidFill>
-                <a:srgbClr val="000000"/>
-              </a:solidFill>
-              <a:latin typeface="Courier New" panose="02070309020205020404" pitchFamily="49" charset="0"/>
-              <a:cs typeface="Courier New" panose="02070309020205020404" pitchFamily="49" charset="0"/>
-            </a:endParaRPr>
           </a:p>
         </p:txBody>
       </p:sp>
@@ -21705,13 +20944,6 @@
               </a:rPr>
               <a:t>4’d10</a:t>
             </a:r>
-            <a:endParaRPr lang="en-US" sz="900" dirty="0">
-              <a:solidFill>
-                <a:srgbClr val="000000"/>
-              </a:solidFill>
-              <a:latin typeface="Courier New" panose="02070309020205020404" pitchFamily="49" charset="0"/>
-              <a:cs typeface="Courier New" panose="02070309020205020404" pitchFamily="49" charset="0"/>
-            </a:endParaRPr>
           </a:p>
         </p:txBody>
       </p:sp>
@@ -22024,13 +21256,6 @@
               </a:rPr>
               <a:t>1</a:t>
             </a:r>
-            <a:endParaRPr lang="en-US" sz="900" dirty="0">
-              <a:solidFill>
-                <a:srgbClr val="000000"/>
-              </a:solidFill>
-              <a:latin typeface="Courier New" panose="02070309020205020404" pitchFamily="49" charset="0"/>
-              <a:cs typeface="Courier New" panose="02070309020205020404" pitchFamily="49" charset="0"/>
-            </a:endParaRPr>
           </a:p>
         </p:txBody>
       </p:sp>
@@ -22083,13 +21308,6 @@
               </a:rPr>
               <a:t>start_div10</a:t>
             </a:r>
-            <a:endParaRPr lang="en-US" sz="900" dirty="0">
-              <a:solidFill>
-                <a:srgbClr val="000000"/>
-              </a:solidFill>
-              <a:latin typeface="Courier New" panose="02070309020205020404" pitchFamily="49" charset="0"/>
-              <a:cs typeface="Courier New" panose="02070309020205020404" pitchFamily="49" charset="0"/>
-            </a:endParaRPr>
           </a:p>
         </p:txBody>
       </p:sp>
@@ -22216,13 +21434,6 @@
               </a:rPr>
               <a:t>RSTX</a:t>
             </a:r>
-            <a:endParaRPr lang="en-US" sz="900" dirty="0">
-              <a:solidFill>
-                <a:srgbClr val="000000"/>
-              </a:solidFill>
-              <a:latin typeface="Courier New" panose="02070309020205020404" pitchFamily="49" charset="0"/>
-              <a:cs typeface="Courier New" panose="02070309020205020404" pitchFamily="49" charset="0"/>
-            </a:endParaRPr>
           </a:p>
         </p:txBody>
       </p:sp>
@@ -22312,13 +21523,6 @@
               </a:rPr>
               <a:t>CLK</a:t>
             </a:r>
-            <a:endParaRPr lang="en-US" sz="900" dirty="0">
-              <a:solidFill>
-                <a:srgbClr val="000000"/>
-              </a:solidFill>
-              <a:latin typeface="Courier New" panose="02070309020205020404" pitchFamily="49" charset="0"/>
-              <a:cs typeface="Courier New" panose="02070309020205020404" pitchFamily="49" charset="0"/>
-            </a:endParaRPr>
           </a:p>
         </p:txBody>
       </p:sp>
@@ -22408,13 +21612,6 @@
               </a:rPr>
               <a:t>RSTX</a:t>
             </a:r>
-            <a:endParaRPr lang="en-US" sz="900" dirty="0">
-              <a:solidFill>
-                <a:srgbClr val="000000"/>
-              </a:solidFill>
-              <a:latin typeface="Courier New" panose="02070309020205020404" pitchFamily="49" charset="0"/>
-              <a:cs typeface="Courier New" panose="02070309020205020404" pitchFamily="49" charset="0"/>
-            </a:endParaRPr>
           </a:p>
         </p:txBody>
       </p:sp>
@@ -22504,13 +21701,6 @@
               </a:rPr>
               <a:t>CLK</a:t>
             </a:r>
-            <a:endParaRPr lang="en-US" sz="900" dirty="0">
-              <a:solidFill>
-                <a:srgbClr val="000000"/>
-              </a:solidFill>
-              <a:latin typeface="Courier New" panose="02070309020205020404" pitchFamily="49" charset="0"/>
-              <a:cs typeface="Courier New" panose="02070309020205020404" pitchFamily="49" charset="0"/>
-            </a:endParaRPr>
           </a:p>
         </p:txBody>
       </p:sp>
@@ -22600,13 +21790,6 @@
               </a:rPr>
               <a:t>RSTX</a:t>
             </a:r>
-            <a:endParaRPr lang="en-US" sz="900" dirty="0">
-              <a:solidFill>
-                <a:srgbClr val="000000"/>
-              </a:solidFill>
-              <a:latin typeface="Courier New" panose="02070309020205020404" pitchFamily="49" charset="0"/>
-              <a:cs typeface="Courier New" panose="02070309020205020404" pitchFamily="49" charset="0"/>
-            </a:endParaRPr>
           </a:p>
         </p:txBody>
       </p:sp>
@@ -22696,13 +21879,6 @@
               </a:rPr>
               <a:t>CLK</a:t>
             </a:r>
-            <a:endParaRPr lang="en-US" sz="900" dirty="0">
-              <a:solidFill>
-                <a:srgbClr val="000000"/>
-              </a:solidFill>
-              <a:latin typeface="Courier New" panose="02070309020205020404" pitchFamily="49" charset="0"/>
-              <a:cs typeface="Courier New" panose="02070309020205020404" pitchFamily="49" charset="0"/>
-            </a:endParaRPr>
           </a:p>
         </p:txBody>
       </p:sp>
@@ -22792,13 +21968,6 @@
               </a:rPr>
               <a:t>RSTX</a:t>
             </a:r>
-            <a:endParaRPr lang="en-US" sz="900" dirty="0">
-              <a:solidFill>
-                <a:srgbClr val="000000"/>
-              </a:solidFill>
-              <a:latin typeface="Courier New" panose="02070309020205020404" pitchFamily="49" charset="0"/>
-              <a:cs typeface="Courier New" panose="02070309020205020404" pitchFamily="49" charset="0"/>
-            </a:endParaRPr>
           </a:p>
         </p:txBody>
       </p:sp>
@@ -22888,13 +22057,6 @@
               </a:rPr>
               <a:t>CLK</a:t>
             </a:r>
-            <a:endParaRPr lang="en-US" sz="900" dirty="0">
-              <a:solidFill>
-                <a:srgbClr val="000000"/>
-              </a:solidFill>
-              <a:latin typeface="Courier New" panose="02070309020205020404" pitchFamily="49" charset="0"/>
-              <a:cs typeface="Courier New" panose="02070309020205020404" pitchFamily="49" charset="0"/>
-            </a:endParaRPr>
           </a:p>
         </p:txBody>
       </p:sp>
@@ -22949,13 +22111,6 @@
               </a:rPr>
               <a:t>encode_7seg</a:t>
             </a:r>
-            <a:endParaRPr lang="en-US" sz="900" dirty="0">
-              <a:solidFill>
-                <a:schemeClr val="tx1"/>
-              </a:solidFill>
-              <a:latin typeface="Courier New" panose="02070309020205020404" pitchFamily="49" charset="0"/>
-              <a:cs typeface="Courier New" panose="02070309020205020404" pitchFamily="49" charset="0"/>
-            </a:endParaRPr>
           </a:p>
         </p:txBody>
       </p:sp>
@@ -23085,13 +22240,6 @@
               </a:rPr>
               <a:t>7</a:t>
             </a:r>
-            <a:endParaRPr lang="en-US" sz="900" dirty="0">
-              <a:solidFill>
-                <a:srgbClr val="000000"/>
-              </a:solidFill>
-              <a:latin typeface="Courier New" panose="02070309020205020404" pitchFamily="49" charset="0"/>
-              <a:cs typeface="Courier New" panose="02070309020205020404" pitchFamily="49" charset="0"/>
-            </a:endParaRPr>
           </a:p>
         </p:txBody>
       </p:sp>
@@ -23367,13 +22515,6 @@
               </a:rPr>
               <a:t>3</a:t>
             </a:r>
-            <a:endParaRPr lang="en-US" sz="900" dirty="0">
-              <a:solidFill>
-                <a:srgbClr val="000000"/>
-              </a:solidFill>
-              <a:latin typeface="Courier New" panose="02070309020205020404" pitchFamily="49" charset="0"/>
-              <a:cs typeface="Courier New" panose="02070309020205020404" pitchFamily="49" charset="0"/>
-            </a:endParaRPr>
           </a:p>
         </p:txBody>
       </p:sp>
@@ -23464,13 +22605,6 @@
               </a:rPr>
               <a:t>4</a:t>
             </a:r>
-            <a:endParaRPr lang="en-US" sz="900" dirty="0">
-              <a:solidFill>
-                <a:srgbClr val="000000"/>
-              </a:solidFill>
-              <a:latin typeface="Courier New" panose="02070309020205020404" pitchFamily="49" charset="0"/>
-              <a:cs typeface="Courier New" panose="02070309020205020404" pitchFamily="49" charset="0"/>
-            </a:endParaRPr>
           </a:p>
         </p:txBody>
       </p:sp>
@@ -23523,13 +22657,6 @@
               </a:rPr>
               <a:t>CLK</a:t>
             </a:r>
-            <a:endParaRPr lang="en-US" sz="900" dirty="0">
-              <a:solidFill>
-                <a:srgbClr val="000000"/>
-              </a:solidFill>
-              <a:latin typeface="Courier New" panose="02070309020205020404" pitchFamily="49" charset="0"/>
-              <a:cs typeface="Courier New" panose="02070309020205020404" pitchFamily="49" charset="0"/>
-            </a:endParaRPr>
           </a:p>
         </p:txBody>
       </p:sp>
@@ -23583,13 +22710,6 @@
               </a:rPr>
               <a:t>DOUT</a:t>
             </a:r>
-            <a:endParaRPr lang="en-US" sz="900" dirty="0">
-              <a:solidFill>
-                <a:srgbClr val="000000"/>
-              </a:solidFill>
-              <a:latin typeface="Courier New" panose="02070309020205020404" pitchFamily="49" charset="0"/>
-              <a:cs typeface="Courier New" panose="02070309020205020404" pitchFamily="49" charset="0"/>
-            </a:endParaRPr>
           </a:p>
         </p:txBody>
       </p:sp>
@@ -23642,13 +22762,6 @@
               </a:rPr>
               <a:t>DIN</a:t>
             </a:r>
-            <a:endParaRPr lang="en-US" sz="900" dirty="0">
-              <a:solidFill>
-                <a:srgbClr val="000000"/>
-              </a:solidFill>
-              <a:latin typeface="Courier New" panose="02070309020205020404" pitchFamily="49" charset="0"/>
-              <a:cs typeface="Courier New" panose="02070309020205020404" pitchFamily="49" charset="0"/>
-            </a:endParaRPr>
           </a:p>
         </p:txBody>
       </p:sp>
@@ -23703,13 +22816,6 @@
               </a:rPr>
               <a:t>encode_7seg</a:t>
             </a:r>
-            <a:endParaRPr lang="en-US" sz="900" dirty="0">
-              <a:solidFill>
-                <a:schemeClr val="tx1"/>
-              </a:solidFill>
-              <a:latin typeface="Courier New" panose="02070309020205020404" pitchFamily="49" charset="0"/>
-              <a:cs typeface="Courier New" panose="02070309020205020404" pitchFamily="49" charset="0"/>
-            </a:endParaRPr>
           </a:p>
         </p:txBody>
       </p:sp>
@@ -23839,13 +22945,6 @@
               </a:rPr>
               <a:t>4</a:t>
             </a:r>
-            <a:endParaRPr lang="en-US" sz="900" dirty="0">
-              <a:solidFill>
-                <a:srgbClr val="000000"/>
-              </a:solidFill>
-              <a:latin typeface="Courier New" panose="02070309020205020404" pitchFamily="49" charset="0"/>
-              <a:cs typeface="Courier New" panose="02070309020205020404" pitchFamily="49" charset="0"/>
-            </a:endParaRPr>
           </a:p>
         </p:txBody>
       </p:sp>
@@ -23899,13 +22998,6 @@
               </a:rPr>
               <a:t>DOUT</a:t>
             </a:r>
-            <a:endParaRPr lang="en-US" sz="900" dirty="0">
-              <a:solidFill>
-                <a:srgbClr val="000000"/>
-              </a:solidFill>
-              <a:latin typeface="Courier New" panose="02070309020205020404" pitchFamily="49" charset="0"/>
-              <a:cs typeface="Courier New" panose="02070309020205020404" pitchFamily="49" charset="0"/>
-            </a:endParaRPr>
           </a:p>
         </p:txBody>
       </p:sp>
@@ -23958,13 +23050,6 @@
               </a:rPr>
               <a:t>DIN</a:t>
             </a:r>
-            <a:endParaRPr lang="en-US" sz="900" dirty="0">
-              <a:solidFill>
-                <a:srgbClr val="000000"/>
-              </a:solidFill>
-              <a:latin typeface="Courier New" panose="02070309020205020404" pitchFamily="49" charset="0"/>
-              <a:cs typeface="Courier New" panose="02070309020205020404" pitchFamily="49" charset="0"/>
-            </a:endParaRPr>
           </a:p>
         </p:txBody>
       </p:sp>
@@ -24019,13 +23104,6 @@
               </a:rPr>
               <a:t>encode_7seg</a:t>
             </a:r>
-            <a:endParaRPr lang="en-US" sz="900" dirty="0">
-              <a:solidFill>
-                <a:schemeClr val="tx1"/>
-              </a:solidFill>
-              <a:latin typeface="Courier New" panose="02070309020205020404" pitchFamily="49" charset="0"/>
-              <a:cs typeface="Courier New" panose="02070309020205020404" pitchFamily="49" charset="0"/>
-            </a:endParaRPr>
           </a:p>
         </p:txBody>
       </p:sp>
@@ -24155,13 +23233,6 @@
               </a:rPr>
               <a:t>5</a:t>
             </a:r>
-            <a:endParaRPr lang="en-US" sz="900" dirty="0">
-              <a:solidFill>
-                <a:srgbClr val="000000"/>
-              </a:solidFill>
-              <a:latin typeface="Courier New" panose="02070309020205020404" pitchFamily="49" charset="0"/>
-              <a:cs typeface="Courier New" panose="02070309020205020404" pitchFamily="49" charset="0"/>
-            </a:endParaRPr>
           </a:p>
         </p:txBody>
       </p:sp>
@@ -24437,13 +23508,6 @@
               </a:rPr>
               <a:t>1</a:t>
             </a:r>
-            <a:endParaRPr lang="en-US" sz="900" dirty="0">
-              <a:solidFill>
-                <a:srgbClr val="000000"/>
-              </a:solidFill>
-              <a:latin typeface="Courier New" panose="02070309020205020404" pitchFamily="49" charset="0"/>
-              <a:cs typeface="Courier New" panose="02070309020205020404" pitchFamily="49" charset="0"/>
-            </a:endParaRPr>
           </a:p>
         </p:txBody>
       </p:sp>
@@ -24534,13 +23598,6 @@
               </a:rPr>
               <a:t>4</a:t>
             </a:r>
-            <a:endParaRPr lang="en-US" sz="900" dirty="0">
-              <a:solidFill>
-                <a:srgbClr val="000000"/>
-              </a:solidFill>
-              <a:latin typeface="Courier New" panose="02070309020205020404" pitchFamily="49" charset="0"/>
-              <a:cs typeface="Courier New" panose="02070309020205020404" pitchFamily="49" charset="0"/>
-            </a:endParaRPr>
           </a:p>
         </p:txBody>
       </p:sp>
@@ -24594,13 +23651,6 @@
               </a:rPr>
               <a:t>DOUT</a:t>
             </a:r>
-            <a:endParaRPr lang="en-US" sz="900" dirty="0">
-              <a:solidFill>
-                <a:srgbClr val="000000"/>
-              </a:solidFill>
-              <a:latin typeface="Courier New" panose="02070309020205020404" pitchFamily="49" charset="0"/>
-              <a:cs typeface="Courier New" panose="02070309020205020404" pitchFamily="49" charset="0"/>
-            </a:endParaRPr>
           </a:p>
         </p:txBody>
       </p:sp>
@@ -24653,13 +23703,6 @@
               </a:rPr>
               <a:t>DIN</a:t>
             </a:r>
-            <a:endParaRPr lang="en-US" sz="900" dirty="0">
-              <a:solidFill>
-                <a:srgbClr val="000000"/>
-              </a:solidFill>
-              <a:latin typeface="Courier New" panose="02070309020205020404" pitchFamily="49" charset="0"/>
-              <a:cs typeface="Courier New" panose="02070309020205020404" pitchFamily="49" charset="0"/>
-            </a:endParaRPr>
           </a:p>
         </p:txBody>
       </p:sp>
@@ -24714,13 +23757,6 @@
               </a:rPr>
               <a:t>encode_7seg</a:t>
             </a:r>
-            <a:endParaRPr lang="en-US" sz="900" dirty="0">
-              <a:solidFill>
-                <a:schemeClr val="tx1"/>
-              </a:solidFill>
-              <a:latin typeface="Courier New" panose="02070309020205020404" pitchFamily="49" charset="0"/>
-              <a:cs typeface="Courier New" panose="02070309020205020404" pitchFamily="49" charset="0"/>
-            </a:endParaRPr>
           </a:p>
         </p:txBody>
       </p:sp>
@@ -24850,13 +23886,6 @@
               </a:rPr>
               <a:t>4</a:t>
             </a:r>
-            <a:endParaRPr lang="en-US" sz="900" dirty="0">
-              <a:solidFill>
-                <a:srgbClr val="000000"/>
-              </a:solidFill>
-              <a:latin typeface="Courier New" panose="02070309020205020404" pitchFamily="49" charset="0"/>
-              <a:cs typeface="Courier New" panose="02070309020205020404" pitchFamily="49" charset="0"/>
-            </a:endParaRPr>
           </a:p>
         </p:txBody>
       </p:sp>
@@ -24910,13 +23939,6 @@
               </a:rPr>
               <a:t>DOUT</a:t>
             </a:r>
-            <a:endParaRPr lang="en-US" sz="900" dirty="0">
-              <a:solidFill>
-                <a:srgbClr val="000000"/>
-              </a:solidFill>
-              <a:latin typeface="Courier New" panose="02070309020205020404" pitchFamily="49" charset="0"/>
-              <a:cs typeface="Courier New" panose="02070309020205020404" pitchFamily="49" charset="0"/>
-            </a:endParaRPr>
           </a:p>
         </p:txBody>
       </p:sp>
@@ -24969,13 +23991,6 @@
               </a:rPr>
               <a:t>i_encode_7seg_3</a:t>
             </a:r>
-            <a:endParaRPr lang="en-US" sz="900" dirty="0">
-              <a:solidFill>
-                <a:srgbClr val="000000"/>
-              </a:solidFill>
-              <a:latin typeface="Courier New" panose="02070309020205020404" pitchFamily="49" charset="0"/>
-              <a:cs typeface="Courier New" panose="02070309020205020404" pitchFamily="49" charset="0"/>
-            </a:endParaRPr>
           </a:p>
         </p:txBody>
       </p:sp>
@@ -25028,13 +24043,6 @@
               </a:rPr>
               <a:t>i_encode_7seg_2</a:t>
             </a:r>
-            <a:endParaRPr lang="en-US" sz="900" dirty="0">
-              <a:solidFill>
-                <a:srgbClr val="000000"/>
-              </a:solidFill>
-              <a:latin typeface="Courier New" panose="02070309020205020404" pitchFamily="49" charset="0"/>
-              <a:cs typeface="Courier New" panose="02070309020205020404" pitchFamily="49" charset="0"/>
-            </a:endParaRPr>
           </a:p>
         </p:txBody>
       </p:sp>
@@ -25087,13 +24095,6 @@
               </a:rPr>
               <a:t>i_encode_7seg_1</a:t>
             </a:r>
-            <a:endParaRPr lang="en-US" sz="900" dirty="0">
-              <a:solidFill>
-                <a:srgbClr val="000000"/>
-              </a:solidFill>
-              <a:latin typeface="Courier New" panose="02070309020205020404" pitchFamily="49" charset="0"/>
-              <a:cs typeface="Courier New" panose="02070309020205020404" pitchFamily="49" charset="0"/>
-            </a:endParaRPr>
           </a:p>
         </p:txBody>
       </p:sp>
@@ -25146,13 +24147,6 @@
               </a:rPr>
               <a:t>i_encode_7seg_0</a:t>
             </a:r>
-            <a:endParaRPr lang="en-US" sz="900" dirty="0">
-              <a:solidFill>
-                <a:srgbClr val="000000"/>
-              </a:solidFill>
-              <a:latin typeface="Courier New" panose="02070309020205020404" pitchFamily="49" charset="0"/>
-              <a:cs typeface="Courier New" panose="02070309020205020404" pitchFamily="49" charset="0"/>
-            </a:endParaRPr>
           </a:p>
         </p:txBody>
       </p:sp>
@@ -25294,13 +24288,6 @@
               </a:rPr>
               <a:t>7</a:t>
             </a:r>
-            <a:endParaRPr lang="en-US" sz="900" dirty="0">
-              <a:solidFill>
-                <a:srgbClr val="000000"/>
-              </a:solidFill>
-              <a:latin typeface="Courier New" panose="02070309020205020404" pitchFamily="49" charset="0"/>
-              <a:cs typeface="Courier New" panose="02070309020205020404" pitchFamily="49" charset="0"/>
-            </a:endParaRPr>
           </a:p>
         </p:txBody>
       </p:sp>
@@ -25353,13 +24340,6 @@
               </a:rPr>
               <a:t>DIGIT3</a:t>
             </a:r>
-            <a:endParaRPr lang="en-US" sz="900" dirty="0">
-              <a:solidFill>
-                <a:srgbClr val="000000"/>
-              </a:solidFill>
-              <a:latin typeface="Courier New" panose="02070309020205020404" pitchFamily="49" charset="0"/>
-              <a:cs typeface="Courier New" panose="02070309020205020404" pitchFamily="49" charset="0"/>
-            </a:endParaRPr>
           </a:p>
         </p:txBody>
       </p:sp>
@@ -25541,13 +24521,6 @@
               </a:rPr>
               <a:t>7</a:t>
             </a:r>
-            <a:endParaRPr lang="en-US" sz="900" dirty="0">
-              <a:solidFill>
-                <a:srgbClr val="000000"/>
-              </a:solidFill>
-              <a:latin typeface="Courier New" panose="02070309020205020404" pitchFamily="49" charset="0"/>
-              <a:cs typeface="Courier New" panose="02070309020205020404" pitchFamily="49" charset="0"/>
-            </a:endParaRPr>
           </a:p>
         </p:txBody>
       </p:sp>
@@ -25600,13 +24573,6 @@
               </a:rPr>
               <a:t>DIGIT2</a:t>
             </a:r>
-            <a:endParaRPr lang="en-US" sz="900" dirty="0">
-              <a:solidFill>
-                <a:srgbClr val="000000"/>
-              </a:solidFill>
-              <a:latin typeface="Courier New" panose="02070309020205020404" pitchFamily="49" charset="0"/>
-              <a:cs typeface="Courier New" panose="02070309020205020404" pitchFamily="49" charset="0"/>
-            </a:endParaRPr>
           </a:p>
         </p:txBody>
       </p:sp>
@@ -25787,13 +24753,6 @@
               </a:rPr>
               <a:t>7</a:t>
             </a:r>
-            <a:endParaRPr lang="en-US" sz="900" dirty="0">
-              <a:solidFill>
-                <a:srgbClr val="000000"/>
-              </a:solidFill>
-              <a:latin typeface="Courier New" panose="02070309020205020404" pitchFamily="49" charset="0"/>
-              <a:cs typeface="Courier New" panose="02070309020205020404" pitchFamily="49" charset="0"/>
-            </a:endParaRPr>
           </a:p>
         </p:txBody>
       </p:sp>
@@ -25846,13 +24805,6 @@
               </a:rPr>
               <a:t>DIGIT1</a:t>
             </a:r>
-            <a:endParaRPr lang="en-US" sz="900" dirty="0">
-              <a:solidFill>
-                <a:srgbClr val="000000"/>
-              </a:solidFill>
-              <a:latin typeface="Courier New" panose="02070309020205020404" pitchFamily="49" charset="0"/>
-              <a:cs typeface="Courier New" panose="02070309020205020404" pitchFamily="49" charset="0"/>
-            </a:endParaRPr>
           </a:p>
         </p:txBody>
       </p:sp>
@@ -26033,13 +24985,6 @@
               </a:rPr>
               <a:t>7</a:t>
             </a:r>
-            <a:endParaRPr lang="en-US" sz="900" dirty="0">
-              <a:solidFill>
-                <a:srgbClr val="000000"/>
-              </a:solidFill>
-              <a:latin typeface="Courier New" panose="02070309020205020404" pitchFamily="49" charset="0"/>
-              <a:cs typeface="Courier New" panose="02070309020205020404" pitchFamily="49" charset="0"/>
-            </a:endParaRPr>
           </a:p>
         </p:txBody>
       </p:sp>
@@ -26092,13 +25037,6 @@
               </a:rPr>
               <a:t>DIGIT0</a:t>
             </a:r>
-            <a:endParaRPr lang="en-US" sz="900" dirty="0">
-              <a:solidFill>
-                <a:srgbClr val="000000"/>
-              </a:solidFill>
-              <a:latin typeface="Courier New" panose="02070309020205020404" pitchFamily="49" charset="0"/>
-              <a:cs typeface="Courier New" panose="02070309020205020404" pitchFamily="49" charset="0"/>
-            </a:endParaRPr>
           </a:p>
         </p:txBody>
       </p:sp>
@@ -26190,13 +25128,6 @@
               </a:rPr>
               <a:t>dig3</a:t>
             </a:r>
-            <a:endParaRPr lang="en-US" sz="900" dirty="0">
-              <a:solidFill>
-                <a:srgbClr val="000000"/>
-              </a:solidFill>
-              <a:latin typeface="Courier New" panose="02070309020205020404" pitchFamily="49" charset="0"/>
-              <a:cs typeface="Courier New" panose="02070309020205020404" pitchFamily="49" charset="0"/>
-            </a:endParaRPr>
           </a:p>
         </p:txBody>
       </p:sp>
@@ -26249,13 +25180,6 @@
               </a:rPr>
               <a:t>dig2</a:t>
             </a:r>
-            <a:endParaRPr lang="en-US" sz="900" dirty="0">
-              <a:solidFill>
-                <a:srgbClr val="000000"/>
-              </a:solidFill>
-              <a:latin typeface="Courier New" panose="02070309020205020404" pitchFamily="49" charset="0"/>
-              <a:cs typeface="Courier New" panose="02070309020205020404" pitchFamily="49" charset="0"/>
-            </a:endParaRPr>
           </a:p>
         </p:txBody>
       </p:sp>
@@ -26308,13 +25232,6 @@
               </a:rPr>
               <a:t>dig1</a:t>
             </a:r>
-            <a:endParaRPr lang="en-US" sz="900" dirty="0">
-              <a:solidFill>
-                <a:srgbClr val="000000"/>
-              </a:solidFill>
-              <a:latin typeface="Courier New" panose="02070309020205020404" pitchFamily="49" charset="0"/>
-              <a:cs typeface="Courier New" panose="02070309020205020404" pitchFamily="49" charset="0"/>
-            </a:endParaRPr>
           </a:p>
         </p:txBody>
       </p:sp>
@@ -26366,6 +25283,155 @@
                 <a:cs typeface="Courier New" panose="02070309020205020404" pitchFamily="49" charset="0"/>
               </a:rPr>
               <a:t>dig0</a:t>
+            </a:r>
+          </a:p>
+        </p:txBody>
+      </p:sp>
+      <p:cxnSp>
+        <p:nvCxnSpPr>
+          <p:cNvPr id="551" name="Straight Connector 550"/>
+          <p:cNvCxnSpPr/>
+          <p:nvPr/>
+        </p:nvCxnSpPr>
+        <p:spPr>
+          <a:xfrm flipV="1">
+            <a:off x="4419600" y="3962399"/>
+            <a:ext cx="152400" cy="152400"/>
+          </a:xfrm>
+          <a:prstGeom prst="line">
+            <a:avLst/>
+          </a:prstGeom>
+          <a:ln w="12700">
+            <a:solidFill>
+              <a:srgbClr val="000000"/>
+            </a:solidFill>
+            <a:headEnd type="none" w="med" len="med"/>
+            <a:tailEnd type="none" w="med" len="med"/>
+          </a:ln>
+        </p:spPr>
+        <p:style>
+          <a:lnRef idx="1">
+            <a:schemeClr val="accent1"/>
+          </a:lnRef>
+          <a:fillRef idx="0">
+            <a:schemeClr val="accent1"/>
+          </a:fillRef>
+          <a:effectRef idx="0">
+            <a:schemeClr val="accent1"/>
+          </a:effectRef>
+          <a:fontRef idx="minor">
+            <a:schemeClr val="tx1"/>
+          </a:fontRef>
+        </p:style>
+      </p:cxnSp>
+      <p:sp>
+        <p:nvSpPr>
+          <p:cNvPr id="577" name="Rectangle 576"/>
+          <p:cNvSpPr/>
+          <p:nvPr/>
+        </p:nvSpPr>
+        <p:spPr>
+          <a:xfrm>
+            <a:off x="4419600" y="3886200"/>
+            <a:ext cx="152400" cy="76199"/>
+          </a:xfrm>
+          <a:prstGeom prst="rect">
+            <a:avLst/>
+          </a:prstGeom>
+          <a:noFill/>
+          <a:ln>
+            <a:noFill/>
+          </a:ln>
+        </p:spPr>
+        <p:style>
+          <a:lnRef idx="2">
+            <a:schemeClr val="accent1">
+              <a:shade val="50000"/>
+            </a:schemeClr>
+          </a:lnRef>
+          <a:fillRef idx="1">
+            <a:schemeClr val="accent1"/>
+          </a:fillRef>
+          <a:effectRef idx="0">
+            <a:schemeClr val="accent1"/>
+          </a:effectRef>
+          <a:fontRef idx="minor">
+            <a:schemeClr val="lt1"/>
+          </a:fontRef>
+        </p:style>
+        <p:txBody>
+          <a:bodyPr wrap="none" lIns="45720" rIns="45720" rtlCol="0" anchor="ctr"/>
+          <a:lstStyle/>
+          <a:p>
+            <a:pPr algn="ctr"/>
+            <a:r>
+              <a:rPr lang="en-US" sz="900" dirty="0" smtClean="0">
+                <a:solidFill>
+                  <a:srgbClr val="000000"/>
+                </a:solidFill>
+                <a:latin typeface="Courier New" panose="02070309020205020404" pitchFamily="49" charset="0"/>
+                <a:cs typeface="Courier New" panose="02070309020205020404" pitchFamily="49" charset="0"/>
+              </a:rPr>
+              <a:t>1</a:t>
+            </a:r>
+            <a:endParaRPr lang="en-US" sz="900" dirty="0">
+              <a:solidFill>
+                <a:srgbClr val="000000"/>
+              </a:solidFill>
+              <a:latin typeface="Courier New" panose="02070309020205020404" pitchFamily="49" charset="0"/>
+              <a:cs typeface="Courier New" panose="02070309020205020404" pitchFamily="49" charset="0"/>
+            </a:endParaRPr>
+          </a:p>
+        </p:txBody>
+      </p:sp>
+      <p:sp>
+        <p:nvSpPr>
+          <p:cNvPr id="587" name="Rectangle 586"/>
+          <p:cNvSpPr/>
+          <p:nvPr/>
+        </p:nvSpPr>
+        <p:spPr>
+          <a:xfrm>
+            <a:off x="4648200" y="4191000"/>
+            <a:ext cx="457200" cy="152399"/>
+          </a:xfrm>
+          <a:prstGeom prst="rect">
+            <a:avLst/>
+          </a:prstGeom>
+          <a:noFill/>
+          <a:ln>
+            <a:noFill/>
+          </a:ln>
+        </p:spPr>
+        <p:style>
+          <a:lnRef idx="2">
+            <a:schemeClr val="accent1">
+              <a:shade val="50000"/>
+            </a:schemeClr>
+          </a:lnRef>
+          <a:fillRef idx="1">
+            <a:schemeClr val="accent1"/>
+          </a:fillRef>
+          <a:effectRef idx="0">
+            <a:schemeClr val="accent1"/>
+          </a:effectRef>
+          <a:fontRef idx="minor">
+            <a:schemeClr val="lt1"/>
+          </a:fontRef>
+        </p:style>
+        <p:txBody>
+          <a:bodyPr wrap="none" lIns="45720" rIns="45720" rtlCol="0" anchor="ctr"/>
+          <a:lstStyle/>
+          <a:p>
+            <a:r>
+              <a:rPr lang="en-US" sz="900" dirty="0" err="1" smtClean="0">
+                <a:solidFill>
+                  <a:srgbClr val="000000"/>
+                </a:solidFill>
+                <a:latin typeface="Courier New" panose="02070309020205020404" pitchFamily="49" charset="0"/>
+                <a:cs typeface="Courier New" panose="02070309020205020404" pitchFamily="49" charset="0"/>
+              </a:rPr>
+              <a:t>updt_ecnt</a:t>
             </a:r>
             <a:endParaRPr lang="en-US" sz="900" dirty="0">
               <a:solidFill>

--- a/0090_ber/rtl/schematic/ber_7seg.pptx
+++ b/0090_ber/rtl/schematic/ber_7seg.pptx
@@ -197,7 +197,7 @@
           <a:p>
             <a:fld id="{B9E5BF02-4A65-43B2-AA51-912306618617}" type="datetimeFigureOut">
               <a:rPr lang="en-US" smtClean="0"/>
-              <a:t>10/10/2017</a:t>
+              <a:t>10/12/2017</a:t>
             </a:fld>
             <a:endParaRPr lang="en-US"/>
           </a:p>
@@ -685,7 +685,7 @@
           <a:p>
             <a:fld id="{F8F920B2-3E99-4C9D-9450-62A3DEC5476B}" type="datetimeFigureOut">
               <a:rPr lang="en-US" smtClean="0"/>
-              <a:t>10/10/2017</a:t>
+              <a:t>10/12/2017</a:t>
             </a:fld>
             <a:endParaRPr lang="en-US"/>
           </a:p>
@@ -855,7 +855,7 @@
           <a:p>
             <a:fld id="{F8F920B2-3E99-4C9D-9450-62A3DEC5476B}" type="datetimeFigureOut">
               <a:rPr lang="en-US" smtClean="0"/>
-              <a:t>10/10/2017</a:t>
+              <a:t>10/12/2017</a:t>
             </a:fld>
             <a:endParaRPr lang="en-US"/>
           </a:p>
@@ -1035,7 +1035,7 @@
           <a:p>
             <a:fld id="{F8F920B2-3E99-4C9D-9450-62A3DEC5476B}" type="datetimeFigureOut">
               <a:rPr lang="en-US" smtClean="0"/>
-              <a:t>10/10/2017</a:t>
+              <a:t>10/12/2017</a:t>
             </a:fld>
             <a:endParaRPr lang="en-US"/>
           </a:p>
@@ -1205,7 +1205,7 @@
           <a:p>
             <a:fld id="{F8F920B2-3E99-4C9D-9450-62A3DEC5476B}" type="datetimeFigureOut">
               <a:rPr lang="en-US" smtClean="0"/>
-              <a:t>10/10/2017</a:t>
+              <a:t>10/12/2017</a:t>
             </a:fld>
             <a:endParaRPr lang="en-US"/>
           </a:p>
@@ -1449,7 +1449,7 @@
           <a:p>
             <a:fld id="{F8F920B2-3E99-4C9D-9450-62A3DEC5476B}" type="datetimeFigureOut">
               <a:rPr lang="en-US" smtClean="0"/>
-              <a:t>10/10/2017</a:t>
+              <a:t>10/12/2017</a:t>
             </a:fld>
             <a:endParaRPr lang="en-US"/>
           </a:p>
@@ -1681,7 +1681,7 @@
           <a:p>
             <a:fld id="{F8F920B2-3E99-4C9D-9450-62A3DEC5476B}" type="datetimeFigureOut">
               <a:rPr lang="en-US" smtClean="0"/>
-              <a:t>10/10/2017</a:t>
+              <a:t>10/12/2017</a:t>
             </a:fld>
             <a:endParaRPr lang="en-US"/>
           </a:p>
@@ -2048,7 +2048,7 @@
           <a:p>
             <a:fld id="{F8F920B2-3E99-4C9D-9450-62A3DEC5476B}" type="datetimeFigureOut">
               <a:rPr lang="en-US" smtClean="0"/>
-              <a:t>10/10/2017</a:t>
+              <a:t>10/12/2017</a:t>
             </a:fld>
             <a:endParaRPr lang="en-US"/>
           </a:p>
@@ -2166,7 +2166,7 @@
           <a:p>
             <a:fld id="{F8F920B2-3E99-4C9D-9450-62A3DEC5476B}" type="datetimeFigureOut">
               <a:rPr lang="en-US" smtClean="0"/>
-              <a:t>10/10/2017</a:t>
+              <a:t>10/12/2017</a:t>
             </a:fld>
             <a:endParaRPr lang="en-US"/>
           </a:p>
@@ -2261,7 +2261,7 @@
           <a:p>
             <a:fld id="{F8F920B2-3E99-4C9D-9450-62A3DEC5476B}" type="datetimeFigureOut">
               <a:rPr lang="en-US" smtClean="0"/>
-              <a:t>10/10/2017</a:t>
+              <a:t>10/12/2017</a:t>
             </a:fld>
             <a:endParaRPr lang="en-US"/>
           </a:p>
@@ -2538,7 +2538,7 @@
           <a:p>
             <a:fld id="{F8F920B2-3E99-4C9D-9450-62A3DEC5476B}" type="datetimeFigureOut">
               <a:rPr lang="en-US" smtClean="0"/>
-              <a:t>10/10/2017</a:t>
+              <a:t>10/12/2017</a:t>
             </a:fld>
             <a:endParaRPr lang="en-US"/>
           </a:p>
@@ -2795,7 +2795,7 @@
           <a:p>
             <a:fld id="{F8F920B2-3E99-4C9D-9450-62A3DEC5476B}" type="datetimeFigureOut">
               <a:rPr lang="en-US" smtClean="0"/>
-              <a:t>10/10/2017</a:t>
+              <a:t>10/12/2017</a:t>
             </a:fld>
             <a:endParaRPr lang="en-US"/>
           </a:p>
@@ -3008,7 +3008,7 @@
           <a:p>
             <a:fld id="{F8F920B2-3E99-4C9D-9450-62A3DEC5476B}" type="datetimeFigureOut">
               <a:rPr lang="en-US" smtClean="0"/>
-              <a:t>10/10/2017</a:t>
+              <a:t>10/12/2017</a:t>
             </a:fld>
             <a:endParaRPr lang="en-US"/>
           </a:p>
@@ -6870,7 +6870,7 @@
         </p:nvSpPr>
         <p:spPr>
           <a:xfrm rot="16200000">
-            <a:off x="7924800" y="3428992"/>
+            <a:off x="7924800" y="3276600"/>
             <a:ext cx="304800" cy="304800"/>
           </a:xfrm>
           <a:prstGeom prst="rect">
@@ -6903,9 +6903,13 @@
           <a:bodyPr wrap="square" lIns="45720" rIns="45720" rtlCol="0" anchor="ctr"/>
           <a:lstStyle/>
           <a:p>
-            <a:pPr algn="ctr"/>
-            <a:r>
-              <a:rPr lang="en-US" sz="900" dirty="0">
+            <a:pPr algn="ctr">
+              <a:lnSpc>
+                <a:spcPct val="0"/>
+              </a:lnSpc>
+            </a:pPr>
+            <a:r>
+              <a:rPr lang="en-US" sz="900" dirty="0" smtClean="0">
                 <a:solidFill>
                   <a:srgbClr val="000000"/>
                 </a:solidFill>
@@ -6914,6 +6918,30 @@
               </a:rPr>
               <a:t>&lt;</a:t>
             </a:r>
+          </a:p>
+          <a:p>
+            <a:pPr algn="ctr">
+              <a:lnSpc>
+                <a:spcPct val="0"/>
+              </a:lnSpc>
+            </a:pPr>
+            <a:r>
+              <a:rPr lang="en-US" sz="900" dirty="0" smtClean="0">
+                <a:solidFill>
+                  <a:srgbClr val="000000"/>
+                </a:solidFill>
+                <a:latin typeface="Courier New" panose="02070309020205020404" pitchFamily="49" charset="0"/>
+                <a:cs typeface="Courier New" panose="02070309020205020404" pitchFamily="49" charset="0"/>
+              </a:rPr>
+              <a:t>_</a:t>
+            </a:r>
+            <a:endParaRPr lang="en-US" sz="900" dirty="0">
+              <a:solidFill>
+                <a:srgbClr val="000000"/>
+              </a:solidFill>
+              <a:latin typeface="Courier New" panose="02070309020205020404" pitchFamily="49" charset="0"/>
+              <a:cs typeface="Courier New" panose="02070309020205020404" pitchFamily="49" charset="0"/>
+            </a:endParaRPr>
           </a:p>
         </p:txBody>
       </p:sp>
@@ -13484,7 +13512,7 @@
         </p:nvCxnSpPr>
         <p:spPr>
           <a:xfrm>
-            <a:off x="7620000" y="3657592"/>
+            <a:off x="7620000" y="3352800"/>
             <a:ext cx="304800" cy="0"/>
           </a:xfrm>
           <a:prstGeom prst="line">
@@ -13521,8 +13549,8 @@
         </p:nvCxnSpPr>
         <p:spPr>
           <a:xfrm flipV="1">
-            <a:off x="7620000" y="3657592"/>
-            <a:ext cx="0" cy="1143000"/>
+            <a:off x="7620000" y="3352800"/>
+            <a:ext cx="0" cy="1447792"/>
           </a:xfrm>
           <a:prstGeom prst="line">
             <a:avLst/>
@@ -13597,7 +13625,7 @@
         </p:nvCxnSpPr>
         <p:spPr>
           <a:xfrm>
-            <a:off x="8229600" y="3581392"/>
+            <a:off x="8229600" y="3429000"/>
             <a:ext cx="304800" cy="0"/>
           </a:xfrm>
           <a:prstGeom prst="line">
@@ -13635,7 +13663,7 @@
         <p:spPr>
           <a:xfrm flipV="1">
             <a:off x="8534400" y="2590792"/>
-            <a:ext cx="0" cy="990600"/>
+            <a:ext cx="0" cy="838208"/>
           </a:xfrm>
           <a:prstGeom prst="line">
             <a:avLst/>
@@ -13671,7 +13699,7 @@
         </p:nvCxnSpPr>
         <p:spPr>
           <a:xfrm flipV="1">
-            <a:off x="8305800" y="3505192"/>
+            <a:off x="8305800" y="3352800"/>
             <a:ext cx="152400" cy="152400"/>
           </a:xfrm>
           <a:prstGeom prst="line">
@@ -13708,7 +13736,7 @@
         </p:nvSpPr>
         <p:spPr>
           <a:xfrm>
-            <a:off x="8305800" y="3428993"/>
+            <a:off x="8305800" y="3276601"/>
             <a:ext cx="152400" cy="76199"/>
           </a:xfrm>
           <a:prstGeom prst="rect">
@@ -13761,7 +13789,7 @@
         </p:nvSpPr>
         <p:spPr>
           <a:xfrm>
-            <a:off x="8458200" y="3581393"/>
+            <a:off x="8458200" y="3429000"/>
             <a:ext cx="457200" cy="152399"/>
           </a:xfrm>
           <a:prstGeom prst="rect">

--- a/0090_ber/rtl/schematic/ber_7seg.pptx
+++ b/0090_ber/rtl/schematic/ber_7seg.pptx
@@ -197,7 +197,7 @@
           <a:p>
             <a:fld id="{B9E5BF02-4A65-43B2-AA51-912306618617}" type="datetimeFigureOut">
               <a:rPr lang="en-US" smtClean="0"/>
-              <a:t>10/12/2017</a:t>
+              <a:t>10/25/2017</a:t>
             </a:fld>
             <a:endParaRPr lang="en-US"/>
           </a:p>
@@ -685,7 +685,7 @@
           <a:p>
             <a:fld id="{F8F920B2-3E99-4C9D-9450-62A3DEC5476B}" type="datetimeFigureOut">
               <a:rPr lang="en-US" smtClean="0"/>
-              <a:t>10/12/2017</a:t>
+              <a:t>10/25/2017</a:t>
             </a:fld>
             <a:endParaRPr lang="en-US"/>
           </a:p>
@@ -855,7 +855,7 @@
           <a:p>
             <a:fld id="{F8F920B2-3E99-4C9D-9450-62A3DEC5476B}" type="datetimeFigureOut">
               <a:rPr lang="en-US" smtClean="0"/>
-              <a:t>10/12/2017</a:t>
+              <a:t>10/25/2017</a:t>
             </a:fld>
             <a:endParaRPr lang="en-US"/>
           </a:p>
@@ -1035,7 +1035,7 @@
           <a:p>
             <a:fld id="{F8F920B2-3E99-4C9D-9450-62A3DEC5476B}" type="datetimeFigureOut">
               <a:rPr lang="en-US" smtClean="0"/>
-              <a:t>10/12/2017</a:t>
+              <a:t>10/25/2017</a:t>
             </a:fld>
             <a:endParaRPr lang="en-US"/>
           </a:p>
@@ -1205,7 +1205,7 @@
           <a:p>
             <a:fld id="{F8F920B2-3E99-4C9D-9450-62A3DEC5476B}" type="datetimeFigureOut">
               <a:rPr lang="en-US" smtClean="0"/>
-              <a:t>10/12/2017</a:t>
+              <a:t>10/25/2017</a:t>
             </a:fld>
             <a:endParaRPr lang="en-US"/>
           </a:p>
@@ -1449,7 +1449,7 @@
           <a:p>
             <a:fld id="{F8F920B2-3E99-4C9D-9450-62A3DEC5476B}" type="datetimeFigureOut">
               <a:rPr lang="en-US" smtClean="0"/>
-              <a:t>10/12/2017</a:t>
+              <a:t>10/25/2017</a:t>
             </a:fld>
             <a:endParaRPr lang="en-US"/>
           </a:p>
@@ -1681,7 +1681,7 @@
           <a:p>
             <a:fld id="{F8F920B2-3E99-4C9D-9450-62A3DEC5476B}" type="datetimeFigureOut">
               <a:rPr lang="en-US" smtClean="0"/>
-              <a:t>10/12/2017</a:t>
+              <a:t>10/25/2017</a:t>
             </a:fld>
             <a:endParaRPr lang="en-US"/>
           </a:p>
@@ -2048,7 +2048,7 @@
           <a:p>
             <a:fld id="{F8F920B2-3E99-4C9D-9450-62A3DEC5476B}" type="datetimeFigureOut">
               <a:rPr lang="en-US" smtClean="0"/>
-              <a:t>10/12/2017</a:t>
+              <a:t>10/25/2017</a:t>
             </a:fld>
             <a:endParaRPr lang="en-US"/>
           </a:p>
@@ -2166,7 +2166,7 @@
           <a:p>
             <a:fld id="{F8F920B2-3E99-4C9D-9450-62A3DEC5476B}" type="datetimeFigureOut">
               <a:rPr lang="en-US" smtClean="0"/>
-              <a:t>10/12/2017</a:t>
+              <a:t>10/25/2017</a:t>
             </a:fld>
             <a:endParaRPr lang="en-US"/>
           </a:p>
@@ -2261,7 +2261,7 @@
           <a:p>
             <a:fld id="{F8F920B2-3E99-4C9D-9450-62A3DEC5476B}" type="datetimeFigureOut">
               <a:rPr lang="en-US" smtClean="0"/>
-              <a:t>10/12/2017</a:t>
+              <a:t>10/25/2017</a:t>
             </a:fld>
             <a:endParaRPr lang="en-US"/>
           </a:p>
@@ -2538,7 +2538,7 @@
           <a:p>
             <a:fld id="{F8F920B2-3E99-4C9D-9450-62A3DEC5476B}" type="datetimeFigureOut">
               <a:rPr lang="en-US" smtClean="0"/>
-              <a:t>10/12/2017</a:t>
+              <a:t>10/25/2017</a:t>
             </a:fld>
             <a:endParaRPr lang="en-US"/>
           </a:p>
@@ -2795,7 +2795,7 @@
           <a:p>
             <a:fld id="{F8F920B2-3E99-4C9D-9450-62A3DEC5476B}" type="datetimeFigureOut">
               <a:rPr lang="en-US" smtClean="0"/>
-              <a:t>10/12/2017</a:t>
+              <a:t>10/25/2017</a:t>
             </a:fld>
             <a:endParaRPr lang="en-US"/>
           </a:p>
@@ -3008,7 +3008,7 @@
           <a:p>
             <a:fld id="{F8F920B2-3E99-4C9D-9450-62A3DEC5476B}" type="datetimeFigureOut">
               <a:rPr lang="en-US" smtClean="0"/>
-              <a:t>10/12/2017</a:t>
+              <a:t>10/25/2017</a:t>
             </a:fld>
             <a:endParaRPr lang="en-US"/>
           </a:p>
@@ -12938,8 +12938,8 @@
         </p:nvSpPr>
         <p:spPr>
           <a:xfrm>
-            <a:off x="2286001" y="914392"/>
-            <a:ext cx="609599" cy="1981200"/>
+            <a:off x="2286001" y="762000"/>
+            <a:ext cx="609599" cy="2133592"/>
           </a:xfrm>
           <a:prstGeom prst="rect">
             <a:avLst/>
@@ -14870,7 +14870,7 @@
         <p:spPr>
           <a:xfrm>
             <a:off x="7467600" y="3505192"/>
-            <a:ext cx="0" cy="3886200"/>
+            <a:ext cx="0" cy="5257808"/>
           </a:xfrm>
           <a:prstGeom prst="line">
             <a:avLst/>
@@ -14916,7 +14916,7 @@
             <a:solidFill>
               <a:srgbClr val="000000"/>
             </a:solidFill>
-            <a:headEnd type="none" w="med" len="med"/>
+            <a:headEnd type="oval" w="med" len="med"/>
             <a:tailEnd type="triangle" w="med" len="med"/>
           </a:ln>
         </p:spPr>
@@ -24186,7 +24186,7 @@
         </p:nvSpPr>
         <p:spPr>
           <a:xfrm>
-            <a:off x="16840200" y="10210792"/>
+            <a:off x="18059400" y="10058392"/>
             <a:ext cx="228600" cy="152400"/>
           </a:xfrm>
           <a:prstGeom prst="homePlate">
@@ -24237,7 +24237,7 @@
         </p:nvCxnSpPr>
         <p:spPr>
           <a:xfrm flipV="1">
-            <a:off x="16611600" y="10210792"/>
+            <a:off x="17830800" y="10058392"/>
             <a:ext cx="152400" cy="152400"/>
           </a:xfrm>
           <a:prstGeom prst="line">
@@ -24274,7 +24274,7 @@
         </p:nvSpPr>
         <p:spPr>
           <a:xfrm>
-            <a:off x="16611600" y="10134592"/>
+            <a:off x="17830800" y="9982192"/>
             <a:ext cx="152400" cy="76200"/>
           </a:xfrm>
           <a:prstGeom prst="rect">
@@ -24327,7 +24327,7 @@
         </p:nvSpPr>
         <p:spPr>
           <a:xfrm>
-            <a:off x="15849600" y="10134592"/>
+            <a:off x="17068800" y="9982192"/>
             <a:ext cx="457200" cy="152400"/>
           </a:xfrm>
           <a:prstGeom prst="rect">
@@ -24375,15 +24375,15 @@
         <p:nvCxnSpPr>
           <p:cNvPr id="736" name="Straight Connector 735"/>
           <p:cNvCxnSpPr>
-            <a:stCxn id="676" idx="3"/>
+            <a:stCxn id="590" idx="0"/>
             <a:endCxn id="732" idx="1"/>
           </p:cNvCxnSpPr>
           <p:nvPr/>
         </p:nvCxnSpPr>
         <p:spPr>
-          <a:xfrm>
-            <a:off x="15316200" y="10286992"/>
-            <a:ext cx="1524000" cy="1"/>
+          <a:xfrm flipV="1">
+            <a:off x="16764000" y="10134592"/>
+            <a:ext cx="1295400" cy="8"/>
           </a:xfrm>
           <a:prstGeom prst="line">
             <a:avLst/>
@@ -24419,7 +24419,7 @@
         </p:nvSpPr>
         <p:spPr>
           <a:xfrm>
-            <a:off x="16840200" y="10820393"/>
+            <a:off x="18059400" y="10667993"/>
             <a:ext cx="228600" cy="152400"/>
           </a:xfrm>
           <a:prstGeom prst="homePlate">
@@ -24470,7 +24470,7 @@
         </p:nvCxnSpPr>
         <p:spPr>
           <a:xfrm flipV="1">
-            <a:off x="16611600" y="10820393"/>
+            <a:off x="17830800" y="10667993"/>
             <a:ext cx="152400" cy="152400"/>
           </a:xfrm>
           <a:prstGeom prst="line">
@@ -24507,7 +24507,7 @@
         </p:nvSpPr>
         <p:spPr>
           <a:xfrm>
-            <a:off x="16611600" y="10744193"/>
+            <a:off x="17830800" y="10591793"/>
             <a:ext cx="152400" cy="76200"/>
           </a:xfrm>
           <a:prstGeom prst="rect">
@@ -24560,7 +24560,7 @@
         </p:nvSpPr>
         <p:spPr>
           <a:xfrm>
-            <a:off x="15849600" y="10744193"/>
+            <a:off x="17068800" y="10591793"/>
             <a:ext cx="457200" cy="152400"/>
           </a:xfrm>
           <a:prstGeom prst="rect">
@@ -24608,14 +24608,15 @@
         <p:nvCxnSpPr>
           <p:cNvPr id="741" name="Straight Connector 740"/>
           <p:cNvCxnSpPr>
+            <a:stCxn id="594" idx="0"/>
             <a:endCxn id="737" idx="1"/>
           </p:cNvCxnSpPr>
           <p:nvPr/>
         </p:nvCxnSpPr>
         <p:spPr>
-          <a:xfrm>
-            <a:off x="15316200" y="10896593"/>
-            <a:ext cx="1524000" cy="1"/>
+          <a:xfrm flipV="1">
+            <a:off x="16764000" y="10744193"/>
+            <a:ext cx="1295400" cy="7"/>
           </a:xfrm>
           <a:prstGeom prst="line">
             <a:avLst/>
@@ -24651,7 +24652,7 @@
         </p:nvSpPr>
         <p:spPr>
           <a:xfrm>
-            <a:off x="16840200" y="12496793"/>
+            <a:off x="18059400" y="12344400"/>
             <a:ext cx="228600" cy="152400"/>
           </a:xfrm>
           <a:prstGeom prst="homePlate">
@@ -24702,7 +24703,7 @@
         </p:nvCxnSpPr>
         <p:spPr>
           <a:xfrm flipV="1">
-            <a:off x="16611600" y="12496793"/>
+            <a:off x="17830800" y="12344400"/>
             <a:ext cx="152400" cy="152400"/>
           </a:xfrm>
           <a:prstGeom prst="line">
@@ -24739,7 +24740,7 @@
         </p:nvSpPr>
         <p:spPr>
           <a:xfrm>
-            <a:off x="16611600" y="12420593"/>
+            <a:off x="17830800" y="12268200"/>
             <a:ext cx="152400" cy="76200"/>
           </a:xfrm>
           <a:prstGeom prst="rect">
@@ -24792,7 +24793,7 @@
         </p:nvSpPr>
         <p:spPr>
           <a:xfrm>
-            <a:off x="15849600" y="12420593"/>
+            <a:off x="17068800" y="12268200"/>
             <a:ext cx="457200" cy="152400"/>
           </a:xfrm>
           <a:prstGeom prst="rect">
@@ -24840,14 +24841,15 @@
         <p:nvCxnSpPr>
           <p:cNvPr id="746" name="Straight Connector 745"/>
           <p:cNvCxnSpPr>
+            <a:stCxn id="599" idx="0"/>
             <a:endCxn id="742" idx="1"/>
           </p:cNvCxnSpPr>
           <p:nvPr/>
         </p:nvCxnSpPr>
         <p:spPr>
-          <a:xfrm>
-            <a:off x="15316200" y="12572993"/>
-            <a:ext cx="1524000" cy="1"/>
+          <a:xfrm flipV="1">
+            <a:off x="16764000" y="12420600"/>
+            <a:ext cx="1295400" cy="7"/>
           </a:xfrm>
           <a:prstGeom prst="line">
             <a:avLst/>
@@ -24883,7 +24885,7 @@
         </p:nvSpPr>
         <p:spPr>
           <a:xfrm>
-            <a:off x="16840200" y="13106393"/>
+            <a:off x="18059400" y="12954000"/>
             <a:ext cx="228600" cy="152400"/>
           </a:xfrm>
           <a:prstGeom prst="homePlate">
@@ -24934,7 +24936,7 @@
         </p:nvCxnSpPr>
         <p:spPr>
           <a:xfrm flipV="1">
-            <a:off x="16611600" y="13106393"/>
+            <a:off x="17830800" y="12954000"/>
             <a:ext cx="152400" cy="152400"/>
           </a:xfrm>
           <a:prstGeom prst="line">
@@ -24971,7 +24973,7 @@
         </p:nvSpPr>
         <p:spPr>
           <a:xfrm>
-            <a:off x="16611600" y="13030193"/>
+            <a:off x="17830800" y="12877800"/>
             <a:ext cx="152400" cy="76200"/>
           </a:xfrm>
           <a:prstGeom prst="rect">
@@ -25024,7 +25026,7 @@
         </p:nvSpPr>
         <p:spPr>
           <a:xfrm>
-            <a:off x="15849600" y="13030193"/>
+            <a:off x="17068800" y="12877800"/>
             <a:ext cx="457200" cy="152400"/>
           </a:xfrm>
           <a:prstGeom prst="rect">
@@ -25072,14 +25074,15 @@
         <p:nvCxnSpPr>
           <p:cNvPr id="751" name="Straight Connector 750"/>
           <p:cNvCxnSpPr>
+            <a:stCxn id="689" idx="0"/>
             <a:endCxn id="747" idx="1"/>
           </p:cNvCxnSpPr>
           <p:nvPr/>
         </p:nvCxnSpPr>
         <p:spPr>
-          <a:xfrm>
-            <a:off x="15316200" y="13182593"/>
-            <a:ext cx="1524000" cy="1"/>
+          <a:xfrm flipV="1">
+            <a:off x="16764000" y="13030200"/>
+            <a:ext cx="1295400" cy="7"/>
           </a:xfrm>
           <a:prstGeom prst="line">
             <a:avLst/>
@@ -25471,6 +25474,1876 @@
           </a:p>
         </p:txBody>
       </p:sp>
+      <p:cxnSp>
+        <p:nvCxnSpPr>
+          <p:cNvPr id="588" name="Straight Connector 587"/>
+          <p:cNvCxnSpPr/>
+          <p:nvPr/>
+        </p:nvCxnSpPr>
+        <p:spPr>
+          <a:xfrm>
+            <a:off x="7467600" y="8763000"/>
+            <a:ext cx="9144000" cy="0"/>
+          </a:xfrm>
+          <a:prstGeom prst="line">
+            <a:avLst/>
+          </a:prstGeom>
+          <a:ln w="12700">
+            <a:solidFill>
+              <a:srgbClr val="000000"/>
+            </a:solidFill>
+            <a:headEnd type="none" w="med" len="med"/>
+            <a:tailEnd type="triangle" w="med" len="med"/>
+          </a:ln>
+        </p:spPr>
+        <p:style>
+          <a:lnRef idx="1">
+            <a:schemeClr val="accent1"/>
+          </a:lnRef>
+          <a:fillRef idx="0">
+            <a:schemeClr val="accent1"/>
+          </a:fillRef>
+          <a:effectRef idx="0">
+            <a:schemeClr val="accent1"/>
+          </a:effectRef>
+          <a:fontRef idx="minor">
+            <a:schemeClr val="tx1"/>
+          </a:fontRef>
+        </p:style>
+      </p:cxnSp>
+      <p:sp>
+        <p:nvSpPr>
+          <p:cNvPr id="590" name="Trapezoid 589"/>
+          <p:cNvSpPr/>
+          <p:nvPr/>
+        </p:nvSpPr>
+        <p:spPr>
+          <a:xfrm rot="5400000">
+            <a:off x="16459200" y="10058400"/>
+            <a:ext cx="457200" cy="152400"/>
+          </a:xfrm>
+          <a:prstGeom prst="trapezoid">
+            <a:avLst>
+              <a:gd name="adj" fmla="val 110715"/>
+            </a:avLst>
+          </a:prstGeom>
+          <a:noFill/>
+          <a:ln w="12700">
+            <a:solidFill>
+              <a:srgbClr val="000000"/>
+            </a:solidFill>
+          </a:ln>
+        </p:spPr>
+        <p:style>
+          <a:lnRef idx="2">
+            <a:schemeClr val="accent1">
+              <a:shade val="50000"/>
+            </a:schemeClr>
+          </a:lnRef>
+          <a:fillRef idx="1">
+            <a:schemeClr val="accent1"/>
+          </a:fillRef>
+          <a:effectRef idx="0">
+            <a:schemeClr val="accent1"/>
+          </a:effectRef>
+          <a:fontRef idx="minor">
+            <a:schemeClr val="lt1"/>
+          </a:fontRef>
+        </p:style>
+        <p:txBody>
+          <a:bodyPr rtlCol="0" anchor="ctr"/>
+          <a:lstStyle/>
+          <a:p>
+            <a:pPr algn="ctr"/>
+            <a:endParaRPr lang="en-US" sz="3730"/>
+          </a:p>
+        </p:txBody>
+      </p:sp>
+      <p:sp>
+        <p:nvSpPr>
+          <p:cNvPr id="591" name="Rectangle 590"/>
+          <p:cNvSpPr/>
+          <p:nvPr/>
+        </p:nvSpPr>
+        <p:spPr>
+          <a:xfrm>
+            <a:off x="16611600" y="10134600"/>
+            <a:ext cx="152400" cy="152400"/>
+          </a:xfrm>
+          <a:prstGeom prst="rect">
+            <a:avLst/>
+          </a:prstGeom>
+          <a:noFill/>
+          <a:ln>
+            <a:noFill/>
+          </a:ln>
+        </p:spPr>
+        <p:style>
+          <a:lnRef idx="2">
+            <a:schemeClr val="accent1">
+              <a:shade val="50000"/>
+            </a:schemeClr>
+          </a:lnRef>
+          <a:fillRef idx="1">
+            <a:schemeClr val="accent1"/>
+          </a:fillRef>
+          <a:effectRef idx="0">
+            <a:schemeClr val="accent1"/>
+          </a:effectRef>
+          <a:fontRef idx="minor">
+            <a:schemeClr val="lt1"/>
+          </a:fontRef>
+        </p:style>
+        <p:txBody>
+          <a:bodyPr wrap="none" lIns="45720" rIns="45720" rtlCol="0" anchor="ctr"/>
+          <a:lstStyle/>
+          <a:p>
+            <a:r>
+              <a:rPr lang="en-US" sz="900" dirty="0">
+                <a:solidFill>
+                  <a:srgbClr val="000000"/>
+                </a:solidFill>
+                <a:latin typeface="Courier New" panose="02070309020205020404" pitchFamily="49" charset="0"/>
+                <a:cs typeface="Courier New" panose="02070309020205020404" pitchFamily="49" charset="0"/>
+              </a:rPr>
+              <a:t>0</a:t>
+            </a:r>
+          </a:p>
+        </p:txBody>
+      </p:sp>
+      <p:sp>
+        <p:nvSpPr>
+          <p:cNvPr id="593" name="Rectangle 592"/>
+          <p:cNvSpPr/>
+          <p:nvPr/>
+        </p:nvSpPr>
+        <p:spPr>
+          <a:xfrm>
+            <a:off x="16611600" y="9982200"/>
+            <a:ext cx="152400" cy="152400"/>
+          </a:xfrm>
+          <a:prstGeom prst="rect">
+            <a:avLst/>
+          </a:prstGeom>
+          <a:noFill/>
+          <a:ln>
+            <a:noFill/>
+          </a:ln>
+        </p:spPr>
+        <p:style>
+          <a:lnRef idx="2">
+            <a:schemeClr val="accent1">
+              <a:shade val="50000"/>
+            </a:schemeClr>
+          </a:lnRef>
+          <a:fillRef idx="1">
+            <a:schemeClr val="accent1"/>
+          </a:fillRef>
+          <a:effectRef idx="0">
+            <a:schemeClr val="accent1"/>
+          </a:effectRef>
+          <a:fontRef idx="minor">
+            <a:schemeClr val="lt1"/>
+          </a:fontRef>
+        </p:style>
+        <p:txBody>
+          <a:bodyPr wrap="none" lIns="45720" rIns="45720" rtlCol="0" anchor="ctr"/>
+          <a:lstStyle/>
+          <a:p>
+            <a:r>
+              <a:rPr lang="en-US" sz="900" dirty="0">
+                <a:solidFill>
+                  <a:srgbClr val="000000"/>
+                </a:solidFill>
+                <a:latin typeface="Courier New" panose="02070309020205020404" pitchFamily="49" charset="0"/>
+                <a:cs typeface="Courier New" panose="02070309020205020404" pitchFamily="49" charset="0"/>
+              </a:rPr>
+              <a:t>1</a:t>
+            </a:r>
+          </a:p>
+        </p:txBody>
+      </p:sp>
+      <p:sp>
+        <p:nvSpPr>
+          <p:cNvPr id="594" name="Trapezoid 593"/>
+          <p:cNvSpPr/>
+          <p:nvPr/>
+        </p:nvSpPr>
+        <p:spPr>
+          <a:xfrm rot="5400000">
+            <a:off x="16459200" y="10668000"/>
+            <a:ext cx="457200" cy="152400"/>
+          </a:xfrm>
+          <a:prstGeom prst="trapezoid">
+            <a:avLst>
+              <a:gd name="adj" fmla="val 110715"/>
+            </a:avLst>
+          </a:prstGeom>
+          <a:noFill/>
+          <a:ln w="12700">
+            <a:solidFill>
+              <a:srgbClr val="000000"/>
+            </a:solidFill>
+          </a:ln>
+        </p:spPr>
+        <p:style>
+          <a:lnRef idx="2">
+            <a:schemeClr val="accent1">
+              <a:shade val="50000"/>
+            </a:schemeClr>
+          </a:lnRef>
+          <a:fillRef idx="1">
+            <a:schemeClr val="accent1"/>
+          </a:fillRef>
+          <a:effectRef idx="0">
+            <a:schemeClr val="accent1"/>
+          </a:effectRef>
+          <a:fontRef idx="minor">
+            <a:schemeClr val="lt1"/>
+          </a:fontRef>
+        </p:style>
+        <p:txBody>
+          <a:bodyPr rtlCol="0" anchor="ctr"/>
+          <a:lstStyle/>
+          <a:p>
+            <a:pPr algn="ctr"/>
+            <a:endParaRPr lang="en-US" sz="3730"/>
+          </a:p>
+        </p:txBody>
+      </p:sp>
+      <p:sp>
+        <p:nvSpPr>
+          <p:cNvPr id="597" name="Rectangle 596"/>
+          <p:cNvSpPr/>
+          <p:nvPr/>
+        </p:nvSpPr>
+        <p:spPr>
+          <a:xfrm>
+            <a:off x="16611600" y="10744200"/>
+            <a:ext cx="152400" cy="152400"/>
+          </a:xfrm>
+          <a:prstGeom prst="rect">
+            <a:avLst/>
+          </a:prstGeom>
+          <a:noFill/>
+          <a:ln>
+            <a:noFill/>
+          </a:ln>
+        </p:spPr>
+        <p:style>
+          <a:lnRef idx="2">
+            <a:schemeClr val="accent1">
+              <a:shade val="50000"/>
+            </a:schemeClr>
+          </a:lnRef>
+          <a:fillRef idx="1">
+            <a:schemeClr val="accent1"/>
+          </a:fillRef>
+          <a:effectRef idx="0">
+            <a:schemeClr val="accent1"/>
+          </a:effectRef>
+          <a:fontRef idx="minor">
+            <a:schemeClr val="lt1"/>
+          </a:fontRef>
+        </p:style>
+        <p:txBody>
+          <a:bodyPr wrap="none" lIns="45720" rIns="45720" rtlCol="0" anchor="ctr"/>
+          <a:lstStyle/>
+          <a:p>
+            <a:r>
+              <a:rPr lang="en-US" sz="900" dirty="0">
+                <a:solidFill>
+                  <a:srgbClr val="000000"/>
+                </a:solidFill>
+                <a:latin typeface="Courier New" panose="02070309020205020404" pitchFamily="49" charset="0"/>
+                <a:cs typeface="Courier New" panose="02070309020205020404" pitchFamily="49" charset="0"/>
+              </a:rPr>
+              <a:t>0</a:t>
+            </a:r>
+          </a:p>
+        </p:txBody>
+      </p:sp>
+      <p:sp>
+        <p:nvSpPr>
+          <p:cNvPr id="598" name="Rectangle 597"/>
+          <p:cNvSpPr/>
+          <p:nvPr/>
+        </p:nvSpPr>
+        <p:spPr>
+          <a:xfrm>
+            <a:off x="16611600" y="10591800"/>
+            <a:ext cx="152400" cy="152400"/>
+          </a:xfrm>
+          <a:prstGeom prst="rect">
+            <a:avLst/>
+          </a:prstGeom>
+          <a:noFill/>
+          <a:ln>
+            <a:noFill/>
+          </a:ln>
+        </p:spPr>
+        <p:style>
+          <a:lnRef idx="2">
+            <a:schemeClr val="accent1">
+              <a:shade val="50000"/>
+            </a:schemeClr>
+          </a:lnRef>
+          <a:fillRef idx="1">
+            <a:schemeClr val="accent1"/>
+          </a:fillRef>
+          <a:effectRef idx="0">
+            <a:schemeClr val="accent1"/>
+          </a:effectRef>
+          <a:fontRef idx="minor">
+            <a:schemeClr val="lt1"/>
+          </a:fontRef>
+        </p:style>
+        <p:txBody>
+          <a:bodyPr wrap="none" lIns="45720" rIns="45720" rtlCol="0" anchor="ctr"/>
+          <a:lstStyle/>
+          <a:p>
+            <a:r>
+              <a:rPr lang="en-US" sz="900" dirty="0">
+                <a:solidFill>
+                  <a:srgbClr val="000000"/>
+                </a:solidFill>
+                <a:latin typeface="Courier New" panose="02070309020205020404" pitchFamily="49" charset="0"/>
+                <a:cs typeface="Courier New" panose="02070309020205020404" pitchFamily="49" charset="0"/>
+              </a:rPr>
+              <a:t>1</a:t>
+            </a:r>
+          </a:p>
+        </p:txBody>
+      </p:sp>
+      <p:sp>
+        <p:nvSpPr>
+          <p:cNvPr id="599" name="Trapezoid 598"/>
+          <p:cNvSpPr/>
+          <p:nvPr/>
+        </p:nvSpPr>
+        <p:spPr>
+          <a:xfrm rot="5400000">
+            <a:off x="16459200" y="12344407"/>
+            <a:ext cx="457200" cy="152400"/>
+          </a:xfrm>
+          <a:prstGeom prst="trapezoid">
+            <a:avLst>
+              <a:gd name="adj" fmla="val 110715"/>
+            </a:avLst>
+          </a:prstGeom>
+          <a:noFill/>
+          <a:ln w="12700">
+            <a:solidFill>
+              <a:srgbClr val="000000"/>
+            </a:solidFill>
+          </a:ln>
+        </p:spPr>
+        <p:style>
+          <a:lnRef idx="2">
+            <a:schemeClr val="accent1">
+              <a:shade val="50000"/>
+            </a:schemeClr>
+          </a:lnRef>
+          <a:fillRef idx="1">
+            <a:schemeClr val="accent1"/>
+          </a:fillRef>
+          <a:effectRef idx="0">
+            <a:schemeClr val="accent1"/>
+          </a:effectRef>
+          <a:fontRef idx="minor">
+            <a:schemeClr val="lt1"/>
+          </a:fontRef>
+        </p:style>
+        <p:txBody>
+          <a:bodyPr rtlCol="0" anchor="ctr"/>
+          <a:lstStyle/>
+          <a:p>
+            <a:pPr algn="ctr"/>
+            <a:endParaRPr lang="en-US" sz="3730"/>
+          </a:p>
+        </p:txBody>
+      </p:sp>
+      <p:sp>
+        <p:nvSpPr>
+          <p:cNvPr id="665" name="Rectangle 664"/>
+          <p:cNvSpPr/>
+          <p:nvPr/>
+        </p:nvSpPr>
+        <p:spPr>
+          <a:xfrm>
+            <a:off x="16611600" y="12420607"/>
+            <a:ext cx="152400" cy="152400"/>
+          </a:xfrm>
+          <a:prstGeom prst="rect">
+            <a:avLst/>
+          </a:prstGeom>
+          <a:noFill/>
+          <a:ln>
+            <a:noFill/>
+          </a:ln>
+        </p:spPr>
+        <p:style>
+          <a:lnRef idx="2">
+            <a:schemeClr val="accent1">
+              <a:shade val="50000"/>
+            </a:schemeClr>
+          </a:lnRef>
+          <a:fillRef idx="1">
+            <a:schemeClr val="accent1"/>
+          </a:fillRef>
+          <a:effectRef idx="0">
+            <a:schemeClr val="accent1"/>
+          </a:effectRef>
+          <a:fontRef idx="minor">
+            <a:schemeClr val="lt1"/>
+          </a:fontRef>
+        </p:style>
+        <p:txBody>
+          <a:bodyPr wrap="none" lIns="45720" rIns="45720" rtlCol="0" anchor="ctr"/>
+          <a:lstStyle/>
+          <a:p>
+            <a:r>
+              <a:rPr lang="en-US" sz="900" dirty="0">
+                <a:solidFill>
+                  <a:srgbClr val="000000"/>
+                </a:solidFill>
+                <a:latin typeface="Courier New" panose="02070309020205020404" pitchFamily="49" charset="0"/>
+                <a:cs typeface="Courier New" panose="02070309020205020404" pitchFamily="49" charset="0"/>
+              </a:rPr>
+              <a:t>0</a:t>
+            </a:r>
+          </a:p>
+        </p:txBody>
+      </p:sp>
+      <p:sp>
+        <p:nvSpPr>
+          <p:cNvPr id="680" name="Rectangle 679"/>
+          <p:cNvSpPr/>
+          <p:nvPr/>
+        </p:nvSpPr>
+        <p:spPr>
+          <a:xfrm>
+            <a:off x="16611600" y="12268207"/>
+            <a:ext cx="152400" cy="152400"/>
+          </a:xfrm>
+          <a:prstGeom prst="rect">
+            <a:avLst/>
+          </a:prstGeom>
+          <a:noFill/>
+          <a:ln>
+            <a:noFill/>
+          </a:ln>
+        </p:spPr>
+        <p:style>
+          <a:lnRef idx="2">
+            <a:schemeClr val="accent1">
+              <a:shade val="50000"/>
+            </a:schemeClr>
+          </a:lnRef>
+          <a:fillRef idx="1">
+            <a:schemeClr val="accent1"/>
+          </a:fillRef>
+          <a:effectRef idx="0">
+            <a:schemeClr val="accent1"/>
+          </a:effectRef>
+          <a:fontRef idx="minor">
+            <a:schemeClr val="lt1"/>
+          </a:fontRef>
+        </p:style>
+        <p:txBody>
+          <a:bodyPr wrap="none" lIns="45720" rIns="45720" rtlCol="0" anchor="ctr"/>
+          <a:lstStyle/>
+          <a:p>
+            <a:r>
+              <a:rPr lang="en-US" sz="900" dirty="0">
+                <a:solidFill>
+                  <a:srgbClr val="000000"/>
+                </a:solidFill>
+                <a:latin typeface="Courier New" panose="02070309020205020404" pitchFamily="49" charset="0"/>
+                <a:cs typeface="Courier New" panose="02070309020205020404" pitchFamily="49" charset="0"/>
+              </a:rPr>
+              <a:t>1</a:t>
+            </a:r>
+          </a:p>
+        </p:txBody>
+      </p:sp>
+      <p:sp>
+        <p:nvSpPr>
+          <p:cNvPr id="689" name="Trapezoid 688"/>
+          <p:cNvSpPr/>
+          <p:nvPr/>
+        </p:nvSpPr>
+        <p:spPr>
+          <a:xfrm rot="5400000">
+            <a:off x="16459200" y="12954007"/>
+            <a:ext cx="457200" cy="152400"/>
+          </a:xfrm>
+          <a:prstGeom prst="trapezoid">
+            <a:avLst>
+              <a:gd name="adj" fmla="val 110715"/>
+            </a:avLst>
+          </a:prstGeom>
+          <a:noFill/>
+          <a:ln w="12700">
+            <a:solidFill>
+              <a:srgbClr val="000000"/>
+            </a:solidFill>
+          </a:ln>
+        </p:spPr>
+        <p:style>
+          <a:lnRef idx="2">
+            <a:schemeClr val="accent1">
+              <a:shade val="50000"/>
+            </a:schemeClr>
+          </a:lnRef>
+          <a:fillRef idx="1">
+            <a:schemeClr val="accent1"/>
+          </a:fillRef>
+          <a:effectRef idx="0">
+            <a:schemeClr val="accent1"/>
+          </a:effectRef>
+          <a:fontRef idx="minor">
+            <a:schemeClr val="lt1"/>
+          </a:fontRef>
+        </p:style>
+        <p:txBody>
+          <a:bodyPr rtlCol="0" anchor="ctr"/>
+          <a:lstStyle/>
+          <a:p>
+            <a:pPr algn="ctr"/>
+            <a:endParaRPr lang="en-US" sz="3730"/>
+          </a:p>
+        </p:txBody>
+      </p:sp>
+      <p:sp>
+        <p:nvSpPr>
+          <p:cNvPr id="691" name="Rectangle 690"/>
+          <p:cNvSpPr/>
+          <p:nvPr/>
+        </p:nvSpPr>
+        <p:spPr>
+          <a:xfrm>
+            <a:off x="16611600" y="13030207"/>
+            <a:ext cx="152400" cy="152400"/>
+          </a:xfrm>
+          <a:prstGeom prst="rect">
+            <a:avLst/>
+          </a:prstGeom>
+          <a:noFill/>
+          <a:ln>
+            <a:noFill/>
+          </a:ln>
+        </p:spPr>
+        <p:style>
+          <a:lnRef idx="2">
+            <a:schemeClr val="accent1">
+              <a:shade val="50000"/>
+            </a:schemeClr>
+          </a:lnRef>
+          <a:fillRef idx="1">
+            <a:schemeClr val="accent1"/>
+          </a:fillRef>
+          <a:effectRef idx="0">
+            <a:schemeClr val="accent1"/>
+          </a:effectRef>
+          <a:fontRef idx="minor">
+            <a:schemeClr val="lt1"/>
+          </a:fontRef>
+        </p:style>
+        <p:txBody>
+          <a:bodyPr wrap="none" lIns="45720" rIns="45720" rtlCol="0" anchor="ctr"/>
+          <a:lstStyle/>
+          <a:p>
+            <a:r>
+              <a:rPr lang="en-US" sz="900" dirty="0">
+                <a:solidFill>
+                  <a:srgbClr val="000000"/>
+                </a:solidFill>
+                <a:latin typeface="Courier New" panose="02070309020205020404" pitchFamily="49" charset="0"/>
+                <a:cs typeface="Courier New" panose="02070309020205020404" pitchFamily="49" charset="0"/>
+              </a:rPr>
+              <a:t>0</a:t>
+            </a:r>
+          </a:p>
+        </p:txBody>
+      </p:sp>
+      <p:sp>
+        <p:nvSpPr>
+          <p:cNvPr id="693" name="Rectangle 692"/>
+          <p:cNvSpPr/>
+          <p:nvPr/>
+        </p:nvSpPr>
+        <p:spPr>
+          <a:xfrm>
+            <a:off x="16611600" y="12877807"/>
+            <a:ext cx="152400" cy="152400"/>
+          </a:xfrm>
+          <a:prstGeom prst="rect">
+            <a:avLst/>
+          </a:prstGeom>
+          <a:noFill/>
+          <a:ln>
+            <a:noFill/>
+          </a:ln>
+        </p:spPr>
+        <p:style>
+          <a:lnRef idx="2">
+            <a:schemeClr val="accent1">
+              <a:shade val="50000"/>
+            </a:schemeClr>
+          </a:lnRef>
+          <a:fillRef idx="1">
+            <a:schemeClr val="accent1"/>
+          </a:fillRef>
+          <a:effectRef idx="0">
+            <a:schemeClr val="accent1"/>
+          </a:effectRef>
+          <a:fontRef idx="minor">
+            <a:schemeClr val="lt1"/>
+          </a:fontRef>
+        </p:style>
+        <p:txBody>
+          <a:bodyPr wrap="none" lIns="45720" rIns="45720" rtlCol="0" anchor="ctr"/>
+          <a:lstStyle/>
+          <a:p>
+            <a:r>
+              <a:rPr lang="en-US" sz="900" dirty="0">
+                <a:solidFill>
+                  <a:srgbClr val="000000"/>
+                </a:solidFill>
+                <a:latin typeface="Courier New" panose="02070309020205020404" pitchFamily="49" charset="0"/>
+                <a:cs typeface="Courier New" panose="02070309020205020404" pitchFamily="49" charset="0"/>
+              </a:rPr>
+              <a:t>1</a:t>
+            </a:r>
+          </a:p>
+        </p:txBody>
+      </p:sp>
+      <p:cxnSp>
+        <p:nvCxnSpPr>
+          <p:cNvPr id="699" name="Straight Connector 698"/>
+          <p:cNvCxnSpPr/>
+          <p:nvPr/>
+        </p:nvCxnSpPr>
+        <p:spPr>
+          <a:xfrm flipV="1">
+            <a:off x="16306800" y="9982200"/>
+            <a:ext cx="304800" cy="1"/>
+          </a:xfrm>
+          <a:prstGeom prst="line">
+            <a:avLst/>
+          </a:prstGeom>
+          <a:ln w="12700">
+            <a:solidFill>
+              <a:srgbClr val="000000"/>
+            </a:solidFill>
+            <a:headEnd type="none" w="med" len="med"/>
+            <a:tailEnd type="none" w="med" len="med"/>
+          </a:ln>
+        </p:spPr>
+        <p:style>
+          <a:lnRef idx="1">
+            <a:schemeClr val="accent1"/>
+          </a:lnRef>
+          <a:fillRef idx="0">
+            <a:schemeClr val="accent1"/>
+          </a:fillRef>
+          <a:effectRef idx="0">
+            <a:schemeClr val="accent1"/>
+          </a:effectRef>
+          <a:fontRef idx="minor">
+            <a:schemeClr val="tx1"/>
+          </a:fontRef>
+        </p:style>
+      </p:cxnSp>
+      <p:sp>
+        <p:nvSpPr>
+          <p:cNvPr id="701" name="Rectangle 700"/>
+          <p:cNvSpPr/>
+          <p:nvPr/>
+        </p:nvSpPr>
+        <p:spPr>
+          <a:xfrm>
+            <a:off x="15697200" y="9829793"/>
+            <a:ext cx="457200" cy="152399"/>
+          </a:xfrm>
+          <a:prstGeom prst="rect">
+            <a:avLst/>
+          </a:prstGeom>
+          <a:noFill/>
+          <a:ln>
+            <a:noFill/>
+          </a:ln>
+        </p:spPr>
+        <p:style>
+          <a:lnRef idx="2">
+            <a:schemeClr val="accent1">
+              <a:shade val="50000"/>
+            </a:schemeClr>
+          </a:lnRef>
+          <a:fillRef idx="1">
+            <a:schemeClr val="accent1"/>
+          </a:fillRef>
+          <a:effectRef idx="0">
+            <a:schemeClr val="accent1"/>
+          </a:effectRef>
+          <a:fontRef idx="minor">
+            <a:schemeClr val="lt1"/>
+          </a:fontRef>
+        </p:style>
+        <p:txBody>
+          <a:bodyPr wrap="none" lIns="45720" rIns="45720" rtlCol="0" anchor="ctr"/>
+          <a:lstStyle/>
+          <a:p>
+            <a:r>
+              <a:rPr lang="en-US" sz="900" dirty="0" smtClean="0">
+                <a:solidFill>
+                  <a:srgbClr val="000000"/>
+                </a:solidFill>
+                <a:latin typeface="Courier New" panose="02070309020205020404" pitchFamily="49" charset="0"/>
+                <a:cs typeface="Courier New" panose="02070309020205020404" pitchFamily="49" charset="0"/>
+              </a:rPr>
+              <a:t>7’b1010100</a:t>
+            </a:r>
+            <a:endParaRPr lang="en-US" sz="900" dirty="0">
+              <a:solidFill>
+                <a:srgbClr val="000000"/>
+              </a:solidFill>
+              <a:latin typeface="Courier New" panose="02070309020205020404" pitchFamily="49" charset="0"/>
+              <a:cs typeface="Courier New" panose="02070309020205020404" pitchFamily="49" charset="0"/>
+            </a:endParaRPr>
+          </a:p>
+        </p:txBody>
+      </p:sp>
+      <p:sp>
+        <p:nvSpPr>
+          <p:cNvPr id="702" name="Rectangle 701"/>
+          <p:cNvSpPr/>
+          <p:nvPr/>
+        </p:nvSpPr>
+        <p:spPr>
+          <a:xfrm>
+            <a:off x="15697200" y="9982201"/>
+            <a:ext cx="457200" cy="152399"/>
+          </a:xfrm>
+          <a:prstGeom prst="rect">
+            <a:avLst/>
+          </a:prstGeom>
+          <a:noFill/>
+          <a:ln>
+            <a:noFill/>
+          </a:ln>
+        </p:spPr>
+        <p:style>
+          <a:lnRef idx="2">
+            <a:schemeClr val="accent1">
+              <a:shade val="50000"/>
+            </a:schemeClr>
+          </a:lnRef>
+          <a:fillRef idx="1">
+            <a:schemeClr val="accent1"/>
+          </a:fillRef>
+          <a:effectRef idx="0">
+            <a:schemeClr val="accent1"/>
+          </a:effectRef>
+          <a:fontRef idx="minor">
+            <a:schemeClr val="lt1"/>
+          </a:fontRef>
+        </p:style>
+        <p:txBody>
+          <a:bodyPr wrap="none" lIns="45720" rIns="45720" rtlCol="0" anchor="ctr"/>
+          <a:lstStyle/>
+          <a:p>
+            <a:r>
+              <a:rPr lang="en-US" sz="900" dirty="0" smtClean="0">
+                <a:solidFill>
+                  <a:srgbClr val="000000"/>
+                </a:solidFill>
+                <a:latin typeface="Courier New" panose="02070309020205020404" pitchFamily="49" charset="0"/>
+                <a:cs typeface="Courier New" panose="02070309020205020404" pitchFamily="49" charset="0"/>
+              </a:rPr>
+              <a:t>(n)</a:t>
+            </a:r>
+            <a:endParaRPr lang="en-US" sz="900" dirty="0">
+              <a:solidFill>
+                <a:srgbClr val="000000"/>
+              </a:solidFill>
+              <a:latin typeface="Courier New" panose="02070309020205020404" pitchFamily="49" charset="0"/>
+              <a:cs typeface="Courier New" panose="02070309020205020404" pitchFamily="49" charset="0"/>
+            </a:endParaRPr>
+          </a:p>
+        </p:txBody>
+      </p:sp>
+      <p:cxnSp>
+        <p:nvCxnSpPr>
+          <p:cNvPr id="703" name="Straight Connector 702"/>
+          <p:cNvCxnSpPr/>
+          <p:nvPr/>
+        </p:nvCxnSpPr>
+        <p:spPr>
+          <a:xfrm flipV="1">
+            <a:off x="16306800" y="10591799"/>
+            <a:ext cx="304800" cy="1"/>
+          </a:xfrm>
+          <a:prstGeom prst="line">
+            <a:avLst/>
+          </a:prstGeom>
+          <a:ln w="12700">
+            <a:solidFill>
+              <a:srgbClr val="000000"/>
+            </a:solidFill>
+            <a:headEnd type="none" w="med" len="med"/>
+            <a:tailEnd type="none" w="med" len="med"/>
+          </a:ln>
+        </p:spPr>
+        <p:style>
+          <a:lnRef idx="1">
+            <a:schemeClr val="accent1"/>
+          </a:lnRef>
+          <a:fillRef idx="0">
+            <a:schemeClr val="accent1"/>
+          </a:fillRef>
+          <a:effectRef idx="0">
+            <a:schemeClr val="accent1"/>
+          </a:effectRef>
+          <a:fontRef idx="minor">
+            <a:schemeClr val="tx1"/>
+          </a:fontRef>
+        </p:style>
+      </p:cxnSp>
+      <p:sp>
+        <p:nvSpPr>
+          <p:cNvPr id="704" name="Rectangle 703"/>
+          <p:cNvSpPr/>
+          <p:nvPr/>
+        </p:nvSpPr>
+        <p:spPr>
+          <a:xfrm>
+            <a:off x="15697200" y="10439392"/>
+            <a:ext cx="457200" cy="152399"/>
+          </a:xfrm>
+          <a:prstGeom prst="rect">
+            <a:avLst/>
+          </a:prstGeom>
+          <a:noFill/>
+          <a:ln>
+            <a:noFill/>
+          </a:ln>
+        </p:spPr>
+        <p:style>
+          <a:lnRef idx="2">
+            <a:schemeClr val="accent1">
+              <a:shade val="50000"/>
+            </a:schemeClr>
+          </a:lnRef>
+          <a:fillRef idx="1">
+            <a:schemeClr val="accent1"/>
+          </a:fillRef>
+          <a:effectRef idx="0">
+            <a:schemeClr val="accent1"/>
+          </a:effectRef>
+          <a:fontRef idx="minor">
+            <a:schemeClr val="lt1"/>
+          </a:fontRef>
+        </p:style>
+        <p:txBody>
+          <a:bodyPr wrap="none" lIns="45720" rIns="45720" rtlCol="0" anchor="ctr"/>
+          <a:lstStyle/>
+          <a:p>
+            <a:r>
+              <a:rPr lang="en-US" sz="900" dirty="0" smtClean="0">
+                <a:solidFill>
+                  <a:srgbClr val="000000"/>
+                </a:solidFill>
+                <a:latin typeface="Courier New" panose="02070309020205020404" pitchFamily="49" charset="0"/>
+                <a:cs typeface="Courier New" panose="02070309020205020404" pitchFamily="49" charset="0"/>
+              </a:rPr>
+              <a:t>7’b1011100</a:t>
+            </a:r>
+            <a:endParaRPr lang="en-US" sz="900" dirty="0">
+              <a:solidFill>
+                <a:srgbClr val="000000"/>
+              </a:solidFill>
+              <a:latin typeface="Courier New" panose="02070309020205020404" pitchFamily="49" charset="0"/>
+              <a:cs typeface="Courier New" panose="02070309020205020404" pitchFamily="49" charset="0"/>
+            </a:endParaRPr>
+          </a:p>
+        </p:txBody>
+      </p:sp>
+      <p:sp>
+        <p:nvSpPr>
+          <p:cNvPr id="705" name="Rectangle 704"/>
+          <p:cNvSpPr/>
+          <p:nvPr/>
+        </p:nvSpPr>
+        <p:spPr>
+          <a:xfrm>
+            <a:off x="15697200" y="10591801"/>
+            <a:ext cx="457200" cy="152399"/>
+          </a:xfrm>
+          <a:prstGeom prst="rect">
+            <a:avLst/>
+          </a:prstGeom>
+          <a:noFill/>
+          <a:ln>
+            <a:noFill/>
+          </a:ln>
+        </p:spPr>
+        <p:style>
+          <a:lnRef idx="2">
+            <a:schemeClr val="accent1">
+              <a:shade val="50000"/>
+            </a:schemeClr>
+          </a:lnRef>
+          <a:fillRef idx="1">
+            <a:schemeClr val="accent1"/>
+          </a:fillRef>
+          <a:effectRef idx="0">
+            <a:schemeClr val="accent1"/>
+          </a:effectRef>
+          <a:fontRef idx="minor">
+            <a:schemeClr val="lt1"/>
+          </a:fontRef>
+        </p:style>
+        <p:txBody>
+          <a:bodyPr wrap="none" lIns="45720" rIns="45720" rtlCol="0" anchor="ctr"/>
+          <a:lstStyle/>
+          <a:p>
+            <a:r>
+              <a:rPr lang="en-US" sz="900" dirty="0" smtClean="0">
+                <a:solidFill>
+                  <a:srgbClr val="000000"/>
+                </a:solidFill>
+                <a:latin typeface="Courier New" panose="02070309020205020404" pitchFamily="49" charset="0"/>
+                <a:cs typeface="Courier New" panose="02070309020205020404" pitchFamily="49" charset="0"/>
+              </a:rPr>
+              <a:t>(o)</a:t>
+            </a:r>
+            <a:endParaRPr lang="en-US" sz="900" dirty="0">
+              <a:solidFill>
+                <a:srgbClr val="000000"/>
+              </a:solidFill>
+              <a:latin typeface="Courier New" panose="02070309020205020404" pitchFamily="49" charset="0"/>
+              <a:cs typeface="Courier New" panose="02070309020205020404" pitchFamily="49" charset="0"/>
+            </a:endParaRPr>
+          </a:p>
+        </p:txBody>
+      </p:sp>
+      <p:cxnSp>
+        <p:nvCxnSpPr>
+          <p:cNvPr id="756" name="Straight Connector 755"/>
+          <p:cNvCxnSpPr/>
+          <p:nvPr/>
+        </p:nvCxnSpPr>
+        <p:spPr>
+          <a:xfrm flipV="1">
+            <a:off x="16306800" y="12268207"/>
+            <a:ext cx="304800" cy="1"/>
+          </a:xfrm>
+          <a:prstGeom prst="line">
+            <a:avLst/>
+          </a:prstGeom>
+          <a:ln w="12700">
+            <a:solidFill>
+              <a:srgbClr val="000000"/>
+            </a:solidFill>
+            <a:headEnd type="none" w="med" len="med"/>
+            <a:tailEnd type="none" w="med" len="med"/>
+          </a:ln>
+        </p:spPr>
+        <p:style>
+          <a:lnRef idx="1">
+            <a:schemeClr val="accent1"/>
+          </a:lnRef>
+          <a:fillRef idx="0">
+            <a:schemeClr val="accent1"/>
+          </a:fillRef>
+          <a:effectRef idx="0">
+            <a:schemeClr val="accent1"/>
+          </a:effectRef>
+          <a:fontRef idx="minor">
+            <a:schemeClr val="tx1"/>
+          </a:fontRef>
+        </p:style>
+      </p:cxnSp>
+      <p:sp>
+        <p:nvSpPr>
+          <p:cNvPr id="757" name="Rectangle 756"/>
+          <p:cNvSpPr/>
+          <p:nvPr/>
+        </p:nvSpPr>
+        <p:spPr>
+          <a:xfrm>
+            <a:off x="15697200" y="12115800"/>
+            <a:ext cx="457200" cy="152399"/>
+          </a:xfrm>
+          <a:prstGeom prst="rect">
+            <a:avLst/>
+          </a:prstGeom>
+          <a:noFill/>
+          <a:ln>
+            <a:noFill/>
+          </a:ln>
+        </p:spPr>
+        <p:style>
+          <a:lnRef idx="2">
+            <a:schemeClr val="accent1">
+              <a:shade val="50000"/>
+            </a:schemeClr>
+          </a:lnRef>
+          <a:fillRef idx="1">
+            <a:schemeClr val="accent1"/>
+          </a:fillRef>
+          <a:effectRef idx="0">
+            <a:schemeClr val="accent1"/>
+          </a:effectRef>
+          <a:fontRef idx="minor">
+            <a:schemeClr val="lt1"/>
+          </a:fontRef>
+        </p:style>
+        <p:txBody>
+          <a:bodyPr wrap="none" lIns="45720" rIns="45720" rtlCol="0" anchor="ctr"/>
+          <a:lstStyle/>
+          <a:p>
+            <a:r>
+              <a:rPr lang="en-US" sz="900" dirty="0" smtClean="0">
+                <a:solidFill>
+                  <a:srgbClr val="000000"/>
+                </a:solidFill>
+                <a:latin typeface="Courier New" panose="02070309020205020404" pitchFamily="49" charset="0"/>
+                <a:cs typeface="Courier New" panose="02070309020205020404" pitchFamily="49" charset="0"/>
+              </a:rPr>
+              <a:t>7’b1011110</a:t>
+            </a:r>
+            <a:endParaRPr lang="en-US" sz="900" dirty="0">
+              <a:solidFill>
+                <a:srgbClr val="000000"/>
+              </a:solidFill>
+              <a:latin typeface="Courier New" panose="02070309020205020404" pitchFamily="49" charset="0"/>
+              <a:cs typeface="Courier New" panose="02070309020205020404" pitchFamily="49" charset="0"/>
+            </a:endParaRPr>
+          </a:p>
+        </p:txBody>
+      </p:sp>
+      <p:sp>
+        <p:nvSpPr>
+          <p:cNvPr id="758" name="Rectangle 757"/>
+          <p:cNvSpPr/>
+          <p:nvPr/>
+        </p:nvSpPr>
+        <p:spPr>
+          <a:xfrm>
+            <a:off x="15697200" y="12268208"/>
+            <a:ext cx="457200" cy="152399"/>
+          </a:xfrm>
+          <a:prstGeom prst="rect">
+            <a:avLst/>
+          </a:prstGeom>
+          <a:noFill/>
+          <a:ln>
+            <a:noFill/>
+          </a:ln>
+        </p:spPr>
+        <p:style>
+          <a:lnRef idx="2">
+            <a:schemeClr val="accent1">
+              <a:shade val="50000"/>
+            </a:schemeClr>
+          </a:lnRef>
+          <a:fillRef idx="1">
+            <a:schemeClr val="accent1"/>
+          </a:fillRef>
+          <a:effectRef idx="0">
+            <a:schemeClr val="accent1"/>
+          </a:effectRef>
+          <a:fontRef idx="minor">
+            <a:schemeClr val="lt1"/>
+          </a:fontRef>
+        </p:style>
+        <p:txBody>
+          <a:bodyPr wrap="none" lIns="45720" rIns="45720" rtlCol="0" anchor="ctr"/>
+          <a:lstStyle/>
+          <a:p>
+            <a:r>
+              <a:rPr lang="en-US" sz="900" dirty="0" smtClean="0">
+                <a:solidFill>
+                  <a:srgbClr val="000000"/>
+                </a:solidFill>
+                <a:latin typeface="Courier New" panose="02070309020205020404" pitchFamily="49" charset="0"/>
+                <a:cs typeface="Courier New" panose="02070309020205020404" pitchFamily="49" charset="0"/>
+              </a:rPr>
+              <a:t>(d)</a:t>
+            </a:r>
+            <a:endParaRPr lang="en-US" sz="900" dirty="0">
+              <a:solidFill>
+                <a:srgbClr val="000000"/>
+              </a:solidFill>
+              <a:latin typeface="Courier New" panose="02070309020205020404" pitchFamily="49" charset="0"/>
+              <a:cs typeface="Courier New" panose="02070309020205020404" pitchFamily="49" charset="0"/>
+            </a:endParaRPr>
+          </a:p>
+        </p:txBody>
+      </p:sp>
+      <p:cxnSp>
+        <p:nvCxnSpPr>
+          <p:cNvPr id="759" name="Straight Connector 758"/>
+          <p:cNvCxnSpPr/>
+          <p:nvPr/>
+        </p:nvCxnSpPr>
+        <p:spPr>
+          <a:xfrm flipV="1">
+            <a:off x="16306800" y="12877807"/>
+            <a:ext cx="304800" cy="1"/>
+          </a:xfrm>
+          <a:prstGeom prst="line">
+            <a:avLst/>
+          </a:prstGeom>
+          <a:ln w="12700">
+            <a:solidFill>
+              <a:srgbClr val="000000"/>
+            </a:solidFill>
+            <a:headEnd type="none" w="med" len="med"/>
+            <a:tailEnd type="none" w="med" len="med"/>
+          </a:ln>
+        </p:spPr>
+        <p:style>
+          <a:lnRef idx="1">
+            <a:schemeClr val="accent1"/>
+          </a:lnRef>
+          <a:fillRef idx="0">
+            <a:schemeClr val="accent1"/>
+          </a:fillRef>
+          <a:effectRef idx="0">
+            <a:schemeClr val="accent1"/>
+          </a:effectRef>
+          <a:fontRef idx="minor">
+            <a:schemeClr val="tx1"/>
+          </a:fontRef>
+        </p:style>
+      </p:cxnSp>
+      <p:sp>
+        <p:nvSpPr>
+          <p:cNvPr id="760" name="Rectangle 759"/>
+          <p:cNvSpPr/>
+          <p:nvPr/>
+        </p:nvSpPr>
+        <p:spPr>
+          <a:xfrm>
+            <a:off x="15697200" y="12725400"/>
+            <a:ext cx="457200" cy="152399"/>
+          </a:xfrm>
+          <a:prstGeom prst="rect">
+            <a:avLst/>
+          </a:prstGeom>
+          <a:noFill/>
+          <a:ln>
+            <a:noFill/>
+          </a:ln>
+        </p:spPr>
+        <p:style>
+          <a:lnRef idx="2">
+            <a:schemeClr val="accent1">
+              <a:shade val="50000"/>
+            </a:schemeClr>
+          </a:lnRef>
+          <a:fillRef idx="1">
+            <a:schemeClr val="accent1"/>
+          </a:fillRef>
+          <a:effectRef idx="0">
+            <a:schemeClr val="accent1"/>
+          </a:effectRef>
+          <a:fontRef idx="minor">
+            <a:schemeClr val="lt1"/>
+          </a:fontRef>
+        </p:style>
+        <p:txBody>
+          <a:bodyPr wrap="none" lIns="45720" rIns="45720" rtlCol="0" anchor="ctr"/>
+          <a:lstStyle/>
+          <a:p>
+            <a:r>
+              <a:rPr lang="en-US" sz="900" dirty="0" smtClean="0">
+                <a:solidFill>
+                  <a:srgbClr val="000000"/>
+                </a:solidFill>
+                <a:latin typeface="Courier New" panose="02070309020205020404" pitchFamily="49" charset="0"/>
+                <a:cs typeface="Courier New" panose="02070309020205020404" pitchFamily="49" charset="0"/>
+              </a:rPr>
+              <a:t>7’b1111000</a:t>
+            </a:r>
+            <a:endParaRPr lang="en-US" sz="900" dirty="0">
+              <a:solidFill>
+                <a:srgbClr val="000000"/>
+              </a:solidFill>
+              <a:latin typeface="Courier New" panose="02070309020205020404" pitchFamily="49" charset="0"/>
+              <a:cs typeface="Courier New" panose="02070309020205020404" pitchFamily="49" charset="0"/>
+            </a:endParaRPr>
+          </a:p>
+        </p:txBody>
+      </p:sp>
+      <p:sp>
+        <p:nvSpPr>
+          <p:cNvPr id="761" name="Rectangle 760"/>
+          <p:cNvSpPr/>
+          <p:nvPr/>
+        </p:nvSpPr>
+        <p:spPr>
+          <a:xfrm>
+            <a:off x="15697200" y="12877808"/>
+            <a:ext cx="457200" cy="152399"/>
+          </a:xfrm>
+          <a:prstGeom prst="rect">
+            <a:avLst/>
+          </a:prstGeom>
+          <a:noFill/>
+          <a:ln>
+            <a:noFill/>
+          </a:ln>
+        </p:spPr>
+        <p:style>
+          <a:lnRef idx="2">
+            <a:schemeClr val="accent1">
+              <a:shade val="50000"/>
+            </a:schemeClr>
+          </a:lnRef>
+          <a:fillRef idx="1">
+            <a:schemeClr val="accent1"/>
+          </a:fillRef>
+          <a:effectRef idx="0">
+            <a:schemeClr val="accent1"/>
+          </a:effectRef>
+          <a:fontRef idx="minor">
+            <a:schemeClr val="lt1"/>
+          </a:fontRef>
+        </p:style>
+        <p:txBody>
+          <a:bodyPr wrap="none" lIns="45720" rIns="45720" rtlCol="0" anchor="ctr"/>
+          <a:lstStyle/>
+          <a:p>
+            <a:r>
+              <a:rPr lang="en-US" sz="900" dirty="0" smtClean="0">
+                <a:solidFill>
+                  <a:srgbClr val="000000"/>
+                </a:solidFill>
+                <a:latin typeface="Courier New" panose="02070309020205020404" pitchFamily="49" charset="0"/>
+                <a:cs typeface="Courier New" panose="02070309020205020404" pitchFamily="49" charset="0"/>
+              </a:rPr>
+              <a:t>(t)</a:t>
+            </a:r>
+            <a:endParaRPr lang="en-US" sz="900" dirty="0">
+              <a:solidFill>
+                <a:srgbClr val="000000"/>
+              </a:solidFill>
+              <a:latin typeface="Courier New" panose="02070309020205020404" pitchFamily="49" charset="0"/>
+              <a:cs typeface="Courier New" panose="02070309020205020404" pitchFamily="49" charset="0"/>
+            </a:endParaRPr>
+          </a:p>
+        </p:txBody>
+      </p:sp>
+      <p:cxnSp>
+        <p:nvCxnSpPr>
+          <p:cNvPr id="762" name="Straight Connector 761"/>
+          <p:cNvCxnSpPr/>
+          <p:nvPr/>
+        </p:nvCxnSpPr>
+        <p:spPr>
+          <a:xfrm>
+            <a:off x="15316200" y="10896600"/>
+            <a:ext cx="1295400" cy="0"/>
+          </a:xfrm>
+          <a:prstGeom prst="line">
+            <a:avLst/>
+          </a:prstGeom>
+          <a:ln w="12700">
+            <a:solidFill>
+              <a:srgbClr val="000000"/>
+            </a:solidFill>
+            <a:headEnd type="none" w="med" len="med"/>
+            <a:tailEnd type="none" w="med" len="med"/>
+          </a:ln>
+        </p:spPr>
+        <p:style>
+          <a:lnRef idx="1">
+            <a:schemeClr val="accent1"/>
+          </a:lnRef>
+          <a:fillRef idx="0">
+            <a:schemeClr val="accent1"/>
+          </a:fillRef>
+          <a:effectRef idx="0">
+            <a:schemeClr val="accent1"/>
+          </a:effectRef>
+          <a:fontRef idx="minor">
+            <a:schemeClr val="tx1"/>
+          </a:fontRef>
+        </p:style>
+      </p:cxnSp>
+      <p:cxnSp>
+        <p:nvCxnSpPr>
+          <p:cNvPr id="763" name="Straight Connector 762"/>
+          <p:cNvCxnSpPr/>
+          <p:nvPr/>
+        </p:nvCxnSpPr>
+        <p:spPr>
+          <a:xfrm>
+            <a:off x="15316200" y="10287000"/>
+            <a:ext cx="1295400" cy="0"/>
+          </a:xfrm>
+          <a:prstGeom prst="line">
+            <a:avLst/>
+          </a:prstGeom>
+          <a:ln w="12700">
+            <a:solidFill>
+              <a:srgbClr val="000000"/>
+            </a:solidFill>
+            <a:headEnd type="none" w="med" len="med"/>
+            <a:tailEnd type="none" w="med" len="med"/>
+          </a:ln>
+        </p:spPr>
+        <p:style>
+          <a:lnRef idx="1">
+            <a:schemeClr val="accent1"/>
+          </a:lnRef>
+          <a:fillRef idx="0">
+            <a:schemeClr val="accent1"/>
+          </a:fillRef>
+          <a:effectRef idx="0">
+            <a:schemeClr val="accent1"/>
+          </a:effectRef>
+          <a:fontRef idx="minor">
+            <a:schemeClr val="tx1"/>
+          </a:fontRef>
+        </p:style>
+      </p:cxnSp>
+      <p:cxnSp>
+        <p:nvCxnSpPr>
+          <p:cNvPr id="764" name="Straight Connector 763"/>
+          <p:cNvCxnSpPr/>
+          <p:nvPr/>
+        </p:nvCxnSpPr>
+        <p:spPr>
+          <a:xfrm>
+            <a:off x="15316200" y="13182600"/>
+            <a:ext cx="1295400" cy="0"/>
+          </a:xfrm>
+          <a:prstGeom prst="line">
+            <a:avLst/>
+          </a:prstGeom>
+          <a:ln w="12700">
+            <a:solidFill>
+              <a:srgbClr val="000000"/>
+            </a:solidFill>
+            <a:headEnd type="none" w="med" len="med"/>
+            <a:tailEnd type="none" w="med" len="med"/>
+          </a:ln>
+        </p:spPr>
+        <p:style>
+          <a:lnRef idx="1">
+            <a:schemeClr val="accent1"/>
+          </a:lnRef>
+          <a:fillRef idx="0">
+            <a:schemeClr val="accent1"/>
+          </a:fillRef>
+          <a:effectRef idx="0">
+            <a:schemeClr val="accent1"/>
+          </a:effectRef>
+          <a:fontRef idx="minor">
+            <a:schemeClr val="tx1"/>
+          </a:fontRef>
+        </p:style>
+      </p:cxnSp>
+      <p:cxnSp>
+        <p:nvCxnSpPr>
+          <p:cNvPr id="765" name="Straight Connector 764"/>
+          <p:cNvCxnSpPr/>
+          <p:nvPr/>
+        </p:nvCxnSpPr>
+        <p:spPr>
+          <a:xfrm>
+            <a:off x="15316200" y="12573000"/>
+            <a:ext cx="1295400" cy="0"/>
+          </a:xfrm>
+          <a:prstGeom prst="line">
+            <a:avLst/>
+          </a:prstGeom>
+          <a:ln w="12700">
+            <a:solidFill>
+              <a:srgbClr val="000000"/>
+            </a:solidFill>
+            <a:headEnd type="none" w="med" len="med"/>
+            <a:tailEnd type="none" w="med" len="med"/>
+          </a:ln>
+        </p:spPr>
+        <p:style>
+          <a:lnRef idx="1">
+            <a:schemeClr val="accent1"/>
+          </a:lnRef>
+          <a:fillRef idx="0">
+            <a:schemeClr val="accent1"/>
+          </a:fillRef>
+          <a:effectRef idx="0">
+            <a:schemeClr val="accent1"/>
+          </a:effectRef>
+          <a:fontRef idx="minor">
+            <a:schemeClr val="tx1"/>
+          </a:fontRef>
+        </p:style>
+      </p:cxnSp>
+      <p:sp>
+        <p:nvSpPr>
+          <p:cNvPr id="766" name="Rectangle 765"/>
+          <p:cNvSpPr/>
+          <p:nvPr/>
+        </p:nvSpPr>
+        <p:spPr>
+          <a:xfrm>
+            <a:off x="16611600" y="8686800"/>
+            <a:ext cx="152400" cy="152400"/>
+          </a:xfrm>
+          <a:prstGeom prst="rect">
+            <a:avLst/>
+          </a:prstGeom>
+          <a:noFill/>
+          <a:ln>
+            <a:solidFill>
+              <a:schemeClr val="tx1"/>
+            </a:solidFill>
+          </a:ln>
+        </p:spPr>
+        <p:style>
+          <a:lnRef idx="2">
+            <a:schemeClr val="accent1">
+              <a:shade val="50000"/>
+            </a:schemeClr>
+          </a:lnRef>
+          <a:fillRef idx="1">
+            <a:schemeClr val="accent1"/>
+          </a:fillRef>
+          <a:effectRef idx="0">
+            <a:schemeClr val="accent1"/>
+          </a:effectRef>
+          <a:fontRef idx="minor">
+            <a:schemeClr val="lt1"/>
+          </a:fontRef>
+        </p:style>
+        <p:txBody>
+          <a:bodyPr wrap="none" lIns="45720" rIns="45720" rtlCol="0" anchor="ctr"/>
+          <a:lstStyle/>
+          <a:p>
+            <a:pPr algn="ctr"/>
+            <a:r>
+              <a:rPr lang="en-US" sz="900" dirty="0">
+                <a:solidFill>
+                  <a:srgbClr val="000000"/>
+                </a:solidFill>
+                <a:latin typeface="Courier New" panose="02070309020205020404" pitchFamily="49" charset="0"/>
+                <a:cs typeface="Courier New" panose="02070309020205020404" pitchFamily="49" charset="0"/>
+              </a:rPr>
+              <a:t>=</a:t>
+            </a:r>
+          </a:p>
+        </p:txBody>
+      </p:sp>
+      <p:cxnSp>
+        <p:nvCxnSpPr>
+          <p:cNvPr id="767" name="Straight Connector 766"/>
+          <p:cNvCxnSpPr/>
+          <p:nvPr/>
+        </p:nvCxnSpPr>
+        <p:spPr>
+          <a:xfrm>
+            <a:off x="16687800" y="8458200"/>
+            <a:ext cx="0" cy="228600"/>
+          </a:xfrm>
+          <a:prstGeom prst="line">
+            <a:avLst/>
+          </a:prstGeom>
+          <a:ln w="12700">
+            <a:solidFill>
+              <a:srgbClr val="000000"/>
+            </a:solidFill>
+            <a:headEnd type="none" w="med" len="med"/>
+            <a:tailEnd type="triangle" w="med" len="med"/>
+          </a:ln>
+        </p:spPr>
+        <p:style>
+          <a:lnRef idx="1">
+            <a:schemeClr val="accent1"/>
+          </a:lnRef>
+          <a:fillRef idx="0">
+            <a:schemeClr val="accent1"/>
+          </a:fillRef>
+          <a:effectRef idx="0">
+            <a:schemeClr val="accent1"/>
+          </a:effectRef>
+          <a:fontRef idx="minor">
+            <a:schemeClr val="tx1"/>
+          </a:fontRef>
+        </p:style>
+      </p:cxnSp>
+      <p:sp>
+        <p:nvSpPr>
+          <p:cNvPr id="768" name="Rectangle 767"/>
+          <p:cNvSpPr/>
+          <p:nvPr/>
+        </p:nvSpPr>
+        <p:spPr>
+          <a:xfrm>
+            <a:off x="16535400" y="8305800"/>
+            <a:ext cx="457200" cy="152399"/>
+          </a:xfrm>
+          <a:prstGeom prst="rect">
+            <a:avLst/>
+          </a:prstGeom>
+          <a:noFill/>
+          <a:ln>
+            <a:noFill/>
+          </a:ln>
+        </p:spPr>
+        <p:style>
+          <a:lnRef idx="2">
+            <a:schemeClr val="accent1">
+              <a:shade val="50000"/>
+            </a:schemeClr>
+          </a:lnRef>
+          <a:fillRef idx="1">
+            <a:schemeClr val="accent1"/>
+          </a:fillRef>
+          <a:effectRef idx="0">
+            <a:schemeClr val="accent1"/>
+          </a:effectRef>
+          <a:fontRef idx="minor">
+            <a:schemeClr val="lt1"/>
+          </a:fontRef>
+        </p:style>
+        <p:txBody>
+          <a:bodyPr wrap="none" lIns="45720" rIns="45720" rtlCol="0" anchor="ctr"/>
+          <a:lstStyle/>
+          <a:p>
+            <a:r>
+              <a:rPr lang="en-US" sz="900" dirty="0" smtClean="0">
+                <a:solidFill>
+                  <a:srgbClr val="000000"/>
+                </a:solidFill>
+                <a:latin typeface="Courier New" panose="02070309020205020404" pitchFamily="49" charset="0"/>
+                <a:cs typeface="Courier New" panose="02070309020205020404" pitchFamily="49" charset="0"/>
+              </a:rPr>
+              <a:t>58’d0</a:t>
+            </a:r>
+            <a:endParaRPr lang="en-US" sz="900" dirty="0">
+              <a:solidFill>
+                <a:srgbClr val="000000"/>
+              </a:solidFill>
+              <a:latin typeface="Courier New" panose="02070309020205020404" pitchFamily="49" charset="0"/>
+              <a:cs typeface="Courier New" panose="02070309020205020404" pitchFamily="49" charset="0"/>
+            </a:endParaRPr>
+          </a:p>
+        </p:txBody>
+      </p:sp>
+      <p:cxnSp>
+        <p:nvCxnSpPr>
+          <p:cNvPr id="769" name="Straight Connector 768"/>
+          <p:cNvCxnSpPr>
+            <a:stCxn id="766" idx="2"/>
+          </p:cNvCxnSpPr>
+          <p:nvPr/>
+        </p:nvCxnSpPr>
+        <p:spPr>
+          <a:xfrm>
+            <a:off x="16687800" y="8839200"/>
+            <a:ext cx="0" cy="1143001"/>
+          </a:xfrm>
+          <a:prstGeom prst="line">
+            <a:avLst/>
+          </a:prstGeom>
+          <a:ln w="12700">
+            <a:solidFill>
+              <a:srgbClr val="000000"/>
+            </a:solidFill>
+            <a:headEnd type="none" w="med" len="med"/>
+            <a:tailEnd type="none" w="med" len="med"/>
+          </a:ln>
+        </p:spPr>
+        <p:style>
+          <a:lnRef idx="1">
+            <a:schemeClr val="accent1"/>
+          </a:lnRef>
+          <a:fillRef idx="0">
+            <a:schemeClr val="accent1"/>
+          </a:fillRef>
+          <a:effectRef idx="0">
+            <a:schemeClr val="accent1"/>
+          </a:effectRef>
+          <a:fontRef idx="minor">
+            <a:schemeClr val="tx1"/>
+          </a:fontRef>
+        </p:style>
+      </p:cxnSp>
+      <p:cxnSp>
+        <p:nvCxnSpPr>
+          <p:cNvPr id="770" name="Straight Connector 769"/>
+          <p:cNvCxnSpPr/>
+          <p:nvPr/>
+        </p:nvCxnSpPr>
+        <p:spPr>
+          <a:xfrm>
+            <a:off x="16687800" y="10287000"/>
+            <a:ext cx="0" cy="304801"/>
+          </a:xfrm>
+          <a:prstGeom prst="line">
+            <a:avLst/>
+          </a:prstGeom>
+          <a:ln w="12700">
+            <a:solidFill>
+              <a:srgbClr val="000000"/>
+            </a:solidFill>
+            <a:headEnd type="none" w="med" len="med"/>
+            <a:tailEnd type="none" w="med" len="med"/>
+          </a:ln>
+        </p:spPr>
+        <p:style>
+          <a:lnRef idx="1">
+            <a:schemeClr val="accent1"/>
+          </a:lnRef>
+          <a:fillRef idx="0">
+            <a:schemeClr val="accent1"/>
+          </a:fillRef>
+          <a:effectRef idx="0">
+            <a:schemeClr val="accent1"/>
+          </a:effectRef>
+          <a:fontRef idx="minor">
+            <a:schemeClr val="tx1"/>
+          </a:fontRef>
+        </p:style>
+      </p:cxnSp>
+      <p:cxnSp>
+        <p:nvCxnSpPr>
+          <p:cNvPr id="771" name="Straight Connector 770"/>
+          <p:cNvCxnSpPr/>
+          <p:nvPr/>
+        </p:nvCxnSpPr>
+        <p:spPr>
+          <a:xfrm flipV="1">
+            <a:off x="16611600" y="8991600"/>
+            <a:ext cx="152400" cy="152400"/>
+          </a:xfrm>
+          <a:prstGeom prst="line">
+            <a:avLst/>
+          </a:prstGeom>
+          <a:ln w="12700">
+            <a:solidFill>
+              <a:srgbClr val="000000"/>
+            </a:solidFill>
+            <a:headEnd type="none" w="med" len="med"/>
+            <a:tailEnd type="none" w="med" len="med"/>
+          </a:ln>
+        </p:spPr>
+        <p:style>
+          <a:lnRef idx="1">
+            <a:schemeClr val="accent1"/>
+          </a:lnRef>
+          <a:fillRef idx="0">
+            <a:schemeClr val="accent1"/>
+          </a:fillRef>
+          <a:effectRef idx="0">
+            <a:schemeClr val="accent1"/>
+          </a:effectRef>
+          <a:fontRef idx="minor">
+            <a:schemeClr val="tx1"/>
+          </a:fontRef>
+        </p:style>
+      </p:cxnSp>
+      <p:sp>
+        <p:nvSpPr>
+          <p:cNvPr id="772" name="Rectangle 771"/>
+          <p:cNvSpPr/>
+          <p:nvPr/>
+        </p:nvSpPr>
+        <p:spPr>
+          <a:xfrm>
+            <a:off x="16535400" y="8991600"/>
+            <a:ext cx="152400" cy="76200"/>
+          </a:xfrm>
+          <a:prstGeom prst="rect">
+            <a:avLst/>
+          </a:prstGeom>
+          <a:noFill/>
+          <a:ln>
+            <a:noFill/>
+          </a:ln>
+        </p:spPr>
+        <p:style>
+          <a:lnRef idx="2">
+            <a:schemeClr val="accent1">
+              <a:shade val="50000"/>
+            </a:schemeClr>
+          </a:lnRef>
+          <a:fillRef idx="1">
+            <a:schemeClr val="accent1"/>
+          </a:fillRef>
+          <a:effectRef idx="0">
+            <a:schemeClr val="accent1"/>
+          </a:effectRef>
+          <a:fontRef idx="minor">
+            <a:schemeClr val="lt1"/>
+          </a:fontRef>
+        </p:style>
+        <p:txBody>
+          <a:bodyPr wrap="none" lIns="45720" rIns="45720" rtlCol="0" anchor="ctr"/>
+          <a:lstStyle/>
+          <a:p>
+            <a:pPr algn="ctr"/>
+            <a:r>
+              <a:rPr lang="en-US" sz="900" dirty="0" smtClean="0">
+                <a:solidFill>
+                  <a:srgbClr val="000000"/>
+                </a:solidFill>
+                <a:latin typeface="Courier New" panose="02070309020205020404" pitchFamily="49" charset="0"/>
+                <a:cs typeface="Courier New" panose="02070309020205020404" pitchFamily="49" charset="0"/>
+              </a:rPr>
+              <a:t>1</a:t>
+            </a:r>
+            <a:endParaRPr lang="en-US" sz="900" dirty="0">
+              <a:solidFill>
+                <a:srgbClr val="000000"/>
+              </a:solidFill>
+              <a:latin typeface="Courier New" panose="02070309020205020404" pitchFamily="49" charset="0"/>
+              <a:cs typeface="Courier New" panose="02070309020205020404" pitchFamily="49" charset="0"/>
+            </a:endParaRPr>
+          </a:p>
+        </p:txBody>
+      </p:sp>
+      <p:sp>
+        <p:nvSpPr>
+          <p:cNvPr id="773" name="Rectangle 772"/>
+          <p:cNvSpPr/>
+          <p:nvPr/>
+        </p:nvSpPr>
+        <p:spPr>
+          <a:xfrm rot="5400000">
+            <a:off x="16535400" y="9296400"/>
+            <a:ext cx="457200" cy="152400"/>
+          </a:xfrm>
+          <a:prstGeom prst="rect">
+            <a:avLst/>
+          </a:prstGeom>
+          <a:noFill/>
+          <a:ln>
+            <a:noFill/>
+          </a:ln>
+        </p:spPr>
+        <p:style>
+          <a:lnRef idx="2">
+            <a:schemeClr val="accent1">
+              <a:shade val="50000"/>
+            </a:schemeClr>
+          </a:lnRef>
+          <a:fillRef idx="1">
+            <a:schemeClr val="accent1"/>
+          </a:fillRef>
+          <a:effectRef idx="0">
+            <a:schemeClr val="accent1"/>
+          </a:effectRef>
+          <a:fontRef idx="minor">
+            <a:schemeClr val="lt1"/>
+          </a:fontRef>
+        </p:style>
+        <p:txBody>
+          <a:bodyPr wrap="none" lIns="45720" rIns="45720" rtlCol="0" anchor="ctr"/>
+          <a:lstStyle/>
+          <a:p>
+            <a:r>
+              <a:rPr lang="en-US" sz="900" dirty="0" err="1" smtClean="0">
+                <a:solidFill>
+                  <a:srgbClr val="000000"/>
+                </a:solidFill>
+                <a:latin typeface="Courier New" panose="02070309020205020404" pitchFamily="49" charset="0"/>
+                <a:cs typeface="Courier New" panose="02070309020205020404" pitchFamily="49" charset="0"/>
+              </a:rPr>
+              <a:t>no_data</a:t>
+            </a:r>
+            <a:endParaRPr lang="en-US" sz="900" dirty="0">
+              <a:solidFill>
+                <a:srgbClr val="000000"/>
+              </a:solidFill>
+              <a:latin typeface="Courier New" panose="02070309020205020404" pitchFamily="49" charset="0"/>
+              <a:cs typeface="Courier New" panose="02070309020205020404" pitchFamily="49" charset="0"/>
+            </a:endParaRPr>
+          </a:p>
+        </p:txBody>
+      </p:sp>
+      <p:cxnSp>
+        <p:nvCxnSpPr>
+          <p:cNvPr id="774" name="Straight Connector 773"/>
+          <p:cNvCxnSpPr/>
+          <p:nvPr/>
+        </p:nvCxnSpPr>
+        <p:spPr>
+          <a:xfrm>
+            <a:off x="16687800" y="10896599"/>
+            <a:ext cx="0" cy="1371601"/>
+          </a:xfrm>
+          <a:prstGeom prst="line">
+            <a:avLst/>
+          </a:prstGeom>
+          <a:ln w="12700">
+            <a:solidFill>
+              <a:srgbClr val="000000"/>
+            </a:solidFill>
+            <a:headEnd type="none" w="med" len="med"/>
+            <a:tailEnd type="none" w="med" len="med"/>
+          </a:ln>
+        </p:spPr>
+        <p:style>
+          <a:lnRef idx="1">
+            <a:schemeClr val="accent1"/>
+          </a:lnRef>
+          <a:fillRef idx="0">
+            <a:schemeClr val="accent1"/>
+          </a:fillRef>
+          <a:effectRef idx="0">
+            <a:schemeClr val="accent1"/>
+          </a:effectRef>
+          <a:fontRef idx="minor">
+            <a:schemeClr val="tx1"/>
+          </a:fontRef>
+        </p:style>
+      </p:cxnSp>
+      <p:cxnSp>
+        <p:nvCxnSpPr>
+          <p:cNvPr id="775" name="Straight Connector 774"/>
+          <p:cNvCxnSpPr/>
+          <p:nvPr/>
+        </p:nvCxnSpPr>
+        <p:spPr>
+          <a:xfrm>
+            <a:off x="16687800" y="12573000"/>
+            <a:ext cx="0" cy="304801"/>
+          </a:xfrm>
+          <a:prstGeom prst="line">
+            <a:avLst/>
+          </a:prstGeom>
+          <a:ln w="12700">
+            <a:solidFill>
+              <a:srgbClr val="000000"/>
+            </a:solidFill>
+            <a:headEnd type="none" w="med" len="med"/>
+            <a:tailEnd type="none" w="med" len="med"/>
+          </a:ln>
+        </p:spPr>
+        <p:style>
+          <a:lnRef idx="1">
+            <a:schemeClr val="accent1"/>
+          </a:lnRef>
+          <a:fillRef idx="0">
+            <a:schemeClr val="accent1"/>
+          </a:fillRef>
+          <a:effectRef idx="0">
+            <a:schemeClr val="accent1"/>
+          </a:effectRef>
+          <a:fontRef idx="minor">
+            <a:schemeClr val="tx1"/>
+          </a:fontRef>
+        </p:style>
+      </p:cxnSp>
     </p:spTree>
     <p:extLst>
       <p:ext uri="{BB962C8B-B14F-4D97-AF65-F5344CB8AC3E}">

--- a/0090_ber/rtl/schematic/ber_7seg.pptx
+++ b/0090_ber/rtl/schematic/ber_7seg.pptx
@@ -27344,6 +27344,602 @@
           </a:fontRef>
         </p:style>
       </p:cxnSp>
+      <p:sp>
+        <p:nvSpPr>
+          <p:cNvPr id="776" name="Rectangle 775"/>
+          <p:cNvSpPr/>
+          <p:nvPr/>
+        </p:nvSpPr>
+        <p:spPr>
+          <a:xfrm>
+            <a:off x="15697200" y="13030200"/>
+            <a:ext cx="457200" cy="152400"/>
+          </a:xfrm>
+          <a:prstGeom prst="rect">
+            <a:avLst/>
+          </a:prstGeom>
+          <a:noFill/>
+          <a:ln>
+            <a:noFill/>
+          </a:ln>
+        </p:spPr>
+        <p:style>
+          <a:lnRef idx="2">
+            <a:schemeClr val="accent1">
+              <a:shade val="50000"/>
+            </a:schemeClr>
+          </a:lnRef>
+          <a:fillRef idx="1">
+            <a:schemeClr val="accent1"/>
+          </a:fillRef>
+          <a:effectRef idx="0">
+            <a:schemeClr val="accent1"/>
+          </a:effectRef>
+          <a:fontRef idx="minor">
+            <a:schemeClr val="lt1"/>
+          </a:fontRef>
+        </p:style>
+        <p:txBody>
+          <a:bodyPr wrap="none" lIns="45720" rIns="45720" rtlCol="0" anchor="ctr"/>
+          <a:lstStyle/>
+          <a:p>
+            <a:r>
+              <a:rPr lang="en-US" sz="900" dirty="0" smtClean="0">
+                <a:solidFill>
+                  <a:srgbClr val="000000"/>
+                </a:solidFill>
+                <a:latin typeface="Courier New" panose="02070309020205020404" pitchFamily="49" charset="0"/>
+                <a:cs typeface="Courier New" panose="02070309020205020404" pitchFamily="49" charset="0"/>
+              </a:rPr>
+              <a:t>dec0</a:t>
+            </a:r>
+            <a:endParaRPr lang="en-US" sz="900" dirty="0">
+              <a:solidFill>
+                <a:srgbClr val="000000"/>
+              </a:solidFill>
+              <a:latin typeface="Courier New" panose="02070309020205020404" pitchFamily="49" charset="0"/>
+              <a:cs typeface="Courier New" panose="02070309020205020404" pitchFamily="49" charset="0"/>
+            </a:endParaRPr>
+          </a:p>
+        </p:txBody>
+      </p:sp>
+      <p:cxnSp>
+        <p:nvCxnSpPr>
+          <p:cNvPr id="777" name="Straight Connector 776"/>
+          <p:cNvCxnSpPr/>
+          <p:nvPr/>
+        </p:nvCxnSpPr>
+        <p:spPr>
+          <a:xfrm flipV="1">
+            <a:off x="15392400" y="13106400"/>
+            <a:ext cx="152400" cy="152400"/>
+          </a:xfrm>
+          <a:prstGeom prst="line">
+            <a:avLst/>
+          </a:prstGeom>
+          <a:ln w="12700">
+            <a:solidFill>
+              <a:srgbClr val="000000"/>
+            </a:solidFill>
+            <a:headEnd type="none" w="med" len="med"/>
+            <a:tailEnd type="none" w="med" len="med"/>
+          </a:ln>
+        </p:spPr>
+        <p:style>
+          <a:lnRef idx="1">
+            <a:schemeClr val="accent1"/>
+          </a:lnRef>
+          <a:fillRef idx="0">
+            <a:schemeClr val="accent1"/>
+          </a:fillRef>
+          <a:effectRef idx="0">
+            <a:schemeClr val="accent1"/>
+          </a:effectRef>
+          <a:fontRef idx="minor">
+            <a:schemeClr val="tx1"/>
+          </a:fontRef>
+        </p:style>
+      </p:cxnSp>
+      <p:sp>
+        <p:nvSpPr>
+          <p:cNvPr id="778" name="Rectangle 777"/>
+          <p:cNvSpPr/>
+          <p:nvPr/>
+        </p:nvSpPr>
+        <p:spPr>
+          <a:xfrm>
+            <a:off x="15392400" y="13030200"/>
+            <a:ext cx="152400" cy="76200"/>
+          </a:xfrm>
+          <a:prstGeom prst="rect">
+            <a:avLst/>
+          </a:prstGeom>
+          <a:noFill/>
+          <a:ln>
+            <a:noFill/>
+          </a:ln>
+        </p:spPr>
+        <p:style>
+          <a:lnRef idx="2">
+            <a:schemeClr val="accent1">
+              <a:shade val="50000"/>
+            </a:schemeClr>
+          </a:lnRef>
+          <a:fillRef idx="1">
+            <a:schemeClr val="accent1"/>
+          </a:fillRef>
+          <a:effectRef idx="0">
+            <a:schemeClr val="accent1"/>
+          </a:effectRef>
+          <a:fontRef idx="minor">
+            <a:schemeClr val="lt1"/>
+          </a:fontRef>
+        </p:style>
+        <p:txBody>
+          <a:bodyPr wrap="none" lIns="45720" rIns="45720" rtlCol="0" anchor="ctr"/>
+          <a:lstStyle/>
+          <a:p>
+            <a:pPr algn="ctr"/>
+            <a:r>
+              <a:rPr lang="en-US" sz="900" dirty="0">
+                <a:solidFill>
+                  <a:srgbClr val="000000"/>
+                </a:solidFill>
+                <a:latin typeface="Courier New" panose="02070309020205020404" pitchFamily="49" charset="0"/>
+                <a:cs typeface="Courier New" panose="02070309020205020404" pitchFamily="49" charset="0"/>
+              </a:rPr>
+              <a:t>7</a:t>
+            </a:r>
+          </a:p>
+        </p:txBody>
+      </p:sp>
+      <p:cxnSp>
+        <p:nvCxnSpPr>
+          <p:cNvPr id="779" name="Straight Connector 778"/>
+          <p:cNvCxnSpPr/>
+          <p:nvPr/>
+        </p:nvCxnSpPr>
+        <p:spPr>
+          <a:xfrm flipV="1">
+            <a:off x="15392400" y="12496800"/>
+            <a:ext cx="152400" cy="152400"/>
+          </a:xfrm>
+          <a:prstGeom prst="line">
+            <a:avLst/>
+          </a:prstGeom>
+          <a:ln w="12700">
+            <a:solidFill>
+              <a:srgbClr val="000000"/>
+            </a:solidFill>
+            <a:headEnd type="none" w="med" len="med"/>
+            <a:tailEnd type="none" w="med" len="med"/>
+          </a:ln>
+        </p:spPr>
+        <p:style>
+          <a:lnRef idx="1">
+            <a:schemeClr val="accent1"/>
+          </a:lnRef>
+          <a:fillRef idx="0">
+            <a:schemeClr val="accent1"/>
+          </a:fillRef>
+          <a:effectRef idx="0">
+            <a:schemeClr val="accent1"/>
+          </a:effectRef>
+          <a:fontRef idx="minor">
+            <a:schemeClr val="tx1"/>
+          </a:fontRef>
+        </p:style>
+      </p:cxnSp>
+      <p:sp>
+        <p:nvSpPr>
+          <p:cNvPr id="780" name="Rectangle 779"/>
+          <p:cNvSpPr/>
+          <p:nvPr/>
+        </p:nvSpPr>
+        <p:spPr>
+          <a:xfrm>
+            <a:off x="15392400" y="12420600"/>
+            <a:ext cx="152400" cy="76200"/>
+          </a:xfrm>
+          <a:prstGeom prst="rect">
+            <a:avLst/>
+          </a:prstGeom>
+          <a:noFill/>
+          <a:ln>
+            <a:noFill/>
+          </a:ln>
+        </p:spPr>
+        <p:style>
+          <a:lnRef idx="2">
+            <a:schemeClr val="accent1">
+              <a:shade val="50000"/>
+            </a:schemeClr>
+          </a:lnRef>
+          <a:fillRef idx="1">
+            <a:schemeClr val="accent1"/>
+          </a:fillRef>
+          <a:effectRef idx="0">
+            <a:schemeClr val="accent1"/>
+          </a:effectRef>
+          <a:fontRef idx="minor">
+            <a:schemeClr val="lt1"/>
+          </a:fontRef>
+        </p:style>
+        <p:txBody>
+          <a:bodyPr wrap="none" lIns="45720" rIns="45720" rtlCol="0" anchor="ctr"/>
+          <a:lstStyle/>
+          <a:p>
+            <a:pPr algn="ctr"/>
+            <a:r>
+              <a:rPr lang="en-US" sz="900" dirty="0">
+                <a:solidFill>
+                  <a:srgbClr val="000000"/>
+                </a:solidFill>
+                <a:latin typeface="Courier New" panose="02070309020205020404" pitchFamily="49" charset="0"/>
+                <a:cs typeface="Courier New" panose="02070309020205020404" pitchFamily="49" charset="0"/>
+              </a:rPr>
+              <a:t>7</a:t>
+            </a:r>
+          </a:p>
+        </p:txBody>
+      </p:sp>
+      <p:cxnSp>
+        <p:nvCxnSpPr>
+          <p:cNvPr id="781" name="Straight Connector 780"/>
+          <p:cNvCxnSpPr/>
+          <p:nvPr/>
+        </p:nvCxnSpPr>
+        <p:spPr>
+          <a:xfrm flipV="1">
+            <a:off x="15392400" y="10820400"/>
+            <a:ext cx="152400" cy="152400"/>
+          </a:xfrm>
+          <a:prstGeom prst="line">
+            <a:avLst/>
+          </a:prstGeom>
+          <a:ln w="12700">
+            <a:solidFill>
+              <a:srgbClr val="000000"/>
+            </a:solidFill>
+            <a:headEnd type="none" w="med" len="med"/>
+            <a:tailEnd type="none" w="med" len="med"/>
+          </a:ln>
+        </p:spPr>
+        <p:style>
+          <a:lnRef idx="1">
+            <a:schemeClr val="accent1"/>
+          </a:lnRef>
+          <a:fillRef idx="0">
+            <a:schemeClr val="accent1"/>
+          </a:fillRef>
+          <a:effectRef idx="0">
+            <a:schemeClr val="accent1"/>
+          </a:effectRef>
+          <a:fontRef idx="minor">
+            <a:schemeClr val="tx1"/>
+          </a:fontRef>
+        </p:style>
+      </p:cxnSp>
+      <p:sp>
+        <p:nvSpPr>
+          <p:cNvPr id="782" name="Rectangle 781"/>
+          <p:cNvSpPr/>
+          <p:nvPr/>
+        </p:nvSpPr>
+        <p:spPr>
+          <a:xfrm>
+            <a:off x="15392400" y="10744200"/>
+            <a:ext cx="152400" cy="76200"/>
+          </a:xfrm>
+          <a:prstGeom prst="rect">
+            <a:avLst/>
+          </a:prstGeom>
+          <a:noFill/>
+          <a:ln>
+            <a:noFill/>
+          </a:ln>
+        </p:spPr>
+        <p:style>
+          <a:lnRef idx="2">
+            <a:schemeClr val="accent1">
+              <a:shade val="50000"/>
+            </a:schemeClr>
+          </a:lnRef>
+          <a:fillRef idx="1">
+            <a:schemeClr val="accent1"/>
+          </a:fillRef>
+          <a:effectRef idx="0">
+            <a:schemeClr val="accent1"/>
+          </a:effectRef>
+          <a:fontRef idx="minor">
+            <a:schemeClr val="lt1"/>
+          </a:fontRef>
+        </p:style>
+        <p:txBody>
+          <a:bodyPr wrap="none" lIns="45720" rIns="45720" rtlCol="0" anchor="ctr"/>
+          <a:lstStyle/>
+          <a:p>
+            <a:pPr algn="ctr"/>
+            <a:r>
+              <a:rPr lang="en-US" sz="900" dirty="0">
+                <a:solidFill>
+                  <a:srgbClr val="000000"/>
+                </a:solidFill>
+                <a:latin typeface="Courier New" panose="02070309020205020404" pitchFamily="49" charset="0"/>
+                <a:cs typeface="Courier New" panose="02070309020205020404" pitchFamily="49" charset="0"/>
+              </a:rPr>
+              <a:t>7</a:t>
+            </a:r>
+          </a:p>
+        </p:txBody>
+      </p:sp>
+      <p:cxnSp>
+        <p:nvCxnSpPr>
+          <p:cNvPr id="783" name="Straight Connector 782"/>
+          <p:cNvCxnSpPr/>
+          <p:nvPr/>
+        </p:nvCxnSpPr>
+        <p:spPr>
+          <a:xfrm flipV="1">
+            <a:off x="15392400" y="10210800"/>
+            <a:ext cx="152400" cy="152400"/>
+          </a:xfrm>
+          <a:prstGeom prst="line">
+            <a:avLst/>
+          </a:prstGeom>
+          <a:ln w="12700">
+            <a:solidFill>
+              <a:srgbClr val="000000"/>
+            </a:solidFill>
+            <a:headEnd type="none" w="med" len="med"/>
+            <a:tailEnd type="none" w="med" len="med"/>
+          </a:ln>
+        </p:spPr>
+        <p:style>
+          <a:lnRef idx="1">
+            <a:schemeClr val="accent1"/>
+          </a:lnRef>
+          <a:fillRef idx="0">
+            <a:schemeClr val="accent1"/>
+          </a:fillRef>
+          <a:effectRef idx="0">
+            <a:schemeClr val="accent1"/>
+          </a:effectRef>
+          <a:fontRef idx="minor">
+            <a:schemeClr val="tx1"/>
+          </a:fontRef>
+        </p:style>
+      </p:cxnSp>
+      <p:sp>
+        <p:nvSpPr>
+          <p:cNvPr id="784" name="Rectangle 783"/>
+          <p:cNvSpPr/>
+          <p:nvPr/>
+        </p:nvSpPr>
+        <p:spPr>
+          <a:xfrm>
+            <a:off x="15392400" y="10134600"/>
+            <a:ext cx="152400" cy="76200"/>
+          </a:xfrm>
+          <a:prstGeom prst="rect">
+            <a:avLst/>
+          </a:prstGeom>
+          <a:noFill/>
+          <a:ln>
+            <a:noFill/>
+          </a:ln>
+        </p:spPr>
+        <p:style>
+          <a:lnRef idx="2">
+            <a:schemeClr val="accent1">
+              <a:shade val="50000"/>
+            </a:schemeClr>
+          </a:lnRef>
+          <a:fillRef idx="1">
+            <a:schemeClr val="accent1"/>
+          </a:fillRef>
+          <a:effectRef idx="0">
+            <a:schemeClr val="accent1"/>
+          </a:effectRef>
+          <a:fontRef idx="minor">
+            <a:schemeClr val="lt1"/>
+          </a:fontRef>
+        </p:style>
+        <p:txBody>
+          <a:bodyPr wrap="none" lIns="45720" rIns="45720" rtlCol="0" anchor="ctr"/>
+          <a:lstStyle/>
+          <a:p>
+            <a:pPr algn="ctr"/>
+            <a:r>
+              <a:rPr lang="en-US" sz="900" dirty="0">
+                <a:solidFill>
+                  <a:srgbClr val="000000"/>
+                </a:solidFill>
+                <a:latin typeface="Courier New" panose="02070309020205020404" pitchFamily="49" charset="0"/>
+                <a:cs typeface="Courier New" panose="02070309020205020404" pitchFamily="49" charset="0"/>
+              </a:rPr>
+              <a:t>7</a:t>
+            </a:r>
+          </a:p>
+        </p:txBody>
+      </p:sp>
+      <p:sp>
+        <p:nvSpPr>
+          <p:cNvPr id="785" name="Rectangle 784"/>
+          <p:cNvSpPr/>
+          <p:nvPr/>
+        </p:nvSpPr>
+        <p:spPr>
+          <a:xfrm>
+            <a:off x="15697200" y="12420600"/>
+            <a:ext cx="457200" cy="152400"/>
+          </a:xfrm>
+          <a:prstGeom prst="rect">
+            <a:avLst/>
+          </a:prstGeom>
+          <a:noFill/>
+          <a:ln>
+            <a:noFill/>
+          </a:ln>
+        </p:spPr>
+        <p:style>
+          <a:lnRef idx="2">
+            <a:schemeClr val="accent1">
+              <a:shade val="50000"/>
+            </a:schemeClr>
+          </a:lnRef>
+          <a:fillRef idx="1">
+            <a:schemeClr val="accent1"/>
+          </a:fillRef>
+          <a:effectRef idx="0">
+            <a:schemeClr val="accent1"/>
+          </a:effectRef>
+          <a:fontRef idx="minor">
+            <a:schemeClr val="lt1"/>
+          </a:fontRef>
+        </p:style>
+        <p:txBody>
+          <a:bodyPr wrap="none" lIns="45720" rIns="45720" rtlCol="0" anchor="ctr"/>
+          <a:lstStyle/>
+          <a:p>
+            <a:r>
+              <a:rPr lang="en-US" sz="900" dirty="0" smtClean="0">
+                <a:solidFill>
+                  <a:srgbClr val="000000"/>
+                </a:solidFill>
+                <a:latin typeface="Courier New" panose="02070309020205020404" pitchFamily="49" charset="0"/>
+                <a:cs typeface="Courier New" panose="02070309020205020404" pitchFamily="49" charset="0"/>
+              </a:rPr>
+              <a:t>dec1</a:t>
+            </a:r>
+            <a:endParaRPr lang="en-US" sz="900" dirty="0">
+              <a:solidFill>
+                <a:srgbClr val="000000"/>
+              </a:solidFill>
+              <a:latin typeface="Courier New" panose="02070309020205020404" pitchFamily="49" charset="0"/>
+              <a:cs typeface="Courier New" panose="02070309020205020404" pitchFamily="49" charset="0"/>
+            </a:endParaRPr>
+          </a:p>
+        </p:txBody>
+      </p:sp>
+      <p:sp>
+        <p:nvSpPr>
+          <p:cNvPr id="786" name="Rectangle 785"/>
+          <p:cNvSpPr/>
+          <p:nvPr/>
+        </p:nvSpPr>
+        <p:spPr>
+          <a:xfrm>
+            <a:off x="15697200" y="10744200"/>
+            <a:ext cx="457200" cy="152400"/>
+          </a:xfrm>
+          <a:prstGeom prst="rect">
+            <a:avLst/>
+          </a:prstGeom>
+          <a:noFill/>
+          <a:ln>
+            <a:noFill/>
+          </a:ln>
+        </p:spPr>
+        <p:style>
+          <a:lnRef idx="2">
+            <a:schemeClr val="accent1">
+              <a:shade val="50000"/>
+            </a:schemeClr>
+          </a:lnRef>
+          <a:fillRef idx="1">
+            <a:schemeClr val="accent1"/>
+          </a:fillRef>
+          <a:effectRef idx="0">
+            <a:schemeClr val="accent1"/>
+          </a:effectRef>
+          <a:fontRef idx="minor">
+            <a:schemeClr val="lt1"/>
+          </a:fontRef>
+        </p:style>
+        <p:txBody>
+          <a:bodyPr wrap="none" lIns="45720" rIns="45720" rtlCol="0" anchor="ctr"/>
+          <a:lstStyle/>
+          <a:p>
+            <a:r>
+              <a:rPr lang="en-US" sz="900" dirty="0" smtClean="0">
+                <a:solidFill>
+                  <a:srgbClr val="000000"/>
+                </a:solidFill>
+                <a:latin typeface="Courier New" panose="02070309020205020404" pitchFamily="49" charset="0"/>
+                <a:cs typeface="Courier New" panose="02070309020205020404" pitchFamily="49" charset="0"/>
+              </a:rPr>
+              <a:t>dec2</a:t>
+            </a:r>
+            <a:endParaRPr lang="en-US" sz="900" dirty="0">
+              <a:solidFill>
+                <a:srgbClr val="000000"/>
+              </a:solidFill>
+              <a:latin typeface="Courier New" panose="02070309020205020404" pitchFamily="49" charset="0"/>
+              <a:cs typeface="Courier New" panose="02070309020205020404" pitchFamily="49" charset="0"/>
+            </a:endParaRPr>
+          </a:p>
+        </p:txBody>
+      </p:sp>
+      <p:sp>
+        <p:nvSpPr>
+          <p:cNvPr id="787" name="Rectangle 786"/>
+          <p:cNvSpPr/>
+          <p:nvPr/>
+        </p:nvSpPr>
+        <p:spPr>
+          <a:xfrm>
+            <a:off x="15697200" y="10134600"/>
+            <a:ext cx="457200" cy="152400"/>
+          </a:xfrm>
+          <a:prstGeom prst="rect">
+            <a:avLst/>
+          </a:prstGeom>
+          <a:noFill/>
+          <a:ln>
+            <a:noFill/>
+          </a:ln>
+        </p:spPr>
+        <p:style>
+          <a:lnRef idx="2">
+            <a:schemeClr val="accent1">
+              <a:shade val="50000"/>
+            </a:schemeClr>
+          </a:lnRef>
+          <a:fillRef idx="1">
+            <a:schemeClr val="accent1"/>
+          </a:fillRef>
+          <a:effectRef idx="0">
+            <a:schemeClr val="accent1"/>
+          </a:effectRef>
+          <a:fontRef idx="minor">
+            <a:schemeClr val="lt1"/>
+          </a:fontRef>
+        </p:style>
+        <p:txBody>
+          <a:bodyPr wrap="none" lIns="45720" rIns="45720" rtlCol="0" anchor="ctr"/>
+          <a:lstStyle/>
+          <a:p>
+            <a:r>
+              <a:rPr lang="en-US" sz="900" smtClean="0">
+                <a:solidFill>
+                  <a:srgbClr val="000000"/>
+                </a:solidFill>
+                <a:latin typeface="Courier New" panose="02070309020205020404" pitchFamily="49" charset="0"/>
+                <a:cs typeface="Courier New" panose="02070309020205020404" pitchFamily="49" charset="0"/>
+              </a:rPr>
+              <a:t>dec3</a:t>
+            </a:r>
+            <a:endParaRPr lang="en-US" sz="900" dirty="0">
+              <a:solidFill>
+                <a:srgbClr val="000000"/>
+              </a:solidFill>
+              <a:latin typeface="Courier New" panose="02070309020205020404" pitchFamily="49" charset="0"/>
+              <a:cs typeface="Courier New" panose="02070309020205020404" pitchFamily="49" charset="0"/>
+            </a:endParaRPr>
+          </a:p>
+        </p:txBody>
+      </p:sp>
     </p:spTree>
     <p:extLst>
       <p:ext uri="{BB962C8B-B14F-4D97-AF65-F5344CB8AC3E}">
